--- a/ppt/ReactJS.pptx
+++ b/ppt/ReactJS.pptx
@@ -19,6 +19,8 @@
     <p:sldId id="267" r:id="rId13"/>
     <p:sldId id="268" r:id="rId14"/>
     <p:sldId id="269" r:id="rId15"/>
+    <p:sldId id="270" r:id="rId16"/>
+    <p:sldId id="271" r:id="rId17"/>
   </p:sldIdLst>
   <p:sldSz cx="12192000" cy="6858000"/>
   <p:notesSz cx="6858000" cy="9144000"/>
@@ -20552,6 +20554,4398 @@
 </p:sld>
 </file>
 
+<file path=ppt/slides/slide15.xml><?xml version="1.0" encoding="utf-8"?>
+<p:sld xmlns:a="http://schemas.openxmlformats.org/drawingml/2006/main" xmlns:r="http://schemas.openxmlformats.org/officeDocument/2006/relationships" xmlns:p="http://schemas.openxmlformats.org/presentationml/2006/main">
+  <p:cSld>
+    <p:spTree>
+      <p:nvGrpSpPr>
+        <p:cNvPr id="1" name=""/>
+        <p:cNvGrpSpPr/>
+        <p:nvPr/>
+      </p:nvGrpSpPr>
+      <p:grpSpPr>
+        <a:xfrm>
+          <a:off x="0" y="0"/>
+          <a:ext cx="0" cy="0"/>
+          <a:chOff x="0" y="0"/>
+          <a:chExt cx="0" cy="0"/>
+        </a:xfrm>
+      </p:grpSpPr>
+      <p:sp>
+        <p:nvSpPr>
+          <p:cNvPr id="2" name="Rectangle 1"/>
+          <p:cNvSpPr>
+            <a:spLocks noChangeArrowheads="1"/>
+          </p:cNvSpPr>
+          <p:nvPr/>
+        </p:nvSpPr>
+        <p:spPr bwMode="auto">
+          <a:xfrm>
+            <a:off x="407405" y="779290"/>
+            <a:ext cx="11262511" cy="3570208"/>
+          </a:xfrm>
+          <a:prstGeom prst="rect">
+            <a:avLst/>
+          </a:prstGeom>
+          <a:solidFill>
+            <a:srgbClr val="0C1021"/>
+          </a:solidFill>
+          <a:ln>
+            <a:noFill/>
+          </a:ln>
+          <a:effectLst/>
+          <a:extLst>
+            <a:ext uri="{91240B29-F687-4F45-9708-019B960494DF}">
+              <a14:hiddenLine xmlns:a14="http://schemas.microsoft.com/office/drawing/2010/main" w="9525">
+                <a:solidFill>
+                  <a:schemeClr val="tx1"/>
+                </a:solidFill>
+                <a:miter lim="800000"/>
+                <a:headEnd/>
+                <a:tailEnd/>
+              </a14:hiddenLine>
+            </a:ext>
+            <a:ext uri="{AF507438-7753-43E0-B8FC-AC1667EBCBE1}">
+              <a14:hiddenEffects xmlns:a14="http://schemas.microsoft.com/office/drawing/2010/main">
+                <a:effectLst>
+                  <a:outerShdw dist="35921" dir="2700000" algn="ctr" rotWithShape="0">
+                    <a:schemeClr val="bg2"/>
+                  </a:outerShdw>
+                </a:effectLst>
+              </a14:hiddenEffects>
+            </a:ext>
+          </a:extLst>
+        </p:spPr>
+        <p:txBody>
+          <a:bodyPr vert="horz" wrap="square" lIns="91440" tIns="45720" rIns="91440" bIns="45720" numCol="1" anchor="ctr" anchorCtr="0" compatLnSpc="1">
+            <a:prstTxWarp prst="textNoShape">
+              <a:avLst/>
+            </a:prstTxWarp>
+            <a:spAutoFit/>
+          </a:bodyPr>
+          <a:lstStyle/>
+          <a:p>
+            <a:pPr marL="0" marR="0" lvl="0" indent="0" algn="l" defTabSz="914400" rtl="0" eaLnBrk="0" fontAlgn="base" latinLnBrk="0" hangingPunct="0">
+              <a:lnSpc>
+                <a:spcPct val="100000"/>
+              </a:lnSpc>
+              <a:spcBef>
+                <a:spcPct val="0"/>
+              </a:spcBef>
+              <a:spcAft>
+                <a:spcPct val="0"/>
+              </a:spcAft>
+              <a:buClrTx/>
+              <a:buSzTx/>
+              <a:buFontTx/>
+              <a:buNone/>
+              <a:tabLst/>
+            </a:pPr>
+            <a:r>
+              <a:rPr kumimoji="0" lang="zh-CN" altLang="zh-CN" sz="1300" b="0" i="0" u="none" strike="noStrike" cap="none" normalizeH="0" baseline="0" dirty="0" smtClean="0">
+                <a:ln>
+                  <a:noFill/>
+                </a:ln>
+                <a:solidFill>
+                  <a:srgbClr val="AEAEAE"/>
+                </a:solidFill>
+                <a:effectLst/>
+                <a:latin typeface="Consolas" panose="020B0609020204030204" pitchFamily="49" charset="0"/>
+                <a:cs typeface="Consolas" panose="020B0609020204030204" pitchFamily="49" charset="0"/>
+              </a:rPr>
+              <a:t>// &lt;demo 16: </a:t>
+            </a:r>
+            <a:r>
+              <a:rPr kumimoji="0" lang="zh-CN" altLang="zh-CN" sz="1300" b="0" i="0" u="none" strike="noStrike" cap="none" normalizeH="0" baseline="0" dirty="0" smtClean="0">
+                <a:ln>
+                  <a:noFill/>
+                </a:ln>
+                <a:solidFill>
+                  <a:srgbClr val="AEAEAE"/>
+                </a:solidFill>
+                <a:effectLst/>
+                <a:latin typeface="宋体" panose="02010600030101010101" pitchFamily="2" charset="-122"/>
+                <a:ea typeface="宋体" panose="02010600030101010101" pitchFamily="2" charset="-122"/>
+                <a:cs typeface="Consolas" panose="020B0609020204030204" pitchFamily="49" charset="0"/>
+              </a:rPr>
+              <a:t>与运算符</a:t>
+            </a:r>
+            <a:r>
+              <a:rPr kumimoji="0" lang="zh-CN" altLang="zh-CN" sz="1300" b="0" i="0" u="none" strike="noStrike" cap="none" normalizeH="0" baseline="0" dirty="0" smtClean="0">
+                <a:ln>
+                  <a:noFill/>
+                </a:ln>
+                <a:solidFill>
+                  <a:srgbClr val="AEAEAE"/>
+                </a:solidFill>
+                <a:effectLst/>
+                <a:latin typeface="Consolas" panose="020B0609020204030204" pitchFamily="49" charset="0"/>
+                <a:cs typeface="Consolas" panose="020B0609020204030204" pitchFamily="49" charset="0"/>
+              </a:rPr>
+              <a:t> &amp;&amp;&gt;</a:t>
+            </a:r>
+            <a:br>
+              <a:rPr kumimoji="0" lang="zh-CN" altLang="zh-CN" sz="1300" b="0" i="0" u="none" strike="noStrike" cap="none" normalizeH="0" baseline="0" dirty="0" smtClean="0">
+                <a:ln>
+                  <a:noFill/>
+                </a:ln>
+                <a:solidFill>
+                  <a:srgbClr val="AEAEAE"/>
+                </a:solidFill>
+                <a:effectLst/>
+                <a:latin typeface="Consolas" panose="020B0609020204030204" pitchFamily="49" charset="0"/>
+                <a:cs typeface="Consolas" panose="020B0609020204030204" pitchFamily="49" charset="0"/>
+              </a:rPr>
+            </a:br>
+            <a:r>
+              <a:rPr kumimoji="0" lang="zh-CN" altLang="zh-CN" sz="1300" b="0" i="0" u="none" strike="noStrike" cap="none" normalizeH="0" baseline="0" dirty="0" smtClean="0">
+                <a:ln>
+                  <a:noFill/>
+                </a:ln>
+                <a:solidFill>
+                  <a:srgbClr val="FBDE2D"/>
+                </a:solidFill>
+                <a:effectLst/>
+                <a:latin typeface="Consolas" panose="020B0609020204030204" pitchFamily="49" charset="0"/>
+                <a:cs typeface="Consolas" panose="020B0609020204030204" pitchFamily="49" charset="0"/>
+              </a:rPr>
+              <a:t>function </a:t>
+            </a:r>
+            <a:r>
+              <a:rPr kumimoji="0" lang="zh-CN" altLang="zh-CN" sz="1300" b="0" i="0" u="none" strike="noStrike" cap="none" normalizeH="0" baseline="0" dirty="0" smtClean="0">
+                <a:ln>
+                  <a:noFill/>
+                </a:ln>
+                <a:solidFill>
+                  <a:srgbClr val="FF6400"/>
+                </a:solidFill>
+                <a:effectLst/>
+                <a:latin typeface="Consolas" panose="020B0609020204030204" pitchFamily="49" charset="0"/>
+                <a:cs typeface="Consolas" panose="020B0609020204030204" pitchFamily="49" charset="0"/>
+              </a:rPr>
+              <a:t>MailBox</a:t>
+            </a:r>
+            <a:r>
+              <a:rPr kumimoji="0" lang="zh-CN" altLang="zh-CN" sz="1300" b="0" i="0" u="none" strike="noStrike" cap="none" normalizeH="0" baseline="0" dirty="0" smtClean="0">
+                <a:ln>
+                  <a:noFill/>
+                </a:ln>
+                <a:solidFill>
+                  <a:srgbClr val="F8F8F8"/>
+                </a:solidFill>
+                <a:effectLst/>
+                <a:latin typeface="Consolas" panose="020B0609020204030204" pitchFamily="49" charset="0"/>
+                <a:cs typeface="Consolas" panose="020B0609020204030204" pitchFamily="49" charset="0"/>
+              </a:rPr>
+              <a:t>(</a:t>
+            </a:r>
+            <a:r>
+              <a:rPr kumimoji="0" lang="zh-CN" altLang="zh-CN" sz="1300" b="0" i="0" u="none" strike="noStrike" cap="none" normalizeH="0" baseline="0" dirty="0" smtClean="0">
+                <a:ln>
+                  <a:noFill/>
+                </a:ln>
+                <a:solidFill>
+                  <a:srgbClr val="FF6400"/>
+                </a:solidFill>
+                <a:effectLst/>
+                <a:latin typeface="Consolas" panose="020B0609020204030204" pitchFamily="49" charset="0"/>
+                <a:cs typeface="Consolas" panose="020B0609020204030204" pitchFamily="49" charset="0"/>
+              </a:rPr>
+              <a:t>props</a:t>
+            </a:r>
+            <a:r>
+              <a:rPr kumimoji="0" lang="zh-CN" altLang="zh-CN" sz="1300" b="0" i="0" u="none" strike="noStrike" cap="none" normalizeH="0" baseline="0" dirty="0" smtClean="0">
+                <a:ln>
+                  <a:noFill/>
+                </a:ln>
+                <a:solidFill>
+                  <a:srgbClr val="F8F8F8"/>
+                </a:solidFill>
+                <a:effectLst/>
+                <a:latin typeface="Consolas" panose="020B0609020204030204" pitchFamily="49" charset="0"/>
+                <a:cs typeface="Consolas" panose="020B0609020204030204" pitchFamily="49" charset="0"/>
+              </a:rPr>
+              <a:t>) {</a:t>
+            </a:r>
+            <a:br>
+              <a:rPr kumimoji="0" lang="zh-CN" altLang="zh-CN" sz="1300" b="0" i="0" u="none" strike="noStrike" cap="none" normalizeH="0" baseline="0" dirty="0" smtClean="0">
+                <a:ln>
+                  <a:noFill/>
+                </a:ln>
+                <a:solidFill>
+                  <a:srgbClr val="F8F8F8"/>
+                </a:solidFill>
+                <a:effectLst/>
+                <a:latin typeface="Consolas" panose="020B0609020204030204" pitchFamily="49" charset="0"/>
+                <a:cs typeface="Consolas" panose="020B0609020204030204" pitchFamily="49" charset="0"/>
+              </a:rPr>
+            </a:br>
+            <a:r>
+              <a:rPr kumimoji="0" lang="zh-CN" altLang="zh-CN" sz="1300" b="0" i="0" u="none" strike="noStrike" cap="none" normalizeH="0" baseline="0" dirty="0" smtClean="0">
+                <a:ln>
+                  <a:noFill/>
+                </a:ln>
+                <a:solidFill>
+                  <a:srgbClr val="F8F8F8"/>
+                </a:solidFill>
+                <a:effectLst/>
+                <a:latin typeface="Consolas" panose="020B0609020204030204" pitchFamily="49" charset="0"/>
+                <a:cs typeface="Consolas" panose="020B0609020204030204" pitchFamily="49" charset="0"/>
+              </a:rPr>
+              <a:t>    </a:t>
+            </a:r>
+            <a:r>
+              <a:rPr kumimoji="0" lang="zh-CN" altLang="zh-CN" sz="1300" b="0" i="0" u="none" strike="noStrike" cap="none" normalizeH="0" baseline="0" dirty="0" smtClean="0">
+                <a:ln>
+                  <a:noFill/>
+                </a:ln>
+                <a:solidFill>
+                  <a:srgbClr val="FBDE2D"/>
+                </a:solidFill>
+                <a:effectLst/>
+                <a:latin typeface="Consolas" panose="020B0609020204030204" pitchFamily="49" charset="0"/>
+                <a:cs typeface="Consolas" panose="020B0609020204030204" pitchFamily="49" charset="0"/>
+              </a:rPr>
+              <a:t>return </a:t>
+            </a:r>
+            <a:r>
+              <a:rPr kumimoji="0" lang="zh-CN" altLang="zh-CN" sz="1300" b="0" i="0" u="none" strike="noStrike" cap="none" normalizeH="0" baseline="0" dirty="0" smtClean="0">
+                <a:ln>
+                  <a:noFill/>
+                </a:ln>
+                <a:solidFill>
+                  <a:srgbClr val="F8F8F8"/>
+                </a:solidFill>
+                <a:effectLst/>
+                <a:latin typeface="Consolas" panose="020B0609020204030204" pitchFamily="49" charset="0"/>
+                <a:cs typeface="Consolas" panose="020B0609020204030204" pitchFamily="49" charset="0"/>
+              </a:rPr>
+              <a:t>(</a:t>
+            </a:r>
+            <a:br>
+              <a:rPr kumimoji="0" lang="zh-CN" altLang="zh-CN" sz="1300" b="0" i="0" u="none" strike="noStrike" cap="none" normalizeH="0" baseline="0" dirty="0" smtClean="0">
+                <a:ln>
+                  <a:noFill/>
+                </a:ln>
+                <a:solidFill>
+                  <a:srgbClr val="F8F8F8"/>
+                </a:solidFill>
+                <a:effectLst/>
+                <a:latin typeface="Consolas" panose="020B0609020204030204" pitchFamily="49" charset="0"/>
+                <a:cs typeface="Consolas" panose="020B0609020204030204" pitchFamily="49" charset="0"/>
+              </a:rPr>
+            </a:br>
+            <a:r>
+              <a:rPr kumimoji="0" lang="zh-CN" altLang="zh-CN" sz="1300" b="0" i="0" u="none" strike="noStrike" cap="none" normalizeH="0" baseline="0" dirty="0" smtClean="0">
+                <a:ln>
+                  <a:noFill/>
+                </a:ln>
+                <a:solidFill>
+                  <a:srgbClr val="F8F8F8"/>
+                </a:solidFill>
+                <a:effectLst/>
+                <a:latin typeface="Consolas" panose="020B0609020204030204" pitchFamily="49" charset="0"/>
+                <a:cs typeface="Consolas" panose="020B0609020204030204" pitchFamily="49" charset="0"/>
+              </a:rPr>
+              <a:t>        &lt;</a:t>
+            </a:r>
+            <a:r>
+              <a:rPr kumimoji="0" lang="zh-CN" altLang="zh-CN" sz="1300" b="0" i="0" u="none" strike="noStrike" cap="none" normalizeH="0" baseline="0" dirty="0" smtClean="0">
+                <a:ln>
+                  <a:noFill/>
+                </a:ln>
+                <a:solidFill>
+                  <a:srgbClr val="7F90AA"/>
+                </a:solidFill>
+                <a:effectLst/>
+                <a:latin typeface="Consolas" panose="020B0609020204030204" pitchFamily="49" charset="0"/>
+                <a:cs typeface="Consolas" panose="020B0609020204030204" pitchFamily="49" charset="0"/>
+              </a:rPr>
+              <a:t>div</a:t>
+            </a:r>
+            <a:r>
+              <a:rPr kumimoji="0" lang="zh-CN" altLang="zh-CN" sz="1300" b="0" i="0" u="none" strike="noStrike" cap="none" normalizeH="0" baseline="0" dirty="0" smtClean="0">
+                <a:ln>
+                  <a:noFill/>
+                </a:ln>
+                <a:solidFill>
+                  <a:srgbClr val="F8F8F8"/>
+                </a:solidFill>
+                <a:effectLst/>
+                <a:latin typeface="Consolas" panose="020B0609020204030204" pitchFamily="49" charset="0"/>
+                <a:cs typeface="Consolas" panose="020B0609020204030204" pitchFamily="49" charset="0"/>
+              </a:rPr>
+              <a:t>&gt;</a:t>
+            </a:r>
+            <a:br>
+              <a:rPr kumimoji="0" lang="zh-CN" altLang="zh-CN" sz="1300" b="0" i="0" u="none" strike="noStrike" cap="none" normalizeH="0" baseline="0" dirty="0" smtClean="0">
+                <a:ln>
+                  <a:noFill/>
+                </a:ln>
+                <a:solidFill>
+                  <a:srgbClr val="F8F8F8"/>
+                </a:solidFill>
+                <a:effectLst/>
+                <a:latin typeface="Consolas" panose="020B0609020204030204" pitchFamily="49" charset="0"/>
+                <a:cs typeface="Consolas" panose="020B0609020204030204" pitchFamily="49" charset="0"/>
+              </a:rPr>
+            </a:br>
+            <a:r>
+              <a:rPr kumimoji="0" lang="zh-CN" altLang="zh-CN" sz="1300" b="0" i="0" u="none" strike="noStrike" cap="none" normalizeH="0" baseline="0" dirty="0" smtClean="0">
+                <a:ln>
+                  <a:noFill/>
+                </a:ln>
+                <a:solidFill>
+                  <a:srgbClr val="F8F8F8"/>
+                </a:solidFill>
+                <a:effectLst/>
+                <a:latin typeface="Consolas" panose="020B0609020204030204" pitchFamily="49" charset="0"/>
+                <a:cs typeface="Consolas" panose="020B0609020204030204" pitchFamily="49" charset="0"/>
+              </a:rPr>
+              <a:t>            &lt;</a:t>
+            </a:r>
+            <a:r>
+              <a:rPr kumimoji="0" lang="zh-CN" altLang="zh-CN" sz="1300" b="0" i="0" u="none" strike="noStrike" cap="none" normalizeH="0" baseline="0" dirty="0" smtClean="0">
+                <a:ln>
+                  <a:noFill/>
+                </a:ln>
+                <a:solidFill>
+                  <a:srgbClr val="7F90AA"/>
+                </a:solidFill>
+                <a:effectLst/>
+                <a:latin typeface="Consolas" panose="020B0609020204030204" pitchFamily="49" charset="0"/>
+                <a:cs typeface="Consolas" panose="020B0609020204030204" pitchFamily="49" charset="0"/>
+              </a:rPr>
+              <a:t>h1</a:t>
+            </a:r>
+            <a:r>
+              <a:rPr kumimoji="0" lang="zh-CN" altLang="zh-CN" sz="1300" b="0" i="0" u="none" strike="noStrike" cap="none" normalizeH="0" baseline="0" dirty="0" smtClean="0">
+                <a:ln>
+                  <a:noFill/>
+                </a:ln>
+                <a:solidFill>
+                  <a:srgbClr val="F8F8F8"/>
+                </a:solidFill>
+                <a:effectLst/>
+                <a:latin typeface="Consolas" panose="020B0609020204030204" pitchFamily="49" charset="0"/>
+                <a:cs typeface="Consolas" panose="020B0609020204030204" pitchFamily="49" charset="0"/>
+              </a:rPr>
+              <a:t>&gt;</a:t>
+            </a:r>
+            <a:r>
+              <a:rPr kumimoji="0" lang="zh-CN" altLang="zh-CN" sz="1300" b="1" i="0" u="none" strike="noStrike" cap="none" normalizeH="0" baseline="0" dirty="0" smtClean="0">
+                <a:ln>
+                  <a:noFill/>
+                </a:ln>
+                <a:solidFill>
+                  <a:srgbClr val="F8F8F8"/>
+                </a:solidFill>
+                <a:effectLst/>
+                <a:latin typeface="Consolas" panose="020B0609020204030204" pitchFamily="49" charset="0"/>
+                <a:cs typeface="Consolas" panose="020B0609020204030204" pitchFamily="49" charset="0"/>
+              </a:rPr>
+              <a:t>Hello~~~</a:t>
+            </a:r>
+            <a:r>
+              <a:rPr kumimoji="0" lang="zh-CN" altLang="zh-CN" sz="1300" b="0" i="0" u="none" strike="noStrike" cap="none" normalizeH="0" baseline="0" dirty="0" smtClean="0">
+                <a:ln>
+                  <a:noFill/>
+                </a:ln>
+                <a:solidFill>
+                  <a:srgbClr val="F8F8F8"/>
+                </a:solidFill>
+                <a:effectLst/>
+                <a:latin typeface="Consolas" panose="020B0609020204030204" pitchFamily="49" charset="0"/>
+                <a:cs typeface="Consolas" panose="020B0609020204030204" pitchFamily="49" charset="0"/>
+              </a:rPr>
+              <a:t>&lt;/</a:t>
+            </a:r>
+            <a:r>
+              <a:rPr kumimoji="0" lang="zh-CN" altLang="zh-CN" sz="1300" b="0" i="0" u="none" strike="noStrike" cap="none" normalizeH="0" baseline="0" dirty="0" smtClean="0">
+                <a:ln>
+                  <a:noFill/>
+                </a:ln>
+                <a:solidFill>
+                  <a:srgbClr val="7F90AA"/>
+                </a:solidFill>
+                <a:effectLst/>
+                <a:latin typeface="Consolas" panose="020B0609020204030204" pitchFamily="49" charset="0"/>
+                <a:cs typeface="Consolas" panose="020B0609020204030204" pitchFamily="49" charset="0"/>
+              </a:rPr>
+              <a:t>h1</a:t>
+            </a:r>
+            <a:r>
+              <a:rPr kumimoji="0" lang="zh-CN" altLang="zh-CN" sz="1300" b="0" i="0" u="none" strike="noStrike" cap="none" normalizeH="0" baseline="0" dirty="0" smtClean="0">
+                <a:ln>
+                  <a:noFill/>
+                </a:ln>
+                <a:solidFill>
+                  <a:srgbClr val="F8F8F8"/>
+                </a:solidFill>
+                <a:effectLst/>
+                <a:latin typeface="Consolas" panose="020B0609020204030204" pitchFamily="49" charset="0"/>
+                <a:cs typeface="Consolas" panose="020B0609020204030204" pitchFamily="49" charset="0"/>
+              </a:rPr>
+              <a:t>&gt;</a:t>
+            </a:r>
+            <a:br>
+              <a:rPr kumimoji="0" lang="zh-CN" altLang="zh-CN" sz="1300" b="0" i="0" u="none" strike="noStrike" cap="none" normalizeH="0" baseline="0" dirty="0" smtClean="0">
+                <a:ln>
+                  <a:noFill/>
+                </a:ln>
+                <a:solidFill>
+                  <a:srgbClr val="F8F8F8"/>
+                </a:solidFill>
+                <a:effectLst/>
+                <a:latin typeface="Consolas" panose="020B0609020204030204" pitchFamily="49" charset="0"/>
+                <a:cs typeface="Consolas" panose="020B0609020204030204" pitchFamily="49" charset="0"/>
+              </a:rPr>
+            </a:br>
+            <a:r>
+              <a:rPr kumimoji="0" lang="zh-CN" altLang="zh-CN" sz="1300" b="0" i="0" u="none" strike="noStrike" cap="none" normalizeH="0" baseline="0" dirty="0" smtClean="0">
+                <a:ln>
+                  <a:noFill/>
+                </a:ln>
+                <a:solidFill>
+                  <a:srgbClr val="F8F8F8"/>
+                </a:solidFill>
+                <a:effectLst/>
+                <a:latin typeface="Consolas" panose="020B0609020204030204" pitchFamily="49" charset="0"/>
+                <a:cs typeface="Consolas" panose="020B0609020204030204" pitchFamily="49" charset="0"/>
+              </a:rPr>
+              <a:t>            {</a:t>
+            </a:r>
+            <a:br>
+              <a:rPr kumimoji="0" lang="zh-CN" altLang="zh-CN" sz="1300" b="0" i="0" u="none" strike="noStrike" cap="none" normalizeH="0" baseline="0" dirty="0" smtClean="0">
+                <a:ln>
+                  <a:noFill/>
+                </a:ln>
+                <a:solidFill>
+                  <a:srgbClr val="F8F8F8"/>
+                </a:solidFill>
+                <a:effectLst/>
+                <a:latin typeface="Consolas" panose="020B0609020204030204" pitchFamily="49" charset="0"/>
+                <a:cs typeface="Consolas" panose="020B0609020204030204" pitchFamily="49" charset="0"/>
+              </a:rPr>
+            </a:br>
+            <a:r>
+              <a:rPr kumimoji="0" lang="zh-CN" altLang="zh-CN" sz="1300" b="0" i="0" u="none" strike="noStrike" cap="none" normalizeH="0" baseline="0" dirty="0" smtClean="0">
+                <a:ln>
+                  <a:noFill/>
+                </a:ln>
+                <a:solidFill>
+                  <a:srgbClr val="F8F8F8"/>
+                </a:solidFill>
+                <a:effectLst/>
+                <a:latin typeface="Consolas" panose="020B0609020204030204" pitchFamily="49" charset="0"/>
+                <a:cs typeface="Consolas" panose="020B0609020204030204" pitchFamily="49" charset="0"/>
+              </a:rPr>
+              <a:t>                </a:t>
+            </a:r>
+            <a:r>
+              <a:rPr kumimoji="0" lang="zh-CN" altLang="zh-CN" sz="1300" b="0" i="0" u="none" strike="noStrike" cap="none" normalizeH="0" baseline="0" dirty="0" smtClean="0">
+                <a:ln>
+                  <a:noFill/>
+                </a:ln>
+                <a:solidFill>
+                  <a:srgbClr val="FF6400"/>
+                </a:solidFill>
+                <a:effectLst/>
+                <a:latin typeface="Consolas" panose="020B0609020204030204" pitchFamily="49" charset="0"/>
+                <a:cs typeface="Consolas" panose="020B0609020204030204" pitchFamily="49" charset="0"/>
+              </a:rPr>
+              <a:t>props</a:t>
+            </a:r>
+            <a:r>
+              <a:rPr kumimoji="0" lang="zh-CN" altLang="zh-CN" sz="1300" b="0" i="0" u="none" strike="noStrike" cap="none" normalizeH="0" baseline="0" dirty="0" smtClean="0">
+                <a:ln>
+                  <a:noFill/>
+                </a:ln>
+                <a:solidFill>
+                  <a:srgbClr val="F8F8F8"/>
+                </a:solidFill>
+                <a:effectLst/>
+                <a:latin typeface="Consolas" panose="020B0609020204030204" pitchFamily="49" charset="0"/>
+                <a:cs typeface="Consolas" panose="020B0609020204030204" pitchFamily="49" charset="0"/>
+              </a:rPr>
+              <a:t>.unReadMessages.</a:t>
+            </a:r>
+            <a:r>
+              <a:rPr kumimoji="0" lang="zh-CN" altLang="zh-CN" sz="1300" b="0" i="0" u="none" strike="noStrike" cap="none" normalizeH="0" baseline="0" dirty="0" smtClean="0">
+                <a:ln>
+                  <a:noFill/>
+                </a:ln>
+                <a:solidFill>
+                  <a:srgbClr val="FF6400"/>
+                </a:solidFill>
+                <a:effectLst/>
+                <a:latin typeface="Consolas" panose="020B0609020204030204" pitchFamily="49" charset="0"/>
+                <a:cs typeface="Consolas" panose="020B0609020204030204" pitchFamily="49" charset="0"/>
+              </a:rPr>
+              <a:t>length </a:t>
+            </a:r>
+            <a:r>
+              <a:rPr kumimoji="0" lang="zh-CN" altLang="zh-CN" sz="1300" b="0" i="0" u="none" strike="noStrike" cap="none" normalizeH="0" baseline="0" dirty="0" smtClean="0">
+                <a:ln>
+                  <a:noFill/>
+                </a:ln>
+                <a:solidFill>
+                  <a:srgbClr val="FBDE2D"/>
+                </a:solidFill>
+                <a:effectLst/>
+                <a:latin typeface="Consolas" panose="020B0609020204030204" pitchFamily="49" charset="0"/>
+                <a:cs typeface="Consolas" panose="020B0609020204030204" pitchFamily="49" charset="0"/>
+              </a:rPr>
+              <a:t>&gt; </a:t>
+            </a:r>
+            <a:r>
+              <a:rPr kumimoji="0" lang="zh-CN" altLang="zh-CN" sz="1300" b="0" i="0" u="none" strike="noStrike" cap="none" normalizeH="0" baseline="0" dirty="0" smtClean="0">
+                <a:ln>
+                  <a:noFill/>
+                </a:ln>
+                <a:solidFill>
+                  <a:srgbClr val="D8FA3C"/>
+                </a:solidFill>
+                <a:effectLst/>
+                <a:latin typeface="Consolas" panose="020B0609020204030204" pitchFamily="49" charset="0"/>
+                <a:cs typeface="Consolas" panose="020B0609020204030204" pitchFamily="49" charset="0"/>
+              </a:rPr>
+              <a:t>0 </a:t>
+            </a:r>
+            <a:r>
+              <a:rPr kumimoji="0" lang="zh-CN" altLang="zh-CN" sz="1300" b="0" i="0" u="none" strike="noStrike" cap="none" normalizeH="0" baseline="0" dirty="0" smtClean="0">
+                <a:ln>
+                  <a:noFill/>
+                </a:ln>
+                <a:solidFill>
+                  <a:srgbClr val="FBDE2D"/>
+                </a:solidFill>
+                <a:effectLst/>
+                <a:latin typeface="Consolas" panose="020B0609020204030204" pitchFamily="49" charset="0"/>
+                <a:cs typeface="Consolas" panose="020B0609020204030204" pitchFamily="49" charset="0"/>
+              </a:rPr>
+              <a:t>&amp;&amp;</a:t>
+            </a:r>
+            <a:br>
+              <a:rPr kumimoji="0" lang="zh-CN" altLang="zh-CN" sz="1300" b="0" i="0" u="none" strike="noStrike" cap="none" normalizeH="0" baseline="0" dirty="0" smtClean="0">
+                <a:ln>
+                  <a:noFill/>
+                </a:ln>
+                <a:solidFill>
+                  <a:srgbClr val="FBDE2D"/>
+                </a:solidFill>
+                <a:effectLst/>
+                <a:latin typeface="Consolas" panose="020B0609020204030204" pitchFamily="49" charset="0"/>
+                <a:cs typeface="Consolas" panose="020B0609020204030204" pitchFamily="49" charset="0"/>
+              </a:rPr>
+            </a:br>
+            <a:r>
+              <a:rPr kumimoji="0" lang="zh-CN" altLang="zh-CN" sz="1300" b="0" i="0" u="none" strike="noStrike" cap="none" normalizeH="0" baseline="0" dirty="0" smtClean="0">
+                <a:ln>
+                  <a:noFill/>
+                </a:ln>
+                <a:solidFill>
+                  <a:srgbClr val="FBDE2D"/>
+                </a:solidFill>
+                <a:effectLst/>
+                <a:latin typeface="Consolas" panose="020B0609020204030204" pitchFamily="49" charset="0"/>
+                <a:cs typeface="Consolas" panose="020B0609020204030204" pitchFamily="49" charset="0"/>
+              </a:rPr>
+              <a:t>                </a:t>
+            </a:r>
+            <a:r>
+              <a:rPr kumimoji="0" lang="zh-CN" altLang="zh-CN" sz="1300" b="0" i="0" u="none" strike="noStrike" cap="none" normalizeH="0" baseline="0" dirty="0" smtClean="0">
+                <a:ln>
+                  <a:noFill/>
+                </a:ln>
+                <a:solidFill>
+                  <a:srgbClr val="F8F8F8"/>
+                </a:solidFill>
+                <a:effectLst/>
+                <a:latin typeface="Consolas" panose="020B0609020204030204" pitchFamily="49" charset="0"/>
+                <a:cs typeface="Consolas" panose="020B0609020204030204" pitchFamily="49" charset="0"/>
+              </a:rPr>
+              <a:t>&lt;</a:t>
+            </a:r>
+            <a:r>
+              <a:rPr kumimoji="0" lang="zh-CN" altLang="zh-CN" sz="1300" b="0" i="0" u="none" strike="noStrike" cap="none" normalizeH="0" baseline="0" dirty="0" smtClean="0">
+                <a:ln>
+                  <a:noFill/>
+                </a:ln>
+                <a:solidFill>
+                  <a:srgbClr val="7F90AA"/>
+                </a:solidFill>
+                <a:effectLst/>
+                <a:latin typeface="Consolas" panose="020B0609020204030204" pitchFamily="49" charset="0"/>
+                <a:cs typeface="Consolas" panose="020B0609020204030204" pitchFamily="49" charset="0"/>
+              </a:rPr>
+              <a:t>h2</a:t>
+            </a:r>
+            <a:r>
+              <a:rPr kumimoji="0" lang="zh-CN" altLang="zh-CN" sz="1300" b="0" i="0" u="none" strike="noStrike" cap="none" normalizeH="0" baseline="0" dirty="0" smtClean="0">
+                <a:ln>
+                  <a:noFill/>
+                </a:ln>
+                <a:solidFill>
+                  <a:srgbClr val="F8F8F8"/>
+                </a:solidFill>
+                <a:effectLst/>
+                <a:latin typeface="Consolas" panose="020B0609020204030204" pitchFamily="49" charset="0"/>
+                <a:cs typeface="Consolas" panose="020B0609020204030204" pitchFamily="49" charset="0"/>
+              </a:rPr>
+              <a:t>&gt;</a:t>
+            </a:r>
+            <a:br>
+              <a:rPr kumimoji="0" lang="zh-CN" altLang="zh-CN" sz="1300" b="0" i="0" u="none" strike="noStrike" cap="none" normalizeH="0" baseline="0" dirty="0" smtClean="0">
+                <a:ln>
+                  <a:noFill/>
+                </a:ln>
+                <a:solidFill>
+                  <a:srgbClr val="F8F8F8"/>
+                </a:solidFill>
+                <a:effectLst/>
+                <a:latin typeface="Consolas" panose="020B0609020204030204" pitchFamily="49" charset="0"/>
+                <a:cs typeface="Consolas" panose="020B0609020204030204" pitchFamily="49" charset="0"/>
+              </a:rPr>
+            </a:br>
+            <a:r>
+              <a:rPr kumimoji="0" lang="zh-CN" altLang="zh-CN" sz="1300" b="0" i="0" u="none" strike="noStrike" cap="none" normalizeH="0" baseline="0" dirty="0" smtClean="0">
+                <a:ln>
+                  <a:noFill/>
+                </a:ln>
+                <a:solidFill>
+                  <a:srgbClr val="F8F8F8"/>
+                </a:solidFill>
+                <a:effectLst/>
+                <a:latin typeface="Consolas" panose="020B0609020204030204" pitchFamily="49" charset="0"/>
+                <a:cs typeface="Consolas" panose="020B0609020204030204" pitchFamily="49" charset="0"/>
+              </a:rPr>
+              <a:t>                   </a:t>
+            </a:r>
+            <a:r>
+              <a:rPr kumimoji="0" lang="zh-CN" altLang="zh-CN" sz="1300" b="1" i="0" u="none" strike="noStrike" cap="none" normalizeH="0" baseline="0" dirty="0" smtClean="0">
+                <a:ln>
+                  <a:noFill/>
+                </a:ln>
+                <a:solidFill>
+                  <a:srgbClr val="F8F8F8"/>
+                </a:solidFill>
+                <a:effectLst/>
+                <a:latin typeface="Consolas" panose="020B0609020204030204" pitchFamily="49" charset="0"/>
+                <a:cs typeface="Consolas" panose="020B0609020204030204" pitchFamily="49" charset="0"/>
+              </a:rPr>
+              <a:t>you have </a:t>
+            </a:r>
+            <a:r>
+              <a:rPr kumimoji="0" lang="zh-CN" altLang="zh-CN" sz="1300" b="0" i="0" u="none" strike="noStrike" cap="none" normalizeH="0" baseline="0" dirty="0" smtClean="0">
+                <a:ln>
+                  <a:noFill/>
+                </a:ln>
+                <a:solidFill>
+                  <a:srgbClr val="F8F8F8"/>
+                </a:solidFill>
+                <a:effectLst/>
+                <a:latin typeface="Consolas" panose="020B0609020204030204" pitchFamily="49" charset="0"/>
+                <a:cs typeface="Consolas" panose="020B0609020204030204" pitchFamily="49" charset="0"/>
+              </a:rPr>
+              <a:t>{</a:t>
+            </a:r>
+            <a:r>
+              <a:rPr kumimoji="0" lang="zh-CN" altLang="zh-CN" sz="1300" b="0" i="0" u="none" strike="noStrike" cap="none" normalizeH="0" baseline="0" dirty="0" smtClean="0">
+                <a:ln>
+                  <a:noFill/>
+                </a:ln>
+                <a:solidFill>
+                  <a:srgbClr val="FF6400"/>
+                </a:solidFill>
+                <a:effectLst/>
+                <a:latin typeface="Consolas" panose="020B0609020204030204" pitchFamily="49" charset="0"/>
+                <a:cs typeface="Consolas" panose="020B0609020204030204" pitchFamily="49" charset="0"/>
+              </a:rPr>
+              <a:t>props</a:t>
+            </a:r>
+            <a:r>
+              <a:rPr kumimoji="0" lang="zh-CN" altLang="zh-CN" sz="1300" b="0" i="0" u="none" strike="noStrike" cap="none" normalizeH="0" baseline="0" dirty="0" smtClean="0">
+                <a:ln>
+                  <a:noFill/>
+                </a:ln>
+                <a:solidFill>
+                  <a:srgbClr val="F8F8F8"/>
+                </a:solidFill>
+                <a:effectLst/>
+                <a:latin typeface="Consolas" panose="020B0609020204030204" pitchFamily="49" charset="0"/>
+                <a:cs typeface="Consolas" panose="020B0609020204030204" pitchFamily="49" charset="0"/>
+              </a:rPr>
+              <a:t>.unReadMessages.</a:t>
+            </a:r>
+            <a:r>
+              <a:rPr kumimoji="0" lang="zh-CN" altLang="zh-CN" sz="1300" b="0" i="0" u="none" strike="noStrike" cap="none" normalizeH="0" baseline="0" dirty="0" smtClean="0">
+                <a:ln>
+                  <a:noFill/>
+                </a:ln>
+                <a:solidFill>
+                  <a:srgbClr val="FF6400"/>
+                </a:solidFill>
+                <a:effectLst/>
+                <a:latin typeface="Consolas" panose="020B0609020204030204" pitchFamily="49" charset="0"/>
+                <a:cs typeface="Consolas" panose="020B0609020204030204" pitchFamily="49" charset="0"/>
+              </a:rPr>
+              <a:t>length</a:t>
+            </a:r>
+            <a:r>
+              <a:rPr kumimoji="0" lang="zh-CN" altLang="zh-CN" sz="1300" b="0" i="0" u="none" strike="noStrike" cap="none" normalizeH="0" baseline="0" dirty="0" smtClean="0">
+                <a:ln>
+                  <a:noFill/>
+                </a:ln>
+                <a:solidFill>
+                  <a:srgbClr val="F8F8F8"/>
+                </a:solidFill>
+                <a:effectLst/>
+                <a:latin typeface="Consolas" panose="020B0609020204030204" pitchFamily="49" charset="0"/>
+                <a:cs typeface="Consolas" panose="020B0609020204030204" pitchFamily="49" charset="0"/>
+              </a:rPr>
+              <a:t>} </a:t>
+            </a:r>
+            <a:r>
+              <a:rPr kumimoji="0" lang="zh-CN" altLang="zh-CN" sz="1300" b="1" i="0" u="none" strike="noStrike" cap="none" normalizeH="0" baseline="0" dirty="0" smtClean="0">
+                <a:ln>
+                  <a:noFill/>
+                </a:ln>
+                <a:solidFill>
+                  <a:srgbClr val="F8F8F8"/>
+                </a:solidFill>
+                <a:effectLst/>
+                <a:latin typeface="Consolas" panose="020B0609020204030204" pitchFamily="49" charset="0"/>
+                <a:cs typeface="Consolas" panose="020B0609020204030204" pitchFamily="49" charset="0"/>
+              </a:rPr>
+              <a:t>messages not been read.</a:t>
+            </a:r>
+            <a:br>
+              <a:rPr kumimoji="0" lang="zh-CN" altLang="zh-CN" sz="1300" b="1" i="0" u="none" strike="noStrike" cap="none" normalizeH="0" baseline="0" dirty="0" smtClean="0">
+                <a:ln>
+                  <a:noFill/>
+                </a:ln>
+                <a:solidFill>
+                  <a:srgbClr val="F8F8F8"/>
+                </a:solidFill>
+                <a:effectLst/>
+                <a:latin typeface="Consolas" panose="020B0609020204030204" pitchFamily="49" charset="0"/>
+                <a:cs typeface="Consolas" panose="020B0609020204030204" pitchFamily="49" charset="0"/>
+              </a:rPr>
+            </a:br>
+            <a:r>
+              <a:rPr kumimoji="0" lang="zh-CN" altLang="zh-CN" sz="1300" b="1" i="0" u="none" strike="noStrike" cap="none" normalizeH="0" baseline="0" dirty="0" smtClean="0">
+                <a:ln>
+                  <a:noFill/>
+                </a:ln>
+                <a:solidFill>
+                  <a:srgbClr val="F8F8F8"/>
+                </a:solidFill>
+                <a:effectLst/>
+                <a:latin typeface="Consolas" panose="020B0609020204030204" pitchFamily="49" charset="0"/>
+                <a:cs typeface="Consolas" panose="020B0609020204030204" pitchFamily="49" charset="0"/>
+              </a:rPr>
+              <a:t>                </a:t>
+            </a:r>
+            <a:r>
+              <a:rPr kumimoji="0" lang="zh-CN" altLang="zh-CN" sz="1300" b="0" i="0" u="none" strike="noStrike" cap="none" normalizeH="0" baseline="0" dirty="0" smtClean="0">
+                <a:ln>
+                  <a:noFill/>
+                </a:ln>
+                <a:solidFill>
+                  <a:srgbClr val="F8F8F8"/>
+                </a:solidFill>
+                <a:effectLst/>
+                <a:latin typeface="Consolas" panose="020B0609020204030204" pitchFamily="49" charset="0"/>
+                <a:cs typeface="Consolas" panose="020B0609020204030204" pitchFamily="49" charset="0"/>
+              </a:rPr>
+              <a:t>&lt;/</a:t>
+            </a:r>
+            <a:r>
+              <a:rPr kumimoji="0" lang="zh-CN" altLang="zh-CN" sz="1300" b="0" i="0" u="none" strike="noStrike" cap="none" normalizeH="0" baseline="0" dirty="0" smtClean="0">
+                <a:ln>
+                  <a:noFill/>
+                </a:ln>
+                <a:solidFill>
+                  <a:srgbClr val="7F90AA"/>
+                </a:solidFill>
+                <a:effectLst/>
+                <a:latin typeface="Consolas" panose="020B0609020204030204" pitchFamily="49" charset="0"/>
+                <a:cs typeface="Consolas" panose="020B0609020204030204" pitchFamily="49" charset="0"/>
+              </a:rPr>
+              <a:t>h2</a:t>
+            </a:r>
+            <a:r>
+              <a:rPr kumimoji="0" lang="zh-CN" altLang="zh-CN" sz="1300" b="0" i="0" u="none" strike="noStrike" cap="none" normalizeH="0" baseline="0" dirty="0" smtClean="0">
+                <a:ln>
+                  <a:noFill/>
+                </a:ln>
+                <a:solidFill>
+                  <a:srgbClr val="F8F8F8"/>
+                </a:solidFill>
+                <a:effectLst/>
+                <a:latin typeface="Consolas" panose="020B0609020204030204" pitchFamily="49" charset="0"/>
+                <a:cs typeface="Consolas" panose="020B0609020204030204" pitchFamily="49" charset="0"/>
+              </a:rPr>
+              <a:t>&gt;</a:t>
+            </a:r>
+            <a:br>
+              <a:rPr kumimoji="0" lang="zh-CN" altLang="zh-CN" sz="1300" b="0" i="0" u="none" strike="noStrike" cap="none" normalizeH="0" baseline="0" dirty="0" smtClean="0">
+                <a:ln>
+                  <a:noFill/>
+                </a:ln>
+                <a:solidFill>
+                  <a:srgbClr val="F8F8F8"/>
+                </a:solidFill>
+                <a:effectLst/>
+                <a:latin typeface="Consolas" panose="020B0609020204030204" pitchFamily="49" charset="0"/>
+                <a:cs typeface="Consolas" panose="020B0609020204030204" pitchFamily="49" charset="0"/>
+              </a:rPr>
+            </a:br>
+            <a:r>
+              <a:rPr kumimoji="0" lang="zh-CN" altLang="zh-CN" sz="1300" b="0" i="0" u="none" strike="noStrike" cap="none" normalizeH="0" baseline="0" dirty="0" smtClean="0">
+                <a:ln>
+                  <a:noFill/>
+                </a:ln>
+                <a:solidFill>
+                  <a:srgbClr val="F8F8F8"/>
+                </a:solidFill>
+                <a:effectLst/>
+                <a:latin typeface="Consolas" panose="020B0609020204030204" pitchFamily="49" charset="0"/>
+                <a:cs typeface="Consolas" panose="020B0609020204030204" pitchFamily="49" charset="0"/>
+              </a:rPr>
+              <a:t>            }</a:t>
+            </a:r>
+            <a:br>
+              <a:rPr kumimoji="0" lang="zh-CN" altLang="zh-CN" sz="1300" b="0" i="0" u="none" strike="noStrike" cap="none" normalizeH="0" baseline="0" dirty="0" smtClean="0">
+                <a:ln>
+                  <a:noFill/>
+                </a:ln>
+                <a:solidFill>
+                  <a:srgbClr val="F8F8F8"/>
+                </a:solidFill>
+                <a:effectLst/>
+                <a:latin typeface="Consolas" panose="020B0609020204030204" pitchFamily="49" charset="0"/>
+                <a:cs typeface="Consolas" panose="020B0609020204030204" pitchFamily="49" charset="0"/>
+              </a:rPr>
+            </a:br>
+            <a:r>
+              <a:rPr kumimoji="0" lang="zh-CN" altLang="zh-CN" sz="1300" b="0" i="0" u="none" strike="noStrike" cap="none" normalizeH="0" baseline="0" dirty="0" smtClean="0">
+                <a:ln>
+                  <a:noFill/>
+                </a:ln>
+                <a:solidFill>
+                  <a:srgbClr val="F8F8F8"/>
+                </a:solidFill>
+                <a:effectLst/>
+                <a:latin typeface="Consolas" panose="020B0609020204030204" pitchFamily="49" charset="0"/>
+                <a:cs typeface="Consolas" panose="020B0609020204030204" pitchFamily="49" charset="0"/>
+              </a:rPr>
+              <a:t>        &lt;/</a:t>
+            </a:r>
+            <a:r>
+              <a:rPr kumimoji="0" lang="zh-CN" altLang="zh-CN" sz="1300" b="0" i="0" u="none" strike="noStrike" cap="none" normalizeH="0" baseline="0" dirty="0" smtClean="0">
+                <a:ln>
+                  <a:noFill/>
+                </a:ln>
+                <a:solidFill>
+                  <a:srgbClr val="7F90AA"/>
+                </a:solidFill>
+                <a:effectLst/>
+                <a:latin typeface="Consolas" panose="020B0609020204030204" pitchFamily="49" charset="0"/>
+                <a:cs typeface="Consolas" panose="020B0609020204030204" pitchFamily="49" charset="0"/>
+              </a:rPr>
+              <a:t>div</a:t>
+            </a:r>
+            <a:r>
+              <a:rPr kumimoji="0" lang="zh-CN" altLang="zh-CN" sz="1300" b="0" i="0" u="none" strike="noStrike" cap="none" normalizeH="0" baseline="0" dirty="0" smtClean="0">
+                <a:ln>
+                  <a:noFill/>
+                </a:ln>
+                <a:solidFill>
+                  <a:srgbClr val="F8F8F8"/>
+                </a:solidFill>
+                <a:effectLst/>
+                <a:latin typeface="Consolas" panose="020B0609020204030204" pitchFamily="49" charset="0"/>
+                <a:cs typeface="Consolas" panose="020B0609020204030204" pitchFamily="49" charset="0"/>
+              </a:rPr>
+              <a:t>&gt;</a:t>
+            </a:r>
+            <a:br>
+              <a:rPr kumimoji="0" lang="zh-CN" altLang="zh-CN" sz="1300" b="0" i="0" u="none" strike="noStrike" cap="none" normalizeH="0" baseline="0" dirty="0" smtClean="0">
+                <a:ln>
+                  <a:noFill/>
+                </a:ln>
+                <a:solidFill>
+                  <a:srgbClr val="F8F8F8"/>
+                </a:solidFill>
+                <a:effectLst/>
+                <a:latin typeface="Consolas" panose="020B0609020204030204" pitchFamily="49" charset="0"/>
+                <a:cs typeface="Consolas" panose="020B0609020204030204" pitchFamily="49" charset="0"/>
+              </a:rPr>
+            </a:br>
+            <a:r>
+              <a:rPr kumimoji="0" lang="zh-CN" altLang="zh-CN" sz="1300" b="0" i="0" u="none" strike="noStrike" cap="none" normalizeH="0" baseline="0" dirty="0" smtClean="0">
+                <a:ln>
+                  <a:noFill/>
+                </a:ln>
+                <a:solidFill>
+                  <a:srgbClr val="F8F8F8"/>
+                </a:solidFill>
+                <a:effectLst/>
+                <a:latin typeface="Consolas" panose="020B0609020204030204" pitchFamily="49" charset="0"/>
+                <a:cs typeface="Consolas" panose="020B0609020204030204" pitchFamily="49" charset="0"/>
+              </a:rPr>
+              <a:t>    );</a:t>
+            </a:r>
+            <a:br>
+              <a:rPr kumimoji="0" lang="zh-CN" altLang="zh-CN" sz="1300" b="0" i="0" u="none" strike="noStrike" cap="none" normalizeH="0" baseline="0" dirty="0" smtClean="0">
+                <a:ln>
+                  <a:noFill/>
+                </a:ln>
+                <a:solidFill>
+                  <a:srgbClr val="F8F8F8"/>
+                </a:solidFill>
+                <a:effectLst/>
+                <a:latin typeface="Consolas" panose="020B0609020204030204" pitchFamily="49" charset="0"/>
+                <a:cs typeface="Consolas" panose="020B0609020204030204" pitchFamily="49" charset="0"/>
+              </a:rPr>
+            </a:br>
+            <a:r>
+              <a:rPr kumimoji="0" lang="zh-CN" altLang="zh-CN" sz="1300" b="0" i="0" u="none" strike="noStrike" cap="none" normalizeH="0" baseline="0" dirty="0" smtClean="0">
+                <a:ln>
+                  <a:noFill/>
+                </a:ln>
+                <a:solidFill>
+                  <a:srgbClr val="F8F8F8"/>
+                </a:solidFill>
+                <a:effectLst/>
+                <a:latin typeface="Consolas" panose="020B0609020204030204" pitchFamily="49" charset="0"/>
+                <a:cs typeface="Consolas" panose="020B0609020204030204" pitchFamily="49" charset="0"/>
+              </a:rPr>
+              <a:t>}</a:t>
+            </a:r>
+            <a:br>
+              <a:rPr kumimoji="0" lang="zh-CN" altLang="zh-CN" sz="1300" b="0" i="0" u="none" strike="noStrike" cap="none" normalizeH="0" baseline="0" dirty="0" smtClean="0">
+                <a:ln>
+                  <a:noFill/>
+                </a:ln>
+                <a:solidFill>
+                  <a:srgbClr val="F8F8F8"/>
+                </a:solidFill>
+                <a:effectLst/>
+                <a:latin typeface="Consolas" panose="020B0609020204030204" pitchFamily="49" charset="0"/>
+                <a:cs typeface="Consolas" panose="020B0609020204030204" pitchFamily="49" charset="0"/>
+              </a:rPr>
+            </a:br>
+            <a:r>
+              <a:rPr kumimoji="0" lang="zh-CN" altLang="zh-CN" sz="1300" b="0" i="0" u="none" strike="noStrike" cap="none" normalizeH="0" baseline="0" dirty="0" smtClean="0">
+                <a:ln>
+                  <a:noFill/>
+                </a:ln>
+                <a:solidFill>
+                  <a:srgbClr val="FBDE2D"/>
+                </a:solidFill>
+                <a:effectLst/>
+                <a:latin typeface="Consolas" panose="020B0609020204030204" pitchFamily="49" charset="0"/>
+                <a:cs typeface="Consolas" panose="020B0609020204030204" pitchFamily="49" charset="0"/>
+              </a:rPr>
+              <a:t>const </a:t>
+            </a:r>
+            <a:r>
+              <a:rPr kumimoji="0" lang="zh-CN" altLang="zh-CN" sz="1300" b="0" i="0" u="none" strike="noStrike" cap="none" normalizeH="0" baseline="0" dirty="0" smtClean="0">
+                <a:ln>
+                  <a:noFill/>
+                </a:ln>
+                <a:solidFill>
+                  <a:srgbClr val="FF6400"/>
+                </a:solidFill>
+                <a:effectLst/>
+                <a:latin typeface="Consolas" panose="020B0609020204030204" pitchFamily="49" charset="0"/>
+                <a:cs typeface="Consolas" panose="020B0609020204030204" pitchFamily="49" charset="0"/>
+              </a:rPr>
+              <a:t>messages </a:t>
+            </a:r>
+            <a:r>
+              <a:rPr kumimoji="0" lang="zh-CN" altLang="zh-CN" sz="1300" b="0" i="0" u="none" strike="noStrike" cap="none" normalizeH="0" baseline="0" dirty="0" smtClean="0">
+                <a:ln>
+                  <a:noFill/>
+                </a:ln>
+                <a:solidFill>
+                  <a:srgbClr val="FBDE2D"/>
+                </a:solidFill>
+                <a:effectLst/>
+                <a:latin typeface="Consolas" panose="020B0609020204030204" pitchFamily="49" charset="0"/>
+                <a:cs typeface="Consolas" panose="020B0609020204030204" pitchFamily="49" charset="0"/>
+              </a:rPr>
+              <a:t>= </a:t>
+            </a:r>
+            <a:r>
+              <a:rPr kumimoji="0" lang="zh-CN" altLang="zh-CN" sz="1300" b="0" i="0" u="none" strike="noStrike" cap="none" normalizeH="0" baseline="0" dirty="0" smtClean="0">
+                <a:ln>
+                  <a:noFill/>
+                </a:ln>
+                <a:solidFill>
+                  <a:srgbClr val="F8F8F8"/>
+                </a:solidFill>
+                <a:effectLst/>
+                <a:latin typeface="Consolas" panose="020B0609020204030204" pitchFamily="49" charset="0"/>
+                <a:cs typeface="Consolas" panose="020B0609020204030204" pitchFamily="49" charset="0"/>
+              </a:rPr>
+              <a:t>[</a:t>
+            </a:r>
+            <a:r>
+              <a:rPr kumimoji="0" lang="zh-CN" altLang="zh-CN" sz="1300" b="0" i="0" u="none" strike="noStrike" cap="none" normalizeH="0" baseline="0" dirty="0" smtClean="0">
+                <a:ln>
+                  <a:noFill/>
+                </a:ln>
+                <a:solidFill>
+                  <a:srgbClr val="61CE3C"/>
+                </a:solidFill>
+                <a:effectLst/>
+                <a:latin typeface="Consolas" panose="020B0609020204030204" pitchFamily="49" charset="0"/>
+                <a:cs typeface="Consolas" panose="020B0609020204030204" pitchFamily="49" charset="0"/>
+              </a:rPr>
+              <a:t>"React"</a:t>
+            </a:r>
+            <a:r>
+              <a:rPr kumimoji="0" lang="zh-CN" altLang="zh-CN" sz="1300" b="0" i="0" u="none" strike="noStrike" cap="none" normalizeH="0" baseline="0" dirty="0" smtClean="0">
+                <a:ln>
+                  <a:noFill/>
+                </a:ln>
+                <a:solidFill>
+                  <a:srgbClr val="F8F8F8"/>
+                </a:solidFill>
+                <a:effectLst/>
+                <a:latin typeface="Consolas" panose="020B0609020204030204" pitchFamily="49" charset="0"/>
+                <a:cs typeface="Consolas" panose="020B0609020204030204" pitchFamily="49" charset="0"/>
+              </a:rPr>
+              <a:t>, </a:t>
+            </a:r>
+            <a:r>
+              <a:rPr kumimoji="0" lang="zh-CN" altLang="zh-CN" sz="1300" b="0" i="0" u="none" strike="noStrike" cap="none" normalizeH="0" baseline="0" dirty="0" smtClean="0">
+                <a:ln>
+                  <a:noFill/>
+                </a:ln>
+                <a:solidFill>
+                  <a:srgbClr val="61CE3C"/>
+                </a:solidFill>
+                <a:effectLst/>
+                <a:latin typeface="Consolas" panose="020B0609020204030204" pitchFamily="49" charset="0"/>
+                <a:cs typeface="Consolas" panose="020B0609020204030204" pitchFamily="49" charset="0"/>
+              </a:rPr>
+              <a:t>"Re:React"</a:t>
+            </a:r>
+            <a:r>
+              <a:rPr kumimoji="0" lang="zh-CN" altLang="zh-CN" sz="1300" b="0" i="0" u="none" strike="noStrike" cap="none" normalizeH="0" baseline="0" dirty="0" smtClean="0">
+                <a:ln>
+                  <a:noFill/>
+                </a:ln>
+                <a:solidFill>
+                  <a:srgbClr val="F8F8F8"/>
+                </a:solidFill>
+                <a:effectLst/>
+                <a:latin typeface="Consolas" panose="020B0609020204030204" pitchFamily="49" charset="0"/>
+                <a:cs typeface="Consolas" panose="020B0609020204030204" pitchFamily="49" charset="0"/>
+              </a:rPr>
+              <a:t>, </a:t>
+            </a:r>
+            <a:r>
+              <a:rPr kumimoji="0" lang="zh-CN" altLang="zh-CN" sz="1300" b="0" i="0" u="none" strike="noStrike" cap="none" normalizeH="0" baseline="0" dirty="0" smtClean="0">
+                <a:ln>
+                  <a:noFill/>
+                </a:ln>
+                <a:solidFill>
+                  <a:srgbClr val="61CE3C"/>
+                </a:solidFill>
+                <a:effectLst/>
+                <a:latin typeface="Consolas" panose="020B0609020204030204" pitchFamily="49" charset="0"/>
+                <a:cs typeface="Consolas" panose="020B0609020204030204" pitchFamily="49" charset="0"/>
+              </a:rPr>
+              <a:t>"Re: Re: React"</a:t>
+            </a:r>
+            <a:r>
+              <a:rPr kumimoji="0" lang="zh-CN" altLang="zh-CN" sz="1300" b="0" i="0" u="none" strike="noStrike" cap="none" normalizeH="0" baseline="0" dirty="0" smtClean="0">
+                <a:ln>
+                  <a:noFill/>
+                </a:ln>
+                <a:solidFill>
+                  <a:srgbClr val="F8F8F8"/>
+                </a:solidFill>
+                <a:effectLst/>
+                <a:latin typeface="Consolas" panose="020B0609020204030204" pitchFamily="49" charset="0"/>
+                <a:cs typeface="Consolas" panose="020B0609020204030204" pitchFamily="49" charset="0"/>
+              </a:rPr>
+              <a:t>];</a:t>
+            </a:r>
+            <a:br>
+              <a:rPr kumimoji="0" lang="zh-CN" altLang="zh-CN" sz="1300" b="0" i="0" u="none" strike="noStrike" cap="none" normalizeH="0" baseline="0" dirty="0" smtClean="0">
+                <a:ln>
+                  <a:noFill/>
+                </a:ln>
+                <a:solidFill>
+                  <a:srgbClr val="F8F8F8"/>
+                </a:solidFill>
+                <a:effectLst/>
+                <a:latin typeface="Consolas" panose="020B0609020204030204" pitchFamily="49" charset="0"/>
+                <a:cs typeface="Consolas" panose="020B0609020204030204" pitchFamily="49" charset="0"/>
+              </a:rPr>
+            </a:br>
+            <a:r>
+              <a:rPr kumimoji="0" lang="zh-CN" altLang="zh-CN" sz="1300" b="0" i="0" u="none" strike="noStrike" cap="none" normalizeH="0" baseline="0" dirty="0" smtClean="0">
+                <a:ln>
+                  <a:noFill/>
+                </a:ln>
+                <a:solidFill>
+                  <a:srgbClr val="F8F8F8"/>
+                </a:solidFill>
+                <a:effectLst/>
+                <a:latin typeface="Consolas" panose="020B0609020204030204" pitchFamily="49" charset="0"/>
+                <a:cs typeface="Consolas" panose="020B0609020204030204" pitchFamily="49" charset="0"/>
+              </a:rPr>
+              <a:t>ReactDOM.</a:t>
+            </a:r>
+            <a:r>
+              <a:rPr kumimoji="0" lang="zh-CN" altLang="zh-CN" sz="1300" b="0" i="0" u="none" strike="noStrike" cap="none" normalizeH="0" baseline="0" dirty="0" smtClean="0">
+                <a:ln>
+                  <a:noFill/>
+                </a:ln>
+                <a:solidFill>
+                  <a:srgbClr val="FF6400"/>
+                </a:solidFill>
+                <a:effectLst/>
+                <a:latin typeface="Consolas" panose="020B0609020204030204" pitchFamily="49" charset="0"/>
+                <a:cs typeface="Consolas" panose="020B0609020204030204" pitchFamily="49" charset="0"/>
+              </a:rPr>
+              <a:t>render</a:t>
+            </a:r>
+            <a:r>
+              <a:rPr kumimoji="0" lang="zh-CN" altLang="zh-CN" sz="1300" b="0" i="0" u="none" strike="noStrike" cap="none" normalizeH="0" baseline="0" dirty="0" smtClean="0">
+                <a:ln>
+                  <a:noFill/>
+                </a:ln>
+                <a:solidFill>
+                  <a:srgbClr val="F8F8F8"/>
+                </a:solidFill>
+                <a:effectLst/>
+                <a:latin typeface="Consolas" panose="020B0609020204030204" pitchFamily="49" charset="0"/>
+                <a:cs typeface="Consolas" panose="020B0609020204030204" pitchFamily="49" charset="0"/>
+              </a:rPr>
+              <a:t>(&lt;</a:t>
+            </a:r>
+            <a:r>
+              <a:rPr kumimoji="0" lang="zh-CN" altLang="zh-CN" sz="1300" b="0" i="0" u="none" strike="noStrike" cap="none" normalizeH="0" baseline="0" dirty="0" smtClean="0">
+                <a:ln>
+                  <a:noFill/>
+                </a:ln>
+                <a:solidFill>
+                  <a:srgbClr val="7F90AA"/>
+                </a:solidFill>
+                <a:effectLst/>
+                <a:latin typeface="Consolas" panose="020B0609020204030204" pitchFamily="49" charset="0"/>
+                <a:cs typeface="Consolas" panose="020B0609020204030204" pitchFamily="49" charset="0"/>
+              </a:rPr>
+              <a:t>MailBox </a:t>
+            </a:r>
+            <a:r>
+              <a:rPr kumimoji="0" lang="zh-CN" altLang="zh-CN" sz="1300" b="0" i="0" u="none" strike="noStrike" cap="none" normalizeH="0" baseline="0" dirty="0" smtClean="0">
+                <a:ln>
+                  <a:noFill/>
+                </a:ln>
+                <a:solidFill>
+                  <a:srgbClr val="FF6400"/>
+                </a:solidFill>
+                <a:effectLst/>
+                <a:latin typeface="Consolas" panose="020B0609020204030204" pitchFamily="49" charset="0"/>
+                <a:cs typeface="Consolas" panose="020B0609020204030204" pitchFamily="49" charset="0"/>
+              </a:rPr>
+              <a:t>unReadMessages</a:t>
+            </a:r>
+            <a:r>
+              <a:rPr kumimoji="0" lang="zh-CN" altLang="zh-CN" sz="1300" b="0" i="0" u="none" strike="noStrike" cap="none" normalizeH="0" baseline="0" dirty="0" smtClean="0">
+                <a:ln>
+                  <a:noFill/>
+                </a:ln>
+                <a:solidFill>
+                  <a:srgbClr val="61CE3C"/>
+                </a:solidFill>
+                <a:effectLst/>
+                <a:latin typeface="Consolas" panose="020B0609020204030204" pitchFamily="49" charset="0"/>
+                <a:cs typeface="Consolas" panose="020B0609020204030204" pitchFamily="49" charset="0"/>
+              </a:rPr>
+              <a:t>=</a:t>
+            </a:r>
+            <a:r>
+              <a:rPr kumimoji="0" lang="zh-CN" altLang="zh-CN" sz="1300" b="0" i="0" u="none" strike="noStrike" cap="none" normalizeH="0" baseline="0" dirty="0" smtClean="0">
+                <a:ln>
+                  <a:noFill/>
+                </a:ln>
+                <a:solidFill>
+                  <a:srgbClr val="F8F8F8"/>
+                </a:solidFill>
+                <a:effectLst/>
+                <a:latin typeface="Consolas" panose="020B0609020204030204" pitchFamily="49" charset="0"/>
+                <a:cs typeface="Consolas" panose="020B0609020204030204" pitchFamily="49" charset="0"/>
+              </a:rPr>
+              <a:t>{</a:t>
+            </a:r>
+            <a:r>
+              <a:rPr kumimoji="0" lang="zh-CN" altLang="zh-CN" sz="1300" b="0" i="0" u="none" strike="noStrike" cap="none" normalizeH="0" baseline="0" dirty="0" smtClean="0">
+                <a:ln>
+                  <a:noFill/>
+                </a:ln>
+                <a:solidFill>
+                  <a:srgbClr val="FF6400"/>
+                </a:solidFill>
+                <a:effectLst/>
+                <a:latin typeface="Consolas" panose="020B0609020204030204" pitchFamily="49" charset="0"/>
+                <a:cs typeface="Consolas" panose="020B0609020204030204" pitchFamily="49" charset="0"/>
+              </a:rPr>
+              <a:t>messages</a:t>
+            </a:r>
+            <a:r>
+              <a:rPr kumimoji="0" lang="zh-CN" altLang="zh-CN" sz="1300" b="0" i="0" u="none" strike="noStrike" cap="none" normalizeH="0" baseline="0" dirty="0" smtClean="0">
+                <a:ln>
+                  <a:noFill/>
+                </a:ln>
+                <a:solidFill>
+                  <a:srgbClr val="F8F8F8"/>
+                </a:solidFill>
+                <a:effectLst/>
+                <a:latin typeface="Consolas" panose="020B0609020204030204" pitchFamily="49" charset="0"/>
+                <a:cs typeface="Consolas" panose="020B0609020204030204" pitchFamily="49" charset="0"/>
+              </a:rPr>
+              <a:t>}/&gt;, </a:t>
+            </a:r>
+            <a:r>
+              <a:rPr kumimoji="0" lang="zh-CN" altLang="zh-CN" sz="1300" b="0" i="1" u="none" strike="noStrike" cap="none" normalizeH="0" baseline="0" dirty="0" smtClean="0">
+                <a:ln>
+                  <a:noFill/>
+                </a:ln>
+                <a:solidFill>
+                  <a:srgbClr val="F8F8F8"/>
+                </a:solidFill>
+                <a:effectLst/>
+                <a:latin typeface="Consolas" panose="020B0609020204030204" pitchFamily="49" charset="0"/>
+                <a:cs typeface="Consolas" panose="020B0609020204030204" pitchFamily="49" charset="0"/>
+              </a:rPr>
+              <a:t>document</a:t>
+            </a:r>
+            <a:r>
+              <a:rPr kumimoji="0" lang="zh-CN" altLang="zh-CN" sz="1300" b="0" i="0" u="none" strike="noStrike" cap="none" normalizeH="0" baseline="0" dirty="0" smtClean="0">
+                <a:ln>
+                  <a:noFill/>
+                </a:ln>
+                <a:solidFill>
+                  <a:srgbClr val="F8F8F8"/>
+                </a:solidFill>
+                <a:effectLst/>
+                <a:latin typeface="Consolas" panose="020B0609020204030204" pitchFamily="49" charset="0"/>
+                <a:cs typeface="Consolas" panose="020B0609020204030204" pitchFamily="49" charset="0"/>
+              </a:rPr>
+              <a:t>.</a:t>
+            </a:r>
+            <a:r>
+              <a:rPr kumimoji="0" lang="zh-CN" altLang="zh-CN" sz="1300" b="0" i="0" u="none" strike="noStrike" cap="none" normalizeH="0" baseline="0" dirty="0" smtClean="0">
+                <a:ln>
+                  <a:noFill/>
+                </a:ln>
+                <a:solidFill>
+                  <a:srgbClr val="FF6400"/>
+                </a:solidFill>
+                <a:effectLst/>
+                <a:latin typeface="Consolas" panose="020B0609020204030204" pitchFamily="49" charset="0"/>
+                <a:cs typeface="Consolas" panose="020B0609020204030204" pitchFamily="49" charset="0"/>
+              </a:rPr>
+              <a:t>getElementById</a:t>
+            </a:r>
+            <a:r>
+              <a:rPr kumimoji="0" lang="zh-CN" altLang="zh-CN" sz="1300" b="0" i="0" u="none" strike="noStrike" cap="none" normalizeH="0" baseline="0" dirty="0" smtClean="0">
+                <a:ln>
+                  <a:noFill/>
+                </a:ln>
+                <a:solidFill>
+                  <a:srgbClr val="F8F8F8"/>
+                </a:solidFill>
+                <a:effectLst/>
+                <a:latin typeface="Consolas" panose="020B0609020204030204" pitchFamily="49" charset="0"/>
+                <a:cs typeface="Consolas" panose="020B0609020204030204" pitchFamily="49" charset="0"/>
+              </a:rPr>
+              <a:t>(</a:t>
+            </a:r>
+            <a:r>
+              <a:rPr kumimoji="0" lang="zh-CN" altLang="zh-CN" sz="1300" b="0" i="0" u="none" strike="noStrike" cap="none" normalizeH="0" baseline="0" dirty="0" smtClean="0">
+                <a:ln>
+                  <a:noFill/>
+                </a:ln>
+                <a:solidFill>
+                  <a:srgbClr val="61CE3C"/>
+                </a:solidFill>
+                <a:effectLst/>
+                <a:latin typeface="Consolas" panose="020B0609020204030204" pitchFamily="49" charset="0"/>
+                <a:cs typeface="Consolas" panose="020B0609020204030204" pitchFamily="49" charset="0"/>
+              </a:rPr>
+              <a:t>"root"</a:t>
+            </a:r>
+            <a:r>
+              <a:rPr kumimoji="0" lang="zh-CN" altLang="zh-CN" sz="1300" b="0" i="0" u="none" strike="noStrike" cap="none" normalizeH="0" baseline="0" dirty="0" smtClean="0">
+                <a:ln>
+                  <a:noFill/>
+                </a:ln>
+                <a:solidFill>
+                  <a:srgbClr val="F8F8F8"/>
+                </a:solidFill>
+                <a:effectLst/>
+                <a:latin typeface="Consolas" panose="020B0609020204030204" pitchFamily="49" charset="0"/>
+                <a:cs typeface="Consolas" panose="020B0609020204030204" pitchFamily="49" charset="0"/>
+              </a:rPr>
+              <a:t>));</a:t>
+            </a:r>
+            <a:br>
+              <a:rPr kumimoji="0" lang="zh-CN" altLang="zh-CN" sz="1300" b="0" i="0" u="none" strike="noStrike" cap="none" normalizeH="0" baseline="0" dirty="0" smtClean="0">
+                <a:ln>
+                  <a:noFill/>
+                </a:ln>
+                <a:solidFill>
+                  <a:srgbClr val="F8F8F8"/>
+                </a:solidFill>
+                <a:effectLst/>
+                <a:latin typeface="Consolas" panose="020B0609020204030204" pitchFamily="49" charset="0"/>
+                <a:cs typeface="Consolas" panose="020B0609020204030204" pitchFamily="49" charset="0"/>
+              </a:rPr>
+            </a:br>
+            <a:endParaRPr kumimoji="0" lang="zh-CN" altLang="zh-CN" sz="1800" b="0" i="0" u="none" strike="noStrike" cap="none" normalizeH="0" baseline="0" dirty="0" smtClean="0">
+              <a:ln>
+                <a:noFill/>
+              </a:ln>
+              <a:solidFill>
+                <a:schemeClr val="tx1"/>
+              </a:solidFill>
+              <a:effectLst/>
+              <a:latin typeface="Arial" panose="020B0604020202020204" pitchFamily="34" charset="0"/>
+            </a:endParaRPr>
+          </a:p>
+        </p:txBody>
+      </p:sp>
+      <p:sp>
+        <p:nvSpPr>
+          <p:cNvPr id="3" name="文本框 2"/>
+          <p:cNvSpPr txBox="1"/>
+          <p:nvPr/>
+        </p:nvSpPr>
+        <p:spPr>
+          <a:xfrm>
+            <a:off x="407404" y="234489"/>
+            <a:ext cx="11262511" cy="4801314"/>
+          </a:xfrm>
+          <a:prstGeom prst="rect">
+            <a:avLst/>
+          </a:prstGeom>
+          <a:noFill/>
+        </p:spPr>
+        <p:txBody>
+          <a:bodyPr wrap="square" rtlCol="0">
+            <a:spAutoFit/>
+          </a:bodyPr>
+          <a:lstStyle/>
+          <a:p>
+            <a:r>
+              <a:rPr lang="en-US" altLang="zh-CN" b="1" dirty="0">
+                <a:latin typeface="微软雅黑" panose="020B0503020204020204" pitchFamily="34" charset="-122"/>
+                <a:ea typeface="微软雅黑" panose="020B0503020204020204" pitchFamily="34" charset="-122"/>
+              </a:rPr>
+              <a:t>&lt;demo </a:t>
+            </a:r>
+            <a:r>
+              <a:rPr lang="en-US" altLang="zh-CN" b="1" dirty="0" smtClean="0">
+                <a:latin typeface="微软雅黑" panose="020B0503020204020204" pitchFamily="34" charset="-122"/>
+                <a:ea typeface="微软雅黑" panose="020B0503020204020204" pitchFamily="34" charset="-122"/>
+              </a:rPr>
+              <a:t>16: </a:t>
+            </a:r>
+            <a:r>
+              <a:rPr lang="zh-CN" altLang="en-US" b="1" dirty="0" smtClean="0">
+                <a:latin typeface="微软雅黑" panose="020B0503020204020204" pitchFamily="34" charset="-122"/>
+                <a:ea typeface="微软雅黑" panose="020B0503020204020204" pitchFamily="34" charset="-122"/>
+              </a:rPr>
+              <a:t>与运算符 </a:t>
+            </a:r>
+            <a:r>
+              <a:rPr lang="en-US" altLang="zh-CN" b="1" dirty="0" smtClean="0">
+                <a:latin typeface="微软雅黑" panose="020B0503020204020204" pitchFamily="34" charset="-122"/>
+                <a:ea typeface="微软雅黑" panose="020B0503020204020204" pitchFamily="34" charset="-122"/>
+              </a:rPr>
+              <a:t>&amp;&amp;&gt;</a:t>
+            </a:r>
+          </a:p>
+          <a:p>
+            <a:endParaRPr lang="en-US" altLang="zh-CN" b="1" dirty="0">
+              <a:latin typeface="微软雅黑" panose="020B0503020204020204" pitchFamily="34" charset="-122"/>
+              <a:ea typeface="微软雅黑" panose="020B0503020204020204" pitchFamily="34" charset="-122"/>
+            </a:endParaRPr>
+          </a:p>
+          <a:p>
+            <a:endParaRPr lang="en-US" altLang="zh-CN" b="1" dirty="0" smtClean="0">
+              <a:latin typeface="微软雅黑" panose="020B0503020204020204" pitchFamily="34" charset="-122"/>
+              <a:ea typeface="微软雅黑" panose="020B0503020204020204" pitchFamily="34" charset="-122"/>
+            </a:endParaRPr>
+          </a:p>
+          <a:p>
+            <a:endParaRPr lang="en-US" altLang="zh-CN" b="1" dirty="0">
+              <a:latin typeface="微软雅黑" panose="020B0503020204020204" pitchFamily="34" charset="-122"/>
+              <a:ea typeface="微软雅黑" panose="020B0503020204020204" pitchFamily="34" charset="-122"/>
+            </a:endParaRPr>
+          </a:p>
+          <a:p>
+            <a:endParaRPr lang="en-US" altLang="zh-CN" b="1" dirty="0" smtClean="0">
+              <a:latin typeface="微软雅黑" panose="020B0503020204020204" pitchFamily="34" charset="-122"/>
+              <a:ea typeface="微软雅黑" panose="020B0503020204020204" pitchFamily="34" charset="-122"/>
+            </a:endParaRPr>
+          </a:p>
+          <a:p>
+            <a:endParaRPr lang="en-US" altLang="zh-CN" b="1" dirty="0">
+              <a:latin typeface="微软雅黑" panose="020B0503020204020204" pitchFamily="34" charset="-122"/>
+              <a:ea typeface="微软雅黑" panose="020B0503020204020204" pitchFamily="34" charset="-122"/>
+            </a:endParaRPr>
+          </a:p>
+          <a:p>
+            <a:endParaRPr lang="en-US" altLang="zh-CN" b="1" dirty="0" smtClean="0">
+              <a:latin typeface="微软雅黑" panose="020B0503020204020204" pitchFamily="34" charset="-122"/>
+              <a:ea typeface="微软雅黑" panose="020B0503020204020204" pitchFamily="34" charset="-122"/>
+            </a:endParaRPr>
+          </a:p>
+          <a:p>
+            <a:endParaRPr lang="en-US" altLang="zh-CN" b="1" dirty="0">
+              <a:latin typeface="微软雅黑" panose="020B0503020204020204" pitchFamily="34" charset="-122"/>
+              <a:ea typeface="微软雅黑" panose="020B0503020204020204" pitchFamily="34" charset="-122"/>
+            </a:endParaRPr>
+          </a:p>
+          <a:p>
+            <a:endParaRPr lang="en-US" altLang="zh-CN" b="1" dirty="0" smtClean="0">
+              <a:latin typeface="微软雅黑" panose="020B0503020204020204" pitchFamily="34" charset="-122"/>
+              <a:ea typeface="微软雅黑" panose="020B0503020204020204" pitchFamily="34" charset="-122"/>
+            </a:endParaRPr>
+          </a:p>
+          <a:p>
+            <a:endParaRPr lang="en-US" altLang="zh-CN" b="1" dirty="0">
+              <a:latin typeface="微软雅黑" panose="020B0503020204020204" pitchFamily="34" charset="-122"/>
+              <a:ea typeface="微软雅黑" panose="020B0503020204020204" pitchFamily="34" charset="-122"/>
+            </a:endParaRPr>
+          </a:p>
+          <a:p>
+            <a:endParaRPr lang="en-US" altLang="zh-CN" b="1" dirty="0" smtClean="0">
+              <a:latin typeface="微软雅黑" panose="020B0503020204020204" pitchFamily="34" charset="-122"/>
+              <a:ea typeface="微软雅黑" panose="020B0503020204020204" pitchFamily="34" charset="-122"/>
+            </a:endParaRPr>
+          </a:p>
+          <a:p>
+            <a:endParaRPr lang="en-US" altLang="zh-CN" b="1" dirty="0">
+              <a:latin typeface="微软雅黑" panose="020B0503020204020204" pitchFamily="34" charset="-122"/>
+              <a:ea typeface="微软雅黑" panose="020B0503020204020204" pitchFamily="34" charset="-122"/>
+            </a:endParaRPr>
+          </a:p>
+          <a:p>
+            <a:endParaRPr lang="en-US" altLang="zh-CN" b="1" dirty="0" smtClean="0">
+              <a:latin typeface="微软雅黑" panose="020B0503020204020204" pitchFamily="34" charset="-122"/>
+              <a:ea typeface="微软雅黑" panose="020B0503020204020204" pitchFamily="34" charset="-122"/>
+            </a:endParaRPr>
+          </a:p>
+          <a:p>
+            <a:endParaRPr lang="en-US" altLang="zh-CN" b="1" dirty="0">
+              <a:latin typeface="微软雅黑" panose="020B0503020204020204" pitchFamily="34" charset="-122"/>
+              <a:ea typeface="微软雅黑" panose="020B0503020204020204" pitchFamily="34" charset="-122"/>
+            </a:endParaRPr>
+          </a:p>
+          <a:p>
+            <a:endParaRPr lang="en-US" altLang="zh-CN" b="1" dirty="0" smtClean="0">
+              <a:latin typeface="微软雅黑" panose="020B0503020204020204" pitchFamily="34" charset="-122"/>
+              <a:ea typeface="微软雅黑" panose="020B0503020204020204" pitchFamily="34" charset="-122"/>
+            </a:endParaRPr>
+          </a:p>
+          <a:p>
+            <a:r>
+              <a:rPr lang="zh-CN" altLang="en-US" dirty="0" smtClean="0">
+                <a:latin typeface="微软雅黑" panose="020B0503020204020204" pitchFamily="34" charset="-122"/>
+                <a:ea typeface="微软雅黑" panose="020B0503020204020204" pitchFamily="34" charset="-122"/>
+              </a:rPr>
+              <a:t>        在 </a:t>
+            </a:r>
+            <a:r>
+              <a:rPr lang="en-US" altLang="zh-CN" dirty="0">
+                <a:latin typeface="微软雅黑" panose="020B0503020204020204" pitchFamily="34" charset="-122"/>
+                <a:ea typeface="微软雅黑" panose="020B0503020204020204" pitchFamily="34" charset="-122"/>
+              </a:rPr>
+              <a:t>JavaScript </a:t>
+            </a:r>
+            <a:r>
+              <a:rPr lang="zh-CN" altLang="en-US" dirty="0">
+                <a:latin typeface="微软雅黑" panose="020B0503020204020204" pitchFamily="34" charset="-122"/>
+                <a:ea typeface="微软雅黑" panose="020B0503020204020204" pitchFamily="34" charset="-122"/>
+              </a:rPr>
+              <a:t>中，</a:t>
+            </a:r>
+            <a:r>
+              <a:rPr lang="en-US" altLang="zh-CN" dirty="0">
+                <a:latin typeface="微软雅黑" panose="020B0503020204020204" pitchFamily="34" charset="-122"/>
+                <a:ea typeface="微软雅黑" panose="020B0503020204020204" pitchFamily="34" charset="-122"/>
+              </a:rPr>
+              <a:t>true &amp;&amp; expression </a:t>
+            </a:r>
+            <a:r>
+              <a:rPr lang="zh-CN" altLang="en-US" dirty="0">
+                <a:latin typeface="微软雅黑" panose="020B0503020204020204" pitchFamily="34" charset="-122"/>
+                <a:ea typeface="微软雅黑" panose="020B0503020204020204" pitchFamily="34" charset="-122"/>
+              </a:rPr>
+              <a:t>总是返回 </a:t>
+            </a:r>
+            <a:r>
+              <a:rPr lang="en-US" altLang="zh-CN" dirty="0">
+                <a:latin typeface="微软雅黑" panose="020B0503020204020204" pitchFamily="34" charset="-122"/>
+                <a:ea typeface="微软雅黑" panose="020B0503020204020204" pitchFamily="34" charset="-122"/>
+              </a:rPr>
+              <a:t>expression</a:t>
+            </a:r>
+            <a:r>
+              <a:rPr lang="zh-CN" altLang="en-US" dirty="0">
+                <a:latin typeface="微软雅黑" panose="020B0503020204020204" pitchFamily="34" charset="-122"/>
+                <a:ea typeface="微软雅黑" panose="020B0503020204020204" pitchFamily="34" charset="-122"/>
+              </a:rPr>
+              <a:t>，而 </a:t>
+            </a:r>
+            <a:r>
+              <a:rPr lang="en-US" altLang="zh-CN" dirty="0">
+                <a:latin typeface="微软雅黑" panose="020B0503020204020204" pitchFamily="34" charset="-122"/>
+                <a:ea typeface="微软雅黑" panose="020B0503020204020204" pitchFamily="34" charset="-122"/>
+              </a:rPr>
+              <a:t>false &amp;&amp; expression </a:t>
+            </a:r>
+            <a:r>
+              <a:rPr lang="zh-CN" altLang="en-US" dirty="0">
+                <a:latin typeface="微软雅黑" panose="020B0503020204020204" pitchFamily="34" charset="-122"/>
+                <a:ea typeface="微软雅黑" panose="020B0503020204020204" pitchFamily="34" charset="-122"/>
+              </a:rPr>
+              <a:t>总是返回 </a:t>
+            </a:r>
+            <a:r>
+              <a:rPr lang="en-US" altLang="zh-CN" dirty="0">
+                <a:latin typeface="微软雅黑" panose="020B0503020204020204" pitchFamily="34" charset="-122"/>
+                <a:ea typeface="微软雅黑" panose="020B0503020204020204" pitchFamily="34" charset="-122"/>
+              </a:rPr>
+              <a:t>false</a:t>
+            </a:r>
+            <a:r>
+              <a:rPr lang="zh-CN" altLang="en-US" dirty="0" smtClean="0">
+                <a:latin typeface="微软雅黑" panose="020B0503020204020204" pitchFamily="34" charset="-122"/>
+                <a:ea typeface="微软雅黑" panose="020B0503020204020204" pitchFamily="34" charset="-122"/>
+              </a:rPr>
+              <a:t>。因此</a:t>
+            </a:r>
+            <a:r>
+              <a:rPr lang="zh-CN" altLang="en-US" dirty="0">
+                <a:latin typeface="微软雅黑" panose="020B0503020204020204" pitchFamily="34" charset="-122"/>
+                <a:ea typeface="微软雅黑" panose="020B0503020204020204" pitchFamily="34" charset="-122"/>
+              </a:rPr>
+              <a:t>，如果条件是 </a:t>
+            </a:r>
+            <a:r>
+              <a:rPr lang="en-US" altLang="zh-CN" dirty="0">
+                <a:latin typeface="微软雅黑" panose="020B0503020204020204" pitchFamily="34" charset="-122"/>
+                <a:ea typeface="微软雅黑" panose="020B0503020204020204" pitchFamily="34" charset="-122"/>
+              </a:rPr>
+              <a:t>true</a:t>
+            </a:r>
+            <a:r>
+              <a:rPr lang="zh-CN" altLang="en-US" dirty="0">
+                <a:latin typeface="微软雅黑" panose="020B0503020204020204" pitchFamily="34" charset="-122"/>
+                <a:ea typeface="微软雅黑" panose="020B0503020204020204" pitchFamily="34" charset="-122"/>
+              </a:rPr>
+              <a:t>，</a:t>
+            </a:r>
+            <a:r>
+              <a:rPr lang="en-US" altLang="zh-CN" dirty="0">
+                <a:latin typeface="微软雅黑" panose="020B0503020204020204" pitchFamily="34" charset="-122"/>
+                <a:ea typeface="微软雅黑" panose="020B0503020204020204" pitchFamily="34" charset="-122"/>
+              </a:rPr>
+              <a:t>&amp;&amp;</a:t>
+            </a:r>
+            <a:r>
+              <a:rPr lang="zh-CN" altLang="en-US" dirty="0">
+                <a:latin typeface="微软雅黑" panose="020B0503020204020204" pitchFamily="34" charset="-122"/>
+                <a:ea typeface="微软雅黑" panose="020B0503020204020204" pitchFamily="34" charset="-122"/>
+              </a:rPr>
+              <a:t> 右侧的元素就会被渲染，如果是 </a:t>
+            </a:r>
+            <a:r>
+              <a:rPr lang="en-US" altLang="zh-CN" dirty="0">
+                <a:latin typeface="微软雅黑" panose="020B0503020204020204" pitchFamily="34" charset="-122"/>
+                <a:ea typeface="微软雅黑" panose="020B0503020204020204" pitchFamily="34" charset="-122"/>
+              </a:rPr>
+              <a:t>false</a:t>
+            </a:r>
+            <a:r>
+              <a:rPr lang="zh-CN" altLang="en-US" dirty="0">
+                <a:latin typeface="微软雅黑" panose="020B0503020204020204" pitchFamily="34" charset="-122"/>
+                <a:ea typeface="微软雅黑" panose="020B0503020204020204" pitchFamily="34" charset="-122"/>
+              </a:rPr>
+              <a:t>，</a:t>
+            </a:r>
+            <a:r>
+              <a:rPr lang="en-US" altLang="zh-CN" dirty="0">
+                <a:latin typeface="微软雅黑" panose="020B0503020204020204" pitchFamily="34" charset="-122"/>
+                <a:ea typeface="微软雅黑" panose="020B0503020204020204" pitchFamily="34" charset="-122"/>
+              </a:rPr>
+              <a:t>React </a:t>
+            </a:r>
+            <a:r>
+              <a:rPr lang="zh-CN" altLang="en-US" dirty="0">
+                <a:latin typeface="微软雅黑" panose="020B0503020204020204" pitchFamily="34" charset="-122"/>
+                <a:ea typeface="微软雅黑" panose="020B0503020204020204" pitchFamily="34" charset="-122"/>
+              </a:rPr>
+              <a:t>会忽略并跳过它</a:t>
+            </a:r>
+            <a:r>
+              <a:rPr lang="zh-CN" altLang="en-US" dirty="0" smtClean="0">
+                <a:latin typeface="微软雅黑" panose="020B0503020204020204" pitchFamily="34" charset="-122"/>
+                <a:ea typeface="微软雅黑" panose="020B0503020204020204" pitchFamily="34" charset="-122"/>
+              </a:rPr>
+              <a:t>。</a:t>
+            </a:r>
+            <a:endParaRPr lang="zh-CN" altLang="en-US" dirty="0">
+              <a:latin typeface="微软雅黑" panose="020B0503020204020204" pitchFamily="34" charset="-122"/>
+              <a:ea typeface="微软雅黑" panose="020B0503020204020204" pitchFamily="34" charset="-122"/>
+            </a:endParaRPr>
+          </a:p>
+        </p:txBody>
+      </p:sp>
+    </p:spTree>
+    <p:extLst>
+      <p:ext uri="{BB962C8B-B14F-4D97-AF65-F5344CB8AC3E}">
+        <p14:creationId xmlns:p14="http://schemas.microsoft.com/office/powerpoint/2010/main" val="3991468916"/>
+      </p:ext>
+    </p:extLst>
+  </p:cSld>
+  <p:clrMapOvr>
+    <a:masterClrMapping/>
+  </p:clrMapOvr>
+</p:sld>
+</file>
+
+<file path=ppt/slides/slide16.xml><?xml version="1.0" encoding="utf-8"?>
+<p:sld xmlns:a="http://schemas.openxmlformats.org/drawingml/2006/main" xmlns:r="http://schemas.openxmlformats.org/officeDocument/2006/relationships" xmlns:p="http://schemas.openxmlformats.org/presentationml/2006/main">
+  <p:cSld>
+    <p:spTree>
+      <p:nvGrpSpPr>
+        <p:cNvPr id="1" name=""/>
+        <p:cNvGrpSpPr/>
+        <p:nvPr/>
+      </p:nvGrpSpPr>
+      <p:grpSpPr>
+        <a:xfrm>
+          <a:off x="0" y="0"/>
+          <a:ext cx="0" cy="0"/>
+          <a:chOff x="0" y="0"/>
+          <a:chExt cx="0" cy="0"/>
+        </a:xfrm>
+      </p:grpSpPr>
+      <p:sp>
+        <p:nvSpPr>
+          <p:cNvPr id="3" name="文本框 2"/>
+          <p:cNvSpPr txBox="1"/>
+          <p:nvPr/>
+        </p:nvSpPr>
+        <p:spPr>
+          <a:xfrm>
+            <a:off x="380246" y="234489"/>
+            <a:ext cx="11425473" cy="6186309"/>
+          </a:xfrm>
+          <a:prstGeom prst="rect">
+            <a:avLst/>
+          </a:prstGeom>
+          <a:noFill/>
+        </p:spPr>
+        <p:txBody>
+          <a:bodyPr wrap="square" rtlCol="0">
+            <a:spAutoFit/>
+          </a:bodyPr>
+          <a:lstStyle/>
+          <a:p>
+            <a:r>
+              <a:rPr lang="en-US" altLang="zh-CN" b="1" dirty="0">
+                <a:latin typeface="微软雅黑" panose="020B0503020204020204" pitchFamily="34" charset="-122"/>
+                <a:ea typeface="微软雅黑" panose="020B0503020204020204" pitchFamily="34" charset="-122"/>
+              </a:rPr>
+              <a:t>&lt;demo </a:t>
+            </a:r>
+            <a:r>
+              <a:rPr lang="en-US" altLang="zh-CN" b="1" dirty="0" smtClean="0">
+                <a:latin typeface="微软雅黑" panose="020B0503020204020204" pitchFamily="34" charset="-122"/>
+                <a:ea typeface="微软雅黑" panose="020B0503020204020204" pitchFamily="34" charset="-122"/>
+              </a:rPr>
+              <a:t>17: </a:t>
+            </a:r>
+            <a:r>
+              <a:rPr lang="zh-CN" altLang="en-US" b="1" dirty="0" smtClean="0">
+                <a:latin typeface="微软雅黑" panose="020B0503020204020204" pitchFamily="34" charset="-122"/>
+                <a:ea typeface="微软雅黑" panose="020B0503020204020204" pitchFamily="34" charset="-122"/>
+              </a:rPr>
+              <a:t>阻止组件渲染</a:t>
+            </a:r>
+            <a:r>
+              <a:rPr lang="en-US" altLang="zh-CN" b="1" dirty="0" smtClean="0">
+                <a:latin typeface="微软雅黑" panose="020B0503020204020204" pitchFamily="34" charset="-122"/>
+                <a:ea typeface="微软雅黑" panose="020B0503020204020204" pitchFamily="34" charset="-122"/>
+              </a:rPr>
+              <a:t>&gt;</a:t>
+            </a:r>
+            <a:r>
+              <a:rPr lang="zh-CN" altLang="en-US" b="1" dirty="0" smtClean="0">
+                <a:latin typeface="微软雅黑" panose="020B0503020204020204" pitchFamily="34" charset="-122"/>
+                <a:ea typeface="微软雅黑" panose="020B0503020204020204" pitchFamily="34" charset="-122"/>
+              </a:rPr>
+              <a:t>：</a:t>
+            </a:r>
+            <a:endParaRPr lang="en-US" altLang="zh-CN" b="1" dirty="0" smtClean="0">
+              <a:latin typeface="微软雅黑" panose="020B0503020204020204" pitchFamily="34" charset="-122"/>
+              <a:ea typeface="微软雅黑" panose="020B0503020204020204" pitchFamily="34" charset="-122"/>
+            </a:endParaRPr>
+          </a:p>
+          <a:p>
+            <a:endParaRPr lang="en-US" altLang="zh-CN" dirty="0" smtClean="0">
+              <a:latin typeface="微软雅黑" panose="020B0503020204020204" pitchFamily="34" charset="-122"/>
+              <a:ea typeface="微软雅黑" panose="020B0503020204020204" pitchFamily="34" charset="-122"/>
+            </a:endParaRPr>
+          </a:p>
+          <a:p>
+            <a:endParaRPr lang="en-US" altLang="zh-CN" dirty="0">
+              <a:latin typeface="微软雅黑" panose="020B0503020204020204" pitchFamily="34" charset="-122"/>
+              <a:ea typeface="微软雅黑" panose="020B0503020204020204" pitchFamily="34" charset="-122"/>
+            </a:endParaRPr>
+          </a:p>
+          <a:p>
+            <a:endParaRPr lang="en-US" altLang="zh-CN" dirty="0" smtClean="0">
+              <a:latin typeface="微软雅黑" panose="020B0503020204020204" pitchFamily="34" charset="-122"/>
+              <a:ea typeface="微软雅黑" panose="020B0503020204020204" pitchFamily="34" charset="-122"/>
+            </a:endParaRPr>
+          </a:p>
+          <a:p>
+            <a:endParaRPr lang="en-US" altLang="zh-CN" dirty="0">
+              <a:latin typeface="微软雅黑" panose="020B0503020204020204" pitchFamily="34" charset="-122"/>
+              <a:ea typeface="微软雅黑" panose="020B0503020204020204" pitchFamily="34" charset="-122"/>
+            </a:endParaRPr>
+          </a:p>
+          <a:p>
+            <a:endParaRPr lang="en-US" altLang="zh-CN" dirty="0" smtClean="0">
+              <a:latin typeface="微软雅黑" panose="020B0503020204020204" pitchFamily="34" charset="-122"/>
+              <a:ea typeface="微软雅黑" panose="020B0503020204020204" pitchFamily="34" charset="-122"/>
+            </a:endParaRPr>
+          </a:p>
+          <a:p>
+            <a:endParaRPr lang="en-US" altLang="zh-CN" dirty="0">
+              <a:latin typeface="微软雅黑" panose="020B0503020204020204" pitchFamily="34" charset="-122"/>
+              <a:ea typeface="微软雅黑" panose="020B0503020204020204" pitchFamily="34" charset="-122"/>
+            </a:endParaRPr>
+          </a:p>
+          <a:p>
+            <a:endParaRPr lang="en-US" altLang="zh-CN" dirty="0" smtClean="0">
+              <a:latin typeface="微软雅黑" panose="020B0503020204020204" pitchFamily="34" charset="-122"/>
+              <a:ea typeface="微软雅黑" panose="020B0503020204020204" pitchFamily="34" charset="-122"/>
+            </a:endParaRPr>
+          </a:p>
+          <a:p>
+            <a:endParaRPr lang="en-US" altLang="zh-CN" dirty="0">
+              <a:latin typeface="微软雅黑" panose="020B0503020204020204" pitchFamily="34" charset="-122"/>
+              <a:ea typeface="微软雅黑" panose="020B0503020204020204" pitchFamily="34" charset="-122"/>
+            </a:endParaRPr>
+          </a:p>
+          <a:p>
+            <a:endParaRPr lang="en-US" altLang="zh-CN" dirty="0" smtClean="0">
+              <a:latin typeface="微软雅黑" panose="020B0503020204020204" pitchFamily="34" charset="-122"/>
+              <a:ea typeface="微软雅黑" panose="020B0503020204020204" pitchFamily="34" charset="-122"/>
+            </a:endParaRPr>
+          </a:p>
+          <a:p>
+            <a:endParaRPr lang="en-US" altLang="zh-CN" dirty="0">
+              <a:latin typeface="微软雅黑" panose="020B0503020204020204" pitchFamily="34" charset="-122"/>
+              <a:ea typeface="微软雅黑" panose="020B0503020204020204" pitchFamily="34" charset="-122"/>
+            </a:endParaRPr>
+          </a:p>
+          <a:p>
+            <a:endParaRPr lang="en-US" altLang="zh-CN" dirty="0" smtClean="0">
+              <a:latin typeface="微软雅黑" panose="020B0503020204020204" pitchFamily="34" charset="-122"/>
+              <a:ea typeface="微软雅黑" panose="020B0503020204020204" pitchFamily="34" charset="-122"/>
+            </a:endParaRPr>
+          </a:p>
+          <a:p>
+            <a:endParaRPr lang="en-US" altLang="zh-CN" dirty="0">
+              <a:latin typeface="微软雅黑" panose="020B0503020204020204" pitchFamily="34" charset="-122"/>
+              <a:ea typeface="微软雅黑" panose="020B0503020204020204" pitchFamily="34" charset="-122"/>
+            </a:endParaRPr>
+          </a:p>
+          <a:p>
+            <a:endParaRPr lang="en-US" altLang="zh-CN" dirty="0" smtClean="0">
+              <a:latin typeface="微软雅黑" panose="020B0503020204020204" pitchFamily="34" charset="-122"/>
+              <a:ea typeface="微软雅黑" panose="020B0503020204020204" pitchFamily="34" charset="-122"/>
+            </a:endParaRPr>
+          </a:p>
+          <a:p>
+            <a:endParaRPr lang="en-US" altLang="zh-CN" dirty="0">
+              <a:latin typeface="微软雅黑" panose="020B0503020204020204" pitchFamily="34" charset="-122"/>
+              <a:ea typeface="微软雅黑" panose="020B0503020204020204" pitchFamily="34" charset="-122"/>
+            </a:endParaRPr>
+          </a:p>
+          <a:p>
+            <a:endParaRPr lang="en-US" altLang="zh-CN" dirty="0" smtClean="0">
+              <a:latin typeface="微软雅黑" panose="020B0503020204020204" pitchFamily="34" charset="-122"/>
+              <a:ea typeface="微软雅黑" panose="020B0503020204020204" pitchFamily="34" charset="-122"/>
+            </a:endParaRPr>
+          </a:p>
+          <a:p>
+            <a:endParaRPr lang="en-US" altLang="zh-CN" dirty="0">
+              <a:latin typeface="微软雅黑" panose="020B0503020204020204" pitchFamily="34" charset="-122"/>
+              <a:ea typeface="微软雅黑" panose="020B0503020204020204" pitchFamily="34" charset="-122"/>
+            </a:endParaRPr>
+          </a:p>
+          <a:p>
+            <a:endParaRPr lang="en-US" altLang="zh-CN" dirty="0" smtClean="0">
+              <a:latin typeface="微软雅黑" panose="020B0503020204020204" pitchFamily="34" charset="-122"/>
+              <a:ea typeface="微软雅黑" panose="020B0503020204020204" pitchFamily="34" charset="-122"/>
+            </a:endParaRPr>
+          </a:p>
+          <a:p>
+            <a:endParaRPr lang="en-US" altLang="zh-CN" dirty="0">
+              <a:latin typeface="微软雅黑" panose="020B0503020204020204" pitchFamily="34" charset="-122"/>
+              <a:ea typeface="微软雅黑" panose="020B0503020204020204" pitchFamily="34" charset="-122"/>
+            </a:endParaRPr>
+          </a:p>
+          <a:p>
+            <a:endParaRPr lang="en-US" altLang="zh-CN" dirty="0" smtClean="0">
+              <a:latin typeface="微软雅黑" panose="020B0503020204020204" pitchFamily="34" charset="-122"/>
+              <a:ea typeface="微软雅黑" panose="020B0503020204020204" pitchFamily="34" charset="-122"/>
+            </a:endParaRPr>
+          </a:p>
+          <a:p>
+            <a:endParaRPr lang="en-US" altLang="zh-CN" dirty="0" smtClean="0">
+              <a:latin typeface="微软雅黑" panose="020B0503020204020204" pitchFamily="34" charset="-122"/>
+              <a:ea typeface="微软雅黑" panose="020B0503020204020204" pitchFamily="34" charset="-122"/>
+            </a:endParaRPr>
+          </a:p>
+          <a:p>
+            <a:r>
+              <a:rPr lang="en-US" altLang="zh-CN" dirty="0" smtClean="0">
+                <a:latin typeface="微软雅黑" panose="020B0503020204020204" pitchFamily="34" charset="-122"/>
+                <a:ea typeface="微软雅黑" panose="020B0503020204020204" pitchFamily="34" charset="-122"/>
+              </a:rPr>
+              <a:t>&lt;</a:t>
+            </a:r>
+            <a:r>
+              <a:rPr lang="en-US" altLang="zh-CN" dirty="0" err="1">
+                <a:latin typeface="微软雅黑" panose="020B0503020204020204" pitchFamily="34" charset="-122"/>
+                <a:ea typeface="微软雅黑" panose="020B0503020204020204" pitchFamily="34" charset="-122"/>
+              </a:rPr>
+              <a:t>WarningBanner</a:t>
+            </a:r>
+            <a:r>
+              <a:rPr lang="en-US" altLang="zh-CN" dirty="0">
+                <a:latin typeface="微软雅黑" panose="020B0503020204020204" pitchFamily="34" charset="-122"/>
+                <a:ea typeface="微软雅黑" panose="020B0503020204020204" pitchFamily="34" charset="-122"/>
+              </a:rPr>
+              <a:t> /&gt; </a:t>
+            </a:r>
+            <a:r>
+              <a:rPr lang="zh-CN" altLang="en-US" dirty="0">
+                <a:latin typeface="微软雅黑" panose="020B0503020204020204" pitchFamily="34" charset="-122"/>
+                <a:ea typeface="微软雅黑" panose="020B0503020204020204" pitchFamily="34" charset="-122"/>
+              </a:rPr>
+              <a:t>根据属性 </a:t>
+            </a:r>
+            <a:r>
+              <a:rPr lang="en-US" altLang="zh-CN" dirty="0">
+                <a:latin typeface="微软雅黑" panose="020B0503020204020204" pitchFamily="34" charset="-122"/>
+                <a:ea typeface="微软雅黑" panose="020B0503020204020204" pitchFamily="34" charset="-122"/>
+              </a:rPr>
+              <a:t>warn </a:t>
+            </a:r>
+            <a:r>
+              <a:rPr lang="zh-CN" altLang="en-US" dirty="0">
+                <a:latin typeface="微软雅黑" panose="020B0503020204020204" pitchFamily="34" charset="-122"/>
+                <a:ea typeface="微软雅黑" panose="020B0503020204020204" pitchFamily="34" charset="-122"/>
+              </a:rPr>
+              <a:t>的值条件渲染。如果 </a:t>
+            </a:r>
+            <a:r>
+              <a:rPr lang="en-US" altLang="zh-CN" dirty="0">
+                <a:latin typeface="微软雅黑" panose="020B0503020204020204" pitchFamily="34" charset="-122"/>
+                <a:ea typeface="微软雅黑" panose="020B0503020204020204" pitchFamily="34" charset="-122"/>
+              </a:rPr>
+              <a:t>warn </a:t>
+            </a:r>
+            <a:r>
+              <a:rPr lang="zh-CN" altLang="en-US" dirty="0">
+                <a:latin typeface="微软雅黑" panose="020B0503020204020204" pitchFamily="34" charset="-122"/>
+                <a:ea typeface="微软雅黑" panose="020B0503020204020204" pitchFamily="34" charset="-122"/>
+              </a:rPr>
+              <a:t>的值是 </a:t>
+            </a:r>
+            <a:r>
+              <a:rPr lang="en-US" altLang="zh-CN" dirty="0">
+                <a:latin typeface="微软雅黑" panose="020B0503020204020204" pitchFamily="34" charset="-122"/>
+                <a:ea typeface="微软雅黑" panose="020B0503020204020204" pitchFamily="34" charset="-122"/>
+              </a:rPr>
+              <a:t>false</a:t>
+            </a:r>
+            <a:r>
+              <a:rPr lang="zh-CN" altLang="en-US" dirty="0">
+                <a:latin typeface="微软雅黑" panose="020B0503020204020204" pitchFamily="34" charset="-122"/>
+                <a:ea typeface="微软雅黑" panose="020B0503020204020204" pitchFamily="34" charset="-122"/>
+              </a:rPr>
+              <a:t>，则组件不会渲染：</a:t>
+            </a:r>
+            <a:endParaRPr lang="zh-CN" altLang="en-US" dirty="0">
+              <a:latin typeface="微软雅黑" panose="020B0503020204020204" pitchFamily="34" charset="-122"/>
+              <a:ea typeface="微软雅黑" panose="020B0503020204020204" pitchFamily="34" charset="-122"/>
+            </a:endParaRPr>
+          </a:p>
+        </p:txBody>
+      </p:sp>
+      <p:sp>
+        <p:nvSpPr>
+          <p:cNvPr id="2" name="Rectangle 1"/>
+          <p:cNvSpPr>
+            <a:spLocks noChangeArrowheads="1"/>
+          </p:cNvSpPr>
+          <p:nvPr/>
+        </p:nvSpPr>
+        <p:spPr bwMode="auto">
+          <a:xfrm>
+            <a:off x="380245" y="732767"/>
+            <a:ext cx="11425473" cy="5093702"/>
+          </a:xfrm>
+          <a:prstGeom prst="rect">
+            <a:avLst/>
+          </a:prstGeom>
+          <a:solidFill>
+            <a:srgbClr val="0C1021"/>
+          </a:solidFill>
+          <a:ln>
+            <a:noFill/>
+          </a:ln>
+          <a:effectLst/>
+          <a:extLst>
+            <a:ext uri="{91240B29-F687-4F45-9708-019B960494DF}">
+              <a14:hiddenLine xmlns:a14="http://schemas.microsoft.com/office/drawing/2010/main" w="9525">
+                <a:solidFill>
+                  <a:schemeClr val="tx1"/>
+                </a:solidFill>
+                <a:miter lim="800000"/>
+                <a:headEnd/>
+                <a:tailEnd/>
+              </a14:hiddenLine>
+            </a:ext>
+            <a:ext uri="{AF507438-7753-43E0-B8FC-AC1667EBCBE1}">
+              <a14:hiddenEffects xmlns:a14="http://schemas.microsoft.com/office/drawing/2010/main">
+                <a:effectLst>
+                  <a:outerShdw dist="35921" dir="2700000" algn="ctr" rotWithShape="0">
+                    <a:schemeClr val="bg2"/>
+                  </a:outerShdw>
+                </a:effectLst>
+              </a14:hiddenEffects>
+            </a:ext>
+          </a:extLst>
+        </p:spPr>
+        <p:txBody>
+          <a:bodyPr vert="horz" wrap="square" lIns="91440" tIns="45720" rIns="91440" bIns="45720" numCol="1" anchor="ctr" anchorCtr="0" compatLnSpc="1">
+            <a:prstTxWarp prst="textNoShape">
+              <a:avLst/>
+            </a:prstTxWarp>
+            <a:spAutoFit/>
+          </a:bodyPr>
+          <a:lstStyle/>
+          <a:p>
+            <a:pPr marL="0" marR="0" lvl="0" indent="0" algn="l" defTabSz="914400" rtl="0" eaLnBrk="0" fontAlgn="base" latinLnBrk="0" hangingPunct="0">
+              <a:lnSpc>
+                <a:spcPct val="100000"/>
+              </a:lnSpc>
+              <a:spcBef>
+                <a:spcPct val="0"/>
+              </a:spcBef>
+              <a:spcAft>
+                <a:spcPct val="0"/>
+              </a:spcAft>
+              <a:buClrTx/>
+              <a:buSzTx/>
+              <a:buFontTx/>
+              <a:buNone/>
+              <a:tabLst/>
+            </a:pPr>
+            <a:r>
+              <a:rPr kumimoji="0" lang="zh-CN" altLang="zh-CN" sz="1300" b="0" i="0" u="none" strike="noStrike" cap="none" normalizeH="0" baseline="0" dirty="0" smtClean="0">
+                <a:ln>
+                  <a:noFill/>
+                </a:ln>
+                <a:solidFill>
+                  <a:srgbClr val="AEAEAE"/>
+                </a:solidFill>
+                <a:effectLst/>
+                <a:latin typeface="Consolas" panose="020B0609020204030204" pitchFamily="49" charset="0"/>
+                <a:cs typeface="Consolas" panose="020B0609020204030204" pitchFamily="49" charset="0"/>
+              </a:rPr>
+              <a:t>// &lt;demo 17: </a:t>
+            </a:r>
+            <a:r>
+              <a:rPr kumimoji="0" lang="zh-CN" altLang="zh-CN" sz="1300" b="0" i="0" u="none" strike="noStrike" cap="none" normalizeH="0" baseline="0" dirty="0" smtClean="0">
+                <a:ln>
+                  <a:noFill/>
+                </a:ln>
+                <a:solidFill>
+                  <a:srgbClr val="AEAEAE"/>
+                </a:solidFill>
+                <a:effectLst/>
+                <a:latin typeface="宋体" panose="02010600030101010101" pitchFamily="2" charset="-122"/>
+                <a:ea typeface="宋体" panose="02010600030101010101" pitchFamily="2" charset="-122"/>
+                <a:cs typeface="Consolas" panose="020B0609020204030204" pitchFamily="49" charset="0"/>
+              </a:rPr>
+              <a:t>阻止组件渲染</a:t>
+            </a:r>
+            <a:r>
+              <a:rPr kumimoji="0" lang="zh-CN" altLang="zh-CN" sz="1300" b="0" i="0" u="none" strike="noStrike" cap="none" normalizeH="0" baseline="0" dirty="0" smtClean="0">
+                <a:ln>
+                  <a:noFill/>
+                </a:ln>
+                <a:solidFill>
+                  <a:srgbClr val="AEAEAE"/>
+                </a:solidFill>
+                <a:effectLst/>
+                <a:latin typeface="Consolas" panose="020B0609020204030204" pitchFamily="49" charset="0"/>
+                <a:cs typeface="Consolas" panose="020B0609020204030204" pitchFamily="49" charset="0"/>
+              </a:rPr>
+              <a:t>&gt;</a:t>
+            </a:r>
+            <a:br>
+              <a:rPr kumimoji="0" lang="zh-CN" altLang="zh-CN" sz="1300" b="0" i="0" u="none" strike="noStrike" cap="none" normalizeH="0" baseline="0" dirty="0" smtClean="0">
+                <a:ln>
+                  <a:noFill/>
+                </a:ln>
+                <a:solidFill>
+                  <a:srgbClr val="AEAEAE"/>
+                </a:solidFill>
+                <a:effectLst/>
+                <a:latin typeface="Consolas" panose="020B0609020204030204" pitchFamily="49" charset="0"/>
+                <a:cs typeface="Consolas" panose="020B0609020204030204" pitchFamily="49" charset="0"/>
+              </a:rPr>
+            </a:br>
+            <a:r>
+              <a:rPr kumimoji="0" lang="zh-CN" altLang="zh-CN" sz="1300" b="0" i="0" u="none" strike="noStrike" cap="none" normalizeH="0" baseline="0" dirty="0" smtClean="0">
+                <a:ln>
+                  <a:noFill/>
+                </a:ln>
+                <a:solidFill>
+                  <a:srgbClr val="FBDE2D"/>
+                </a:solidFill>
+                <a:effectLst/>
+                <a:latin typeface="Consolas" panose="020B0609020204030204" pitchFamily="49" charset="0"/>
+                <a:cs typeface="Consolas" panose="020B0609020204030204" pitchFamily="49" charset="0"/>
+              </a:rPr>
+              <a:t>function </a:t>
+            </a:r>
+            <a:r>
+              <a:rPr kumimoji="0" lang="zh-CN" altLang="zh-CN" sz="1300" b="0" i="0" u="none" strike="noStrike" cap="none" normalizeH="0" baseline="0" dirty="0" smtClean="0">
+                <a:ln>
+                  <a:noFill/>
+                </a:ln>
+                <a:solidFill>
+                  <a:srgbClr val="FF6400"/>
+                </a:solidFill>
+                <a:effectLst/>
+                <a:latin typeface="Consolas" panose="020B0609020204030204" pitchFamily="49" charset="0"/>
+                <a:cs typeface="Consolas" panose="020B0609020204030204" pitchFamily="49" charset="0"/>
+              </a:rPr>
+              <a:t>WarningBar</a:t>
+            </a:r>
+            <a:r>
+              <a:rPr kumimoji="0" lang="zh-CN" altLang="zh-CN" sz="1300" b="0" i="0" u="none" strike="noStrike" cap="none" normalizeH="0" baseline="0" dirty="0" smtClean="0">
+                <a:ln>
+                  <a:noFill/>
+                </a:ln>
+                <a:solidFill>
+                  <a:srgbClr val="F8F8F8"/>
+                </a:solidFill>
+                <a:effectLst/>
+                <a:latin typeface="Consolas" panose="020B0609020204030204" pitchFamily="49" charset="0"/>
+                <a:cs typeface="Consolas" panose="020B0609020204030204" pitchFamily="49" charset="0"/>
+              </a:rPr>
+              <a:t>(</a:t>
+            </a:r>
+            <a:r>
+              <a:rPr kumimoji="0" lang="zh-CN" altLang="zh-CN" sz="1300" b="0" i="0" u="none" strike="noStrike" cap="none" normalizeH="0" baseline="0" dirty="0" smtClean="0">
+                <a:ln>
+                  <a:noFill/>
+                </a:ln>
+                <a:solidFill>
+                  <a:srgbClr val="FF6400"/>
+                </a:solidFill>
+                <a:effectLst/>
+                <a:latin typeface="Consolas" panose="020B0609020204030204" pitchFamily="49" charset="0"/>
+                <a:cs typeface="Consolas" panose="020B0609020204030204" pitchFamily="49" charset="0"/>
+              </a:rPr>
+              <a:t>props</a:t>
+            </a:r>
+            <a:r>
+              <a:rPr kumimoji="0" lang="zh-CN" altLang="zh-CN" sz="1300" b="0" i="0" u="none" strike="noStrike" cap="none" normalizeH="0" baseline="0" dirty="0" smtClean="0">
+                <a:ln>
+                  <a:noFill/>
+                </a:ln>
+                <a:solidFill>
+                  <a:srgbClr val="F8F8F8"/>
+                </a:solidFill>
+                <a:effectLst/>
+                <a:latin typeface="Consolas" panose="020B0609020204030204" pitchFamily="49" charset="0"/>
+                <a:cs typeface="Consolas" panose="020B0609020204030204" pitchFamily="49" charset="0"/>
+              </a:rPr>
+              <a:t>) {</a:t>
+            </a:r>
+            <a:br>
+              <a:rPr kumimoji="0" lang="zh-CN" altLang="zh-CN" sz="1300" b="0" i="0" u="none" strike="noStrike" cap="none" normalizeH="0" baseline="0" dirty="0" smtClean="0">
+                <a:ln>
+                  <a:noFill/>
+                </a:ln>
+                <a:solidFill>
+                  <a:srgbClr val="F8F8F8"/>
+                </a:solidFill>
+                <a:effectLst/>
+                <a:latin typeface="Consolas" panose="020B0609020204030204" pitchFamily="49" charset="0"/>
+                <a:cs typeface="Consolas" panose="020B0609020204030204" pitchFamily="49" charset="0"/>
+              </a:rPr>
+            </a:br>
+            <a:r>
+              <a:rPr kumimoji="0" lang="zh-CN" altLang="zh-CN" sz="1300" b="0" i="0" u="none" strike="noStrike" cap="none" normalizeH="0" baseline="0" dirty="0" smtClean="0">
+                <a:ln>
+                  <a:noFill/>
+                </a:ln>
+                <a:solidFill>
+                  <a:srgbClr val="F8F8F8"/>
+                </a:solidFill>
+                <a:effectLst/>
+                <a:latin typeface="Consolas" panose="020B0609020204030204" pitchFamily="49" charset="0"/>
+                <a:cs typeface="Consolas" panose="020B0609020204030204" pitchFamily="49" charset="0"/>
+              </a:rPr>
+              <a:t>    </a:t>
+            </a:r>
+            <a:r>
+              <a:rPr kumimoji="0" lang="zh-CN" altLang="zh-CN" sz="1300" b="0" i="0" u="none" strike="noStrike" cap="none" normalizeH="0" baseline="0" dirty="0" smtClean="0">
+                <a:ln>
+                  <a:noFill/>
+                </a:ln>
+                <a:solidFill>
+                  <a:srgbClr val="FBDE2D"/>
+                </a:solidFill>
+                <a:effectLst/>
+                <a:latin typeface="Consolas" panose="020B0609020204030204" pitchFamily="49" charset="0"/>
+                <a:cs typeface="Consolas" panose="020B0609020204030204" pitchFamily="49" charset="0"/>
+              </a:rPr>
+              <a:t>if </a:t>
+            </a:r>
+            <a:r>
+              <a:rPr kumimoji="0" lang="zh-CN" altLang="zh-CN" sz="1300" b="0" i="0" u="none" strike="noStrike" cap="none" normalizeH="0" baseline="0" dirty="0" smtClean="0">
+                <a:ln>
+                  <a:noFill/>
+                </a:ln>
+                <a:solidFill>
+                  <a:srgbClr val="F8F8F8"/>
+                </a:solidFill>
+                <a:effectLst/>
+                <a:latin typeface="Consolas" panose="020B0609020204030204" pitchFamily="49" charset="0"/>
+                <a:cs typeface="Consolas" panose="020B0609020204030204" pitchFamily="49" charset="0"/>
+              </a:rPr>
+              <a:t>(</a:t>
+            </a:r>
+            <a:r>
+              <a:rPr kumimoji="0" lang="zh-CN" altLang="zh-CN" sz="1300" b="0" i="0" u="none" strike="noStrike" cap="none" normalizeH="0" baseline="0" dirty="0" smtClean="0">
+                <a:ln>
+                  <a:noFill/>
+                </a:ln>
+                <a:solidFill>
+                  <a:srgbClr val="FBDE2D"/>
+                </a:solidFill>
+                <a:effectLst/>
+                <a:latin typeface="Consolas" panose="020B0609020204030204" pitchFamily="49" charset="0"/>
+                <a:cs typeface="Consolas" panose="020B0609020204030204" pitchFamily="49" charset="0"/>
+              </a:rPr>
+              <a:t>!</a:t>
+            </a:r>
+            <a:r>
+              <a:rPr kumimoji="0" lang="zh-CN" altLang="zh-CN" sz="1300" b="0" i="0" u="none" strike="noStrike" cap="none" normalizeH="0" baseline="0" dirty="0" smtClean="0">
+                <a:ln>
+                  <a:noFill/>
+                </a:ln>
+                <a:solidFill>
+                  <a:srgbClr val="FF6400"/>
+                </a:solidFill>
+                <a:effectLst/>
+                <a:latin typeface="Consolas" panose="020B0609020204030204" pitchFamily="49" charset="0"/>
+                <a:cs typeface="Consolas" panose="020B0609020204030204" pitchFamily="49" charset="0"/>
+              </a:rPr>
+              <a:t>props</a:t>
+            </a:r>
+            <a:r>
+              <a:rPr kumimoji="0" lang="zh-CN" altLang="zh-CN" sz="1300" b="0" i="0" u="none" strike="noStrike" cap="none" normalizeH="0" baseline="0" dirty="0" smtClean="0">
+                <a:ln>
+                  <a:noFill/>
+                </a:ln>
+                <a:solidFill>
+                  <a:srgbClr val="F8F8F8"/>
+                </a:solidFill>
+                <a:effectLst/>
+                <a:latin typeface="Consolas" panose="020B0609020204030204" pitchFamily="49" charset="0"/>
+                <a:cs typeface="Consolas" panose="020B0609020204030204" pitchFamily="49" charset="0"/>
+              </a:rPr>
+              <a:t>.</a:t>
+            </a:r>
+            <a:r>
+              <a:rPr kumimoji="0" lang="zh-CN" altLang="zh-CN" sz="1300" b="0" i="0" u="none" strike="noStrike" cap="none" normalizeH="0" baseline="0" dirty="0" smtClean="0">
+                <a:ln>
+                  <a:noFill/>
+                </a:ln>
+                <a:solidFill>
+                  <a:srgbClr val="FF6400"/>
+                </a:solidFill>
+                <a:effectLst/>
+                <a:latin typeface="Consolas" panose="020B0609020204030204" pitchFamily="49" charset="0"/>
+                <a:cs typeface="Consolas" panose="020B0609020204030204" pitchFamily="49" charset="0"/>
+              </a:rPr>
+              <a:t>warn</a:t>
+            </a:r>
+            <a:r>
+              <a:rPr kumimoji="0" lang="zh-CN" altLang="zh-CN" sz="1300" b="0" i="0" u="none" strike="noStrike" cap="none" normalizeH="0" baseline="0" dirty="0" smtClean="0">
+                <a:ln>
+                  <a:noFill/>
+                </a:ln>
+                <a:solidFill>
+                  <a:srgbClr val="F8F8F8"/>
+                </a:solidFill>
+                <a:effectLst/>
+                <a:latin typeface="Consolas" panose="020B0609020204030204" pitchFamily="49" charset="0"/>
+                <a:cs typeface="Consolas" panose="020B0609020204030204" pitchFamily="49" charset="0"/>
+              </a:rPr>
+              <a:t>)</a:t>
+            </a:r>
+            <a:br>
+              <a:rPr kumimoji="0" lang="zh-CN" altLang="zh-CN" sz="1300" b="0" i="0" u="none" strike="noStrike" cap="none" normalizeH="0" baseline="0" dirty="0" smtClean="0">
+                <a:ln>
+                  <a:noFill/>
+                </a:ln>
+                <a:solidFill>
+                  <a:srgbClr val="F8F8F8"/>
+                </a:solidFill>
+                <a:effectLst/>
+                <a:latin typeface="Consolas" panose="020B0609020204030204" pitchFamily="49" charset="0"/>
+                <a:cs typeface="Consolas" panose="020B0609020204030204" pitchFamily="49" charset="0"/>
+              </a:rPr>
+            </a:br>
+            <a:r>
+              <a:rPr kumimoji="0" lang="zh-CN" altLang="zh-CN" sz="1300" b="0" i="0" u="none" strike="noStrike" cap="none" normalizeH="0" baseline="0" dirty="0" smtClean="0">
+                <a:ln>
+                  <a:noFill/>
+                </a:ln>
+                <a:solidFill>
+                  <a:srgbClr val="F8F8F8"/>
+                </a:solidFill>
+                <a:effectLst/>
+                <a:latin typeface="Consolas" panose="020B0609020204030204" pitchFamily="49" charset="0"/>
+                <a:cs typeface="Consolas" panose="020B0609020204030204" pitchFamily="49" charset="0"/>
+              </a:rPr>
+              <a:t>        </a:t>
+            </a:r>
+            <a:r>
+              <a:rPr kumimoji="0" lang="zh-CN" altLang="zh-CN" sz="1300" b="0" i="0" u="none" strike="noStrike" cap="none" normalizeH="0" baseline="0" dirty="0" smtClean="0">
+                <a:ln>
+                  <a:noFill/>
+                </a:ln>
+                <a:solidFill>
+                  <a:srgbClr val="FBDE2D"/>
+                </a:solidFill>
+                <a:effectLst/>
+                <a:latin typeface="Consolas" panose="020B0609020204030204" pitchFamily="49" charset="0"/>
+                <a:cs typeface="Consolas" panose="020B0609020204030204" pitchFamily="49" charset="0"/>
+              </a:rPr>
+              <a:t>return null</a:t>
+            </a:r>
+            <a:r>
+              <a:rPr kumimoji="0" lang="zh-CN" altLang="zh-CN" sz="1300" b="0" i="0" u="none" strike="noStrike" cap="none" normalizeH="0" baseline="0" dirty="0" smtClean="0">
+                <a:ln>
+                  <a:noFill/>
+                </a:ln>
+                <a:solidFill>
+                  <a:srgbClr val="F8F8F8"/>
+                </a:solidFill>
+                <a:effectLst/>
+                <a:latin typeface="Consolas" panose="020B0609020204030204" pitchFamily="49" charset="0"/>
+                <a:cs typeface="Consolas" panose="020B0609020204030204" pitchFamily="49" charset="0"/>
+              </a:rPr>
+              <a:t>;</a:t>
+            </a:r>
+            <a:br>
+              <a:rPr kumimoji="0" lang="zh-CN" altLang="zh-CN" sz="1300" b="0" i="0" u="none" strike="noStrike" cap="none" normalizeH="0" baseline="0" dirty="0" smtClean="0">
+                <a:ln>
+                  <a:noFill/>
+                </a:ln>
+                <a:solidFill>
+                  <a:srgbClr val="F8F8F8"/>
+                </a:solidFill>
+                <a:effectLst/>
+                <a:latin typeface="Consolas" panose="020B0609020204030204" pitchFamily="49" charset="0"/>
+                <a:cs typeface="Consolas" panose="020B0609020204030204" pitchFamily="49" charset="0"/>
+              </a:rPr>
+            </a:br>
+            <a:r>
+              <a:rPr kumimoji="0" lang="zh-CN" altLang="zh-CN" sz="1300" b="0" i="0" u="none" strike="noStrike" cap="none" normalizeH="0" baseline="0" dirty="0" smtClean="0">
+                <a:ln>
+                  <a:noFill/>
+                </a:ln>
+                <a:solidFill>
+                  <a:srgbClr val="F8F8F8"/>
+                </a:solidFill>
+                <a:effectLst/>
+                <a:latin typeface="Consolas" panose="020B0609020204030204" pitchFamily="49" charset="0"/>
+                <a:cs typeface="Consolas" panose="020B0609020204030204" pitchFamily="49" charset="0"/>
+              </a:rPr>
+              <a:t>    </a:t>
+            </a:r>
+            <a:r>
+              <a:rPr kumimoji="0" lang="zh-CN" altLang="zh-CN" sz="1300" b="0" i="0" u="none" strike="noStrike" cap="none" normalizeH="0" baseline="0" dirty="0" smtClean="0">
+                <a:ln>
+                  <a:noFill/>
+                </a:ln>
+                <a:solidFill>
+                  <a:srgbClr val="FBDE2D"/>
+                </a:solidFill>
+                <a:effectLst/>
+                <a:latin typeface="Consolas" panose="020B0609020204030204" pitchFamily="49" charset="0"/>
+                <a:cs typeface="Consolas" panose="020B0609020204030204" pitchFamily="49" charset="0"/>
+              </a:rPr>
+              <a:t>return </a:t>
+            </a:r>
+            <a:r>
+              <a:rPr kumimoji="0" lang="zh-CN" altLang="zh-CN" sz="1300" b="0" i="0" u="none" strike="noStrike" cap="none" normalizeH="0" baseline="0" dirty="0" smtClean="0">
+                <a:ln>
+                  <a:noFill/>
+                </a:ln>
+                <a:solidFill>
+                  <a:srgbClr val="F8F8F8"/>
+                </a:solidFill>
+                <a:effectLst/>
+                <a:latin typeface="Consolas" panose="020B0609020204030204" pitchFamily="49" charset="0"/>
+                <a:cs typeface="Consolas" panose="020B0609020204030204" pitchFamily="49" charset="0"/>
+              </a:rPr>
+              <a:t>(&lt;</a:t>
+            </a:r>
+            <a:r>
+              <a:rPr kumimoji="0" lang="zh-CN" altLang="zh-CN" sz="1300" b="0" i="0" u="none" strike="noStrike" cap="none" normalizeH="0" baseline="0" dirty="0" smtClean="0">
+                <a:ln>
+                  <a:noFill/>
+                </a:ln>
+                <a:solidFill>
+                  <a:srgbClr val="7F90AA"/>
+                </a:solidFill>
+                <a:effectLst/>
+                <a:latin typeface="Consolas" panose="020B0609020204030204" pitchFamily="49" charset="0"/>
+                <a:cs typeface="Consolas" panose="020B0609020204030204" pitchFamily="49" charset="0"/>
+              </a:rPr>
+              <a:t>div </a:t>
+            </a:r>
+            <a:r>
+              <a:rPr kumimoji="0" lang="zh-CN" altLang="zh-CN" sz="1300" b="0" i="0" u="none" strike="noStrike" cap="none" normalizeH="0" baseline="0" dirty="0" smtClean="0">
+                <a:ln>
+                  <a:noFill/>
+                </a:ln>
+                <a:solidFill>
+                  <a:srgbClr val="FF6400"/>
+                </a:solidFill>
+                <a:effectLst/>
+                <a:latin typeface="Consolas" panose="020B0609020204030204" pitchFamily="49" charset="0"/>
+                <a:cs typeface="Consolas" panose="020B0609020204030204" pitchFamily="49" charset="0"/>
+              </a:rPr>
+              <a:t>className</a:t>
+            </a:r>
+            <a:r>
+              <a:rPr kumimoji="0" lang="zh-CN" altLang="zh-CN" sz="1300" b="0" i="0" u="none" strike="noStrike" cap="none" normalizeH="0" baseline="0" dirty="0" smtClean="0">
+                <a:ln>
+                  <a:noFill/>
+                </a:ln>
+                <a:solidFill>
+                  <a:srgbClr val="61CE3C"/>
+                </a:solidFill>
+                <a:effectLst/>
+                <a:latin typeface="Consolas" panose="020B0609020204030204" pitchFamily="49" charset="0"/>
+                <a:cs typeface="Consolas" panose="020B0609020204030204" pitchFamily="49" charset="0"/>
+              </a:rPr>
+              <a:t>="warning"</a:t>
+            </a:r>
+            <a:r>
+              <a:rPr kumimoji="0" lang="zh-CN" altLang="zh-CN" sz="1300" b="0" i="0" u="none" strike="noStrike" cap="none" normalizeH="0" baseline="0" dirty="0" smtClean="0">
+                <a:ln>
+                  <a:noFill/>
+                </a:ln>
+                <a:solidFill>
+                  <a:srgbClr val="F8F8F8"/>
+                </a:solidFill>
+                <a:effectLst/>
+                <a:latin typeface="Consolas" panose="020B0609020204030204" pitchFamily="49" charset="0"/>
+                <a:cs typeface="Consolas" panose="020B0609020204030204" pitchFamily="49" charset="0"/>
+              </a:rPr>
+              <a:t>&gt;</a:t>
+            </a:r>
+            <a:r>
+              <a:rPr kumimoji="0" lang="zh-CN" altLang="zh-CN" sz="1300" b="1" i="0" u="none" strike="noStrike" cap="none" normalizeH="0" baseline="0" dirty="0" smtClean="0">
+                <a:ln>
+                  <a:noFill/>
+                </a:ln>
+                <a:solidFill>
+                  <a:srgbClr val="F8F8F8"/>
+                </a:solidFill>
+                <a:effectLst/>
+                <a:latin typeface="Consolas" panose="020B0609020204030204" pitchFamily="49" charset="0"/>
+                <a:cs typeface="Consolas" panose="020B0609020204030204" pitchFamily="49" charset="0"/>
+              </a:rPr>
+              <a:t>Warning!!!</a:t>
+            </a:r>
+            <a:r>
+              <a:rPr kumimoji="0" lang="zh-CN" altLang="zh-CN" sz="1300" b="0" i="0" u="none" strike="noStrike" cap="none" normalizeH="0" baseline="0" dirty="0" smtClean="0">
+                <a:ln>
+                  <a:noFill/>
+                </a:ln>
+                <a:solidFill>
+                  <a:srgbClr val="F8F8F8"/>
+                </a:solidFill>
+                <a:effectLst/>
+                <a:latin typeface="Consolas" panose="020B0609020204030204" pitchFamily="49" charset="0"/>
+                <a:cs typeface="Consolas" panose="020B0609020204030204" pitchFamily="49" charset="0"/>
+              </a:rPr>
+              <a:t>&lt;/</a:t>
+            </a:r>
+            <a:r>
+              <a:rPr kumimoji="0" lang="zh-CN" altLang="zh-CN" sz="1300" b="0" i="0" u="none" strike="noStrike" cap="none" normalizeH="0" baseline="0" dirty="0" smtClean="0">
+                <a:ln>
+                  <a:noFill/>
+                </a:ln>
+                <a:solidFill>
+                  <a:srgbClr val="7F90AA"/>
+                </a:solidFill>
+                <a:effectLst/>
+                <a:latin typeface="Consolas" panose="020B0609020204030204" pitchFamily="49" charset="0"/>
+                <a:cs typeface="Consolas" panose="020B0609020204030204" pitchFamily="49" charset="0"/>
+              </a:rPr>
+              <a:t>div</a:t>
+            </a:r>
+            <a:r>
+              <a:rPr kumimoji="0" lang="zh-CN" altLang="zh-CN" sz="1300" b="0" i="0" u="none" strike="noStrike" cap="none" normalizeH="0" baseline="0" dirty="0" smtClean="0">
+                <a:ln>
+                  <a:noFill/>
+                </a:ln>
+                <a:solidFill>
+                  <a:srgbClr val="F8F8F8"/>
+                </a:solidFill>
+                <a:effectLst/>
+                <a:latin typeface="Consolas" panose="020B0609020204030204" pitchFamily="49" charset="0"/>
+                <a:cs typeface="Consolas" panose="020B0609020204030204" pitchFamily="49" charset="0"/>
+              </a:rPr>
+              <a:t>&gt;);</a:t>
+            </a:r>
+            <a:br>
+              <a:rPr kumimoji="0" lang="zh-CN" altLang="zh-CN" sz="1300" b="0" i="0" u="none" strike="noStrike" cap="none" normalizeH="0" baseline="0" dirty="0" smtClean="0">
+                <a:ln>
+                  <a:noFill/>
+                </a:ln>
+                <a:solidFill>
+                  <a:srgbClr val="F8F8F8"/>
+                </a:solidFill>
+                <a:effectLst/>
+                <a:latin typeface="Consolas" panose="020B0609020204030204" pitchFamily="49" charset="0"/>
+                <a:cs typeface="Consolas" panose="020B0609020204030204" pitchFamily="49" charset="0"/>
+              </a:rPr>
+            </a:br>
+            <a:r>
+              <a:rPr kumimoji="0" lang="zh-CN" altLang="zh-CN" sz="1300" b="0" i="0" u="none" strike="noStrike" cap="none" normalizeH="0" baseline="0" dirty="0" smtClean="0">
+                <a:ln>
+                  <a:noFill/>
+                </a:ln>
+                <a:solidFill>
+                  <a:srgbClr val="F8F8F8"/>
+                </a:solidFill>
+                <a:effectLst/>
+                <a:latin typeface="Consolas" panose="020B0609020204030204" pitchFamily="49" charset="0"/>
+                <a:cs typeface="Consolas" panose="020B0609020204030204" pitchFamily="49" charset="0"/>
+              </a:rPr>
+              <a:t>}</a:t>
+            </a:r>
+            <a:br>
+              <a:rPr kumimoji="0" lang="zh-CN" altLang="zh-CN" sz="1300" b="0" i="0" u="none" strike="noStrike" cap="none" normalizeH="0" baseline="0" dirty="0" smtClean="0">
+                <a:ln>
+                  <a:noFill/>
+                </a:ln>
+                <a:solidFill>
+                  <a:srgbClr val="F8F8F8"/>
+                </a:solidFill>
+                <a:effectLst/>
+                <a:latin typeface="Consolas" panose="020B0609020204030204" pitchFamily="49" charset="0"/>
+                <a:cs typeface="Consolas" panose="020B0609020204030204" pitchFamily="49" charset="0"/>
+              </a:rPr>
+            </a:br>
+            <a:r>
+              <a:rPr kumimoji="0" lang="zh-CN" altLang="zh-CN" sz="1300" b="0" i="0" u="none" strike="noStrike" cap="none" normalizeH="0" baseline="0" dirty="0" smtClean="0">
+                <a:ln>
+                  <a:noFill/>
+                </a:ln>
+                <a:solidFill>
+                  <a:srgbClr val="FBDE2D"/>
+                </a:solidFill>
+                <a:effectLst/>
+                <a:latin typeface="Consolas" panose="020B0609020204030204" pitchFamily="49" charset="0"/>
+                <a:cs typeface="Consolas" panose="020B0609020204030204" pitchFamily="49" charset="0"/>
+              </a:rPr>
+              <a:t>class </a:t>
+            </a:r>
+            <a:r>
+              <a:rPr kumimoji="0" lang="zh-CN" altLang="zh-CN" sz="1300" b="0" i="0" u="none" strike="noStrike" cap="none" normalizeH="0" baseline="0" dirty="0" smtClean="0">
+                <a:ln>
+                  <a:noFill/>
+                </a:ln>
+                <a:solidFill>
+                  <a:srgbClr val="FF6400"/>
+                </a:solidFill>
+                <a:effectLst/>
+                <a:latin typeface="Consolas" panose="020B0609020204030204" pitchFamily="49" charset="0"/>
+                <a:cs typeface="Consolas" panose="020B0609020204030204" pitchFamily="49" charset="0"/>
+              </a:rPr>
+              <a:t>Page </a:t>
+            </a:r>
+            <a:r>
+              <a:rPr kumimoji="0" lang="zh-CN" altLang="zh-CN" sz="1300" b="0" i="0" u="none" strike="noStrike" cap="none" normalizeH="0" baseline="0" dirty="0" smtClean="0">
+                <a:ln>
+                  <a:noFill/>
+                </a:ln>
+                <a:solidFill>
+                  <a:srgbClr val="FBDE2D"/>
+                </a:solidFill>
+                <a:effectLst/>
+                <a:latin typeface="Consolas" panose="020B0609020204030204" pitchFamily="49" charset="0"/>
+                <a:cs typeface="Consolas" panose="020B0609020204030204" pitchFamily="49" charset="0"/>
+              </a:rPr>
+              <a:t>extends </a:t>
+            </a:r>
+            <a:r>
+              <a:rPr kumimoji="0" lang="zh-CN" altLang="zh-CN" sz="1300" b="0" i="0" u="none" strike="noStrike" cap="none" normalizeH="0" baseline="0" dirty="0" smtClean="0">
+                <a:ln>
+                  <a:noFill/>
+                </a:ln>
+                <a:solidFill>
+                  <a:srgbClr val="F8F8F8"/>
+                </a:solidFill>
+                <a:effectLst/>
+                <a:latin typeface="Consolas" panose="020B0609020204030204" pitchFamily="49" charset="0"/>
+                <a:cs typeface="Consolas" panose="020B0609020204030204" pitchFamily="49" charset="0"/>
+              </a:rPr>
+              <a:t>React.</a:t>
+            </a:r>
+            <a:r>
+              <a:rPr kumimoji="0" lang="zh-CN" altLang="zh-CN" sz="1300" b="0" i="0" u="none" strike="noStrike" cap="none" normalizeH="0" baseline="0" dirty="0" smtClean="0">
+                <a:ln>
+                  <a:noFill/>
+                </a:ln>
+                <a:solidFill>
+                  <a:srgbClr val="FF6400"/>
+                </a:solidFill>
+                <a:effectLst/>
+                <a:latin typeface="Consolas" panose="020B0609020204030204" pitchFamily="49" charset="0"/>
+                <a:cs typeface="Consolas" panose="020B0609020204030204" pitchFamily="49" charset="0"/>
+              </a:rPr>
+              <a:t>Component </a:t>
+            </a:r>
+            <a:r>
+              <a:rPr kumimoji="0" lang="zh-CN" altLang="zh-CN" sz="1300" b="0" i="0" u="none" strike="noStrike" cap="none" normalizeH="0" baseline="0" dirty="0" smtClean="0">
+                <a:ln>
+                  <a:noFill/>
+                </a:ln>
+                <a:solidFill>
+                  <a:srgbClr val="F8F8F8"/>
+                </a:solidFill>
+                <a:effectLst/>
+                <a:latin typeface="Consolas" panose="020B0609020204030204" pitchFamily="49" charset="0"/>
+                <a:cs typeface="Consolas" panose="020B0609020204030204" pitchFamily="49" charset="0"/>
+              </a:rPr>
+              <a:t>{</a:t>
+            </a:r>
+            <a:br>
+              <a:rPr kumimoji="0" lang="zh-CN" altLang="zh-CN" sz="1300" b="0" i="0" u="none" strike="noStrike" cap="none" normalizeH="0" baseline="0" dirty="0" smtClean="0">
+                <a:ln>
+                  <a:noFill/>
+                </a:ln>
+                <a:solidFill>
+                  <a:srgbClr val="F8F8F8"/>
+                </a:solidFill>
+                <a:effectLst/>
+                <a:latin typeface="Consolas" panose="020B0609020204030204" pitchFamily="49" charset="0"/>
+                <a:cs typeface="Consolas" panose="020B0609020204030204" pitchFamily="49" charset="0"/>
+              </a:rPr>
+            </a:br>
+            <a:r>
+              <a:rPr kumimoji="0" lang="zh-CN" altLang="zh-CN" sz="1300" b="0" i="0" u="none" strike="noStrike" cap="none" normalizeH="0" baseline="0" dirty="0" smtClean="0">
+                <a:ln>
+                  <a:noFill/>
+                </a:ln>
+                <a:solidFill>
+                  <a:srgbClr val="F8F8F8"/>
+                </a:solidFill>
+                <a:effectLst/>
+                <a:latin typeface="Consolas" panose="020B0609020204030204" pitchFamily="49" charset="0"/>
+                <a:cs typeface="Consolas" panose="020B0609020204030204" pitchFamily="49" charset="0"/>
+              </a:rPr>
+              <a:t>    </a:t>
+            </a:r>
+            <a:r>
+              <a:rPr kumimoji="0" lang="zh-CN" altLang="zh-CN" sz="1300" b="0" i="0" u="none" strike="noStrike" cap="none" normalizeH="0" baseline="0" dirty="0" smtClean="0">
+                <a:ln>
+                  <a:noFill/>
+                </a:ln>
+                <a:solidFill>
+                  <a:srgbClr val="FF6400"/>
+                </a:solidFill>
+                <a:effectLst/>
+                <a:latin typeface="Consolas" panose="020B0609020204030204" pitchFamily="49" charset="0"/>
+                <a:cs typeface="Consolas" panose="020B0609020204030204" pitchFamily="49" charset="0"/>
+              </a:rPr>
+              <a:t>constructor</a:t>
+            </a:r>
+            <a:r>
+              <a:rPr kumimoji="0" lang="zh-CN" altLang="zh-CN" sz="1300" b="0" i="0" u="none" strike="noStrike" cap="none" normalizeH="0" baseline="0" dirty="0" smtClean="0">
+                <a:ln>
+                  <a:noFill/>
+                </a:ln>
+                <a:solidFill>
+                  <a:srgbClr val="F8F8F8"/>
+                </a:solidFill>
+                <a:effectLst/>
+                <a:latin typeface="Consolas" panose="020B0609020204030204" pitchFamily="49" charset="0"/>
+                <a:cs typeface="Consolas" panose="020B0609020204030204" pitchFamily="49" charset="0"/>
+              </a:rPr>
+              <a:t>(</a:t>
+            </a:r>
+            <a:r>
+              <a:rPr kumimoji="0" lang="zh-CN" altLang="zh-CN" sz="1300" b="0" i="0" u="none" strike="noStrike" cap="none" normalizeH="0" baseline="0" dirty="0" smtClean="0">
+                <a:ln>
+                  <a:noFill/>
+                </a:ln>
+                <a:solidFill>
+                  <a:srgbClr val="FF6400"/>
+                </a:solidFill>
+                <a:effectLst/>
+                <a:latin typeface="Consolas" panose="020B0609020204030204" pitchFamily="49" charset="0"/>
+                <a:cs typeface="Consolas" panose="020B0609020204030204" pitchFamily="49" charset="0"/>
+              </a:rPr>
+              <a:t>props</a:t>
+            </a:r>
+            <a:r>
+              <a:rPr kumimoji="0" lang="zh-CN" altLang="zh-CN" sz="1300" b="0" i="0" u="none" strike="noStrike" cap="none" normalizeH="0" baseline="0" dirty="0" smtClean="0">
+                <a:ln>
+                  <a:noFill/>
+                </a:ln>
+                <a:solidFill>
+                  <a:srgbClr val="F8F8F8"/>
+                </a:solidFill>
+                <a:effectLst/>
+                <a:latin typeface="Consolas" panose="020B0609020204030204" pitchFamily="49" charset="0"/>
+                <a:cs typeface="Consolas" panose="020B0609020204030204" pitchFamily="49" charset="0"/>
+              </a:rPr>
+              <a:t>) {</a:t>
+            </a:r>
+            <a:br>
+              <a:rPr kumimoji="0" lang="zh-CN" altLang="zh-CN" sz="1300" b="0" i="0" u="none" strike="noStrike" cap="none" normalizeH="0" baseline="0" dirty="0" smtClean="0">
+                <a:ln>
+                  <a:noFill/>
+                </a:ln>
+                <a:solidFill>
+                  <a:srgbClr val="F8F8F8"/>
+                </a:solidFill>
+                <a:effectLst/>
+                <a:latin typeface="Consolas" panose="020B0609020204030204" pitchFamily="49" charset="0"/>
+                <a:cs typeface="Consolas" panose="020B0609020204030204" pitchFamily="49" charset="0"/>
+              </a:rPr>
+            </a:br>
+            <a:r>
+              <a:rPr kumimoji="0" lang="zh-CN" altLang="zh-CN" sz="1300" b="0" i="0" u="none" strike="noStrike" cap="none" normalizeH="0" baseline="0" dirty="0" smtClean="0">
+                <a:ln>
+                  <a:noFill/>
+                </a:ln>
+                <a:solidFill>
+                  <a:srgbClr val="F8F8F8"/>
+                </a:solidFill>
+                <a:effectLst/>
+                <a:latin typeface="Consolas" panose="020B0609020204030204" pitchFamily="49" charset="0"/>
+                <a:cs typeface="Consolas" panose="020B0609020204030204" pitchFamily="49" charset="0"/>
+              </a:rPr>
+              <a:t>        </a:t>
+            </a:r>
+            <a:r>
+              <a:rPr kumimoji="0" lang="zh-CN" altLang="zh-CN" sz="1300" b="0" i="0" u="none" strike="noStrike" cap="none" normalizeH="0" baseline="0" dirty="0" smtClean="0">
+                <a:ln>
+                  <a:noFill/>
+                </a:ln>
+                <a:solidFill>
+                  <a:srgbClr val="FBDE2D"/>
+                </a:solidFill>
+                <a:effectLst/>
+                <a:latin typeface="Consolas" panose="020B0609020204030204" pitchFamily="49" charset="0"/>
+                <a:cs typeface="Consolas" panose="020B0609020204030204" pitchFamily="49" charset="0"/>
+              </a:rPr>
+              <a:t>super</a:t>
+            </a:r>
+            <a:r>
+              <a:rPr kumimoji="0" lang="zh-CN" altLang="zh-CN" sz="1300" b="0" i="0" u="none" strike="noStrike" cap="none" normalizeH="0" baseline="0" dirty="0" smtClean="0">
+                <a:ln>
+                  <a:noFill/>
+                </a:ln>
+                <a:solidFill>
+                  <a:srgbClr val="F8F8F8"/>
+                </a:solidFill>
+                <a:effectLst/>
+                <a:latin typeface="Consolas" panose="020B0609020204030204" pitchFamily="49" charset="0"/>
+                <a:cs typeface="Consolas" panose="020B0609020204030204" pitchFamily="49" charset="0"/>
+              </a:rPr>
+              <a:t>(</a:t>
+            </a:r>
+            <a:r>
+              <a:rPr kumimoji="0" lang="zh-CN" altLang="zh-CN" sz="1300" b="0" i="0" u="none" strike="noStrike" cap="none" normalizeH="0" baseline="0" dirty="0" smtClean="0">
+                <a:ln>
+                  <a:noFill/>
+                </a:ln>
+                <a:solidFill>
+                  <a:srgbClr val="FF6400"/>
+                </a:solidFill>
+                <a:effectLst/>
+                <a:latin typeface="Consolas" panose="020B0609020204030204" pitchFamily="49" charset="0"/>
+                <a:cs typeface="Consolas" panose="020B0609020204030204" pitchFamily="49" charset="0"/>
+              </a:rPr>
+              <a:t>props</a:t>
+            </a:r>
+            <a:r>
+              <a:rPr kumimoji="0" lang="zh-CN" altLang="zh-CN" sz="1300" b="0" i="0" u="none" strike="noStrike" cap="none" normalizeH="0" baseline="0" dirty="0" smtClean="0">
+                <a:ln>
+                  <a:noFill/>
+                </a:ln>
+                <a:solidFill>
+                  <a:srgbClr val="F8F8F8"/>
+                </a:solidFill>
+                <a:effectLst/>
+                <a:latin typeface="Consolas" panose="020B0609020204030204" pitchFamily="49" charset="0"/>
+                <a:cs typeface="Consolas" panose="020B0609020204030204" pitchFamily="49" charset="0"/>
+              </a:rPr>
+              <a:t>);</a:t>
+            </a:r>
+            <a:br>
+              <a:rPr kumimoji="0" lang="zh-CN" altLang="zh-CN" sz="1300" b="0" i="0" u="none" strike="noStrike" cap="none" normalizeH="0" baseline="0" dirty="0" smtClean="0">
+                <a:ln>
+                  <a:noFill/>
+                </a:ln>
+                <a:solidFill>
+                  <a:srgbClr val="F8F8F8"/>
+                </a:solidFill>
+                <a:effectLst/>
+                <a:latin typeface="Consolas" panose="020B0609020204030204" pitchFamily="49" charset="0"/>
+                <a:cs typeface="Consolas" panose="020B0609020204030204" pitchFamily="49" charset="0"/>
+              </a:rPr>
+            </a:br>
+            <a:r>
+              <a:rPr kumimoji="0" lang="zh-CN" altLang="zh-CN" sz="1300" b="0" i="0" u="none" strike="noStrike" cap="none" normalizeH="0" baseline="0" dirty="0" smtClean="0">
+                <a:ln>
+                  <a:noFill/>
+                </a:ln>
+                <a:solidFill>
+                  <a:srgbClr val="F8F8F8"/>
+                </a:solidFill>
+                <a:effectLst/>
+                <a:latin typeface="Consolas" panose="020B0609020204030204" pitchFamily="49" charset="0"/>
+                <a:cs typeface="Consolas" panose="020B0609020204030204" pitchFamily="49" charset="0"/>
+              </a:rPr>
+              <a:t>        </a:t>
+            </a:r>
+            <a:r>
+              <a:rPr kumimoji="0" lang="zh-CN" altLang="zh-CN" sz="1300" b="0" i="0" u="none" strike="noStrike" cap="none" normalizeH="0" baseline="0" dirty="0" smtClean="0">
+                <a:ln>
+                  <a:noFill/>
+                </a:ln>
+                <a:solidFill>
+                  <a:srgbClr val="FBDE2D"/>
+                </a:solidFill>
+                <a:effectLst/>
+                <a:latin typeface="Consolas" panose="020B0609020204030204" pitchFamily="49" charset="0"/>
+                <a:cs typeface="Consolas" panose="020B0609020204030204" pitchFamily="49" charset="0"/>
+              </a:rPr>
+              <a:t>this</a:t>
+            </a:r>
+            <a:r>
+              <a:rPr kumimoji="0" lang="zh-CN" altLang="zh-CN" sz="1300" b="0" i="0" u="none" strike="noStrike" cap="none" normalizeH="0" baseline="0" dirty="0" smtClean="0">
+                <a:ln>
+                  <a:noFill/>
+                </a:ln>
+                <a:solidFill>
+                  <a:srgbClr val="F8F8F8"/>
+                </a:solidFill>
+                <a:effectLst/>
+                <a:latin typeface="Consolas" panose="020B0609020204030204" pitchFamily="49" charset="0"/>
+                <a:cs typeface="Consolas" panose="020B0609020204030204" pitchFamily="49" charset="0"/>
+              </a:rPr>
+              <a:t>.</a:t>
+            </a:r>
+            <a:r>
+              <a:rPr kumimoji="0" lang="zh-CN" altLang="zh-CN" sz="1300" b="0" i="0" u="none" strike="noStrike" cap="none" normalizeH="0" baseline="0" dirty="0" smtClean="0">
+                <a:ln>
+                  <a:noFill/>
+                </a:ln>
+                <a:solidFill>
+                  <a:srgbClr val="FF6400"/>
+                </a:solidFill>
+                <a:effectLst/>
+                <a:latin typeface="Consolas" panose="020B0609020204030204" pitchFamily="49" charset="0"/>
+                <a:cs typeface="Consolas" panose="020B0609020204030204" pitchFamily="49" charset="0"/>
+              </a:rPr>
+              <a:t>state </a:t>
+            </a:r>
+            <a:r>
+              <a:rPr kumimoji="0" lang="zh-CN" altLang="zh-CN" sz="1300" b="0" i="0" u="none" strike="noStrike" cap="none" normalizeH="0" baseline="0" dirty="0" smtClean="0">
+                <a:ln>
+                  <a:noFill/>
+                </a:ln>
+                <a:solidFill>
+                  <a:srgbClr val="FBDE2D"/>
+                </a:solidFill>
+                <a:effectLst/>
+                <a:latin typeface="Consolas" panose="020B0609020204030204" pitchFamily="49" charset="0"/>
+                <a:cs typeface="Consolas" panose="020B0609020204030204" pitchFamily="49" charset="0"/>
+              </a:rPr>
+              <a:t>= </a:t>
+            </a:r>
+            <a:r>
+              <a:rPr kumimoji="0" lang="zh-CN" altLang="zh-CN" sz="1300" b="0" i="0" u="none" strike="noStrike" cap="none" normalizeH="0" baseline="0" dirty="0" smtClean="0">
+                <a:ln>
+                  <a:noFill/>
+                </a:ln>
+                <a:solidFill>
+                  <a:srgbClr val="F8F8F8"/>
+                </a:solidFill>
+                <a:effectLst/>
+                <a:latin typeface="Consolas" panose="020B0609020204030204" pitchFamily="49" charset="0"/>
+                <a:cs typeface="Consolas" panose="020B0609020204030204" pitchFamily="49" charset="0"/>
+              </a:rPr>
+              <a:t>{</a:t>
+            </a:r>
+            <a:r>
+              <a:rPr kumimoji="0" lang="zh-CN" altLang="zh-CN" sz="1300" b="0" i="0" u="none" strike="noStrike" cap="none" normalizeH="0" baseline="0" dirty="0" smtClean="0">
+                <a:ln>
+                  <a:noFill/>
+                </a:ln>
+                <a:solidFill>
+                  <a:srgbClr val="FF6400"/>
+                </a:solidFill>
+                <a:effectLst/>
+                <a:latin typeface="Consolas" panose="020B0609020204030204" pitchFamily="49" charset="0"/>
+                <a:cs typeface="Consolas" panose="020B0609020204030204" pitchFamily="49" charset="0"/>
+              </a:rPr>
+              <a:t>warn</a:t>
+            </a:r>
+            <a:r>
+              <a:rPr kumimoji="0" lang="zh-CN" altLang="zh-CN" sz="1300" b="0" i="0" u="none" strike="noStrike" cap="none" normalizeH="0" baseline="0" dirty="0" smtClean="0">
+                <a:ln>
+                  <a:noFill/>
+                </a:ln>
+                <a:solidFill>
+                  <a:srgbClr val="FBDE2D"/>
+                </a:solidFill>
+                <a:effectLst/>
+                <a:latin typeface="Consolas" panose="020B0609020204030204" pitchFamily="49" charset="0"/>
+                <a:cs typeface="Consolas" panose="020B0609020204030204" pitchFamily="49" charset="0"/>
+              </a:rPr>
+              <a:t>: false</a:t>
+            </a:r>
+            <a:r>
+              <a:rPr kumimoji="0" lang="zh-CN" altLang="zh-CN" sz="1300" b="0" i="0" u="none" strike="noStrike" cap="none" normalizeH="0" baseline="0" dirty="0" smtClean="0">
+                <a:ln>
+                  <a:noFill/>
+                </a:ln>
+                <a:solidFill>
+                  <a:srgbClr val="F8F8F8"/>
+                </a:solidFill>
+                <a:effectLst/>
+                <a:latin typeface="Consolas" panose="020B0609020204030204" pitchFamily="49" charset="0"/>
+                <a:cs typeface="Consolas" panose="020B0609020204030204" pitchFamily="49" charset="0"/>
+              </a:rPr>
+              <a:t>};</a:t>
+            </a:r>
+            <a:br>
+              <a:rPr kumimoji="0" lang="zh-CN" altLang="zh-CN" sz="1300" b="0" i="0" u="none" strike="noStrike" cap="none" normalizeH="0" baseline="0" dirty="0" smtClean="0">
+                <a:ln>
+                  <a:noFill/>
+                </a:ln>
+                <a:solidFill>
+                  <a:srgbClr val="F8F8F8"/>
+                </a:solidFill>
+                <a:effectLst/>
+                <a:latin typeface="Consolas" panose="020B0609020204030204" pitchFamily="49" charset="0"/>
+                <a:cs typeface="Consolas" panose="020B0609020204030204" pitchFamily="49" charset="0"/>
+              </a:rPr>
+            </a:br>
+            <a:r>
+              <a:rPr kumimoji="0" lang="zh-CN" altLang="zh-CN" sz="1300" b="0" i="0" u="none" strike="noStrike" cap="none" normalizeH="0" baseline="0" dirty="0" smtClean="0">
+                <a:ln>
+                  <a:noFill/>
+                </a:ln>
+                <a:solidFill>
+                  <a:srgbClr val="F8F8F8"/>
+                </a:solidFill>
+                <a:effectLst/>
+                <a:latin typeface="Consolas" panose="020B0609020204030204" pitchFamily="49" charset="0"/>
+                <a:cs typeface="Consolas" panose="020B0609020204030204" pitchFamily="49" charset="0"/>
+              </a:rPr>
+              <a:t>        </a:t>
+            </a:r>
+            <a:r>
+              <a:rPr kumimoji="0" lang="zh-CN" altLang="zh-CN" sz="1300" b="0" i="0" u="none" strike="noStrike" cap="none" normalizeH="0" baseline="0" dirty="0" smtClean="0">
+                <a:ln>
+                  <a:noFill/>
+                </a:ln>
+                <a:solidFill>
+                  <a:srgbClr val="FBDE2D"/>
+                </a:solidFill>
+                <a:effectLst/>
+                <a:latin typeface="Consolas" panose="020B0609020204030204" pitchFamily="49" charset="0"/>
+                <a:cs typeface="Consolas" panose="020B0609020204030204" pitchFamily="49" charset="0"/>
+              </a:rPr>
+              <a:t>this</a:t>
+            </a:r>
+            <a:r>
+              <a:rPr kumimoji="0" lang="zh-CN" altLang="zh-CN" sz="1300" b="0" i="0" u="none" strike="noStrike" cap="none" normalizeH="0" baseline="0" dirty="0" smtClean="0">
+                <a:ln>
+                  <a:noFill/>
+                </a:ln>
+                <a:solidFill>
+                  <a:srgbClr val="F8F8F8"/>
+                </a:solidFill>
+                <a:effectLst/>
+                <a:latin typeface="Consolas" panose="020B0609020204030204" pitchFamily="49" charset="0"/>
+                <a:cs typeface="Consolas" panose="020B0609020204030204" pitchFamily="49" charset="0"/>
+              </a:rPr>
+              <a:t>.</a:t>
+            </a:r>
+            <a:r>
+              <a:rPr kumimoji="0" lang="zh-CN" altLang="zh-CN" sz="1300" b="0" i="0" u="none" strike="noStrike" cap="none" normalizeH="0" baseline="0" dirty="0" smtClean="0">
+                <a:ln>
+                  <a:noFill/>
+                </a:ln>
+                <a:solidFill>
+                  <a:srgbClr val="FF6400"/>
+                </a:solidFill>
+                <a:effectLst/>
+                <a:latin typeface="Consolas" panose="020B0609020204030204" pitchFamily="49" charset="0"/>
+                <a:cs typeface="Consolas" panose="020B0609020204030204" pitchFamily="49" charset="0"/>
+              </a:rPr>
+              <a:t>handleToggleClick </a:t>
+            </a:r>
+            <a:r>
+              <a:rPr kumimoji="0" lang="zh-CN" altLang="zh-CN" sz="1300" b="0" i="0" u="none" strike="noStrike" cap="none" normalizeH="0" baseline="0" dirty="0" smtClean="0">
+                <a:ln>
+                  <a:noFill/>
+                </a:ln>
+                <a:solidFill>
+                  <a:srgbClr val="FBDE2D"/>
+                </a:solidFill>
+                <a:effectLst/>
+                <a:latin typeface="Consolas" panose="020B0609020204030204" pitchFamily="49" charset="0"/>
+                <a:cs typeface="Consolas" panose="020B0609020204030204" pitchFamily="49" charset="0"/>
+              </a:rPr>
+              <a:t>= this</a:t>
+            </a:r>
+            <a:r>
+              <a:rPr kumimoji="0" lang="zh-CN" altLang="zh-CN" sz="1300" b="0" i="0" u="none" strike="noStrike" cap="none" normalizeH="0" baseline="0" dirty="0" smtClean="0">
+                <a:ln>
+                  <a:noFill/>
+                </a:ln>
+                <a:solidFill>
+                  <a:srgbClr val="F8F8F8"/>
+                </a:solidFill>
+                <a:effectLst/>
+                <a:latin typeface="Consolas" panose="020B0609020204030204" pitchFamily="49" charset="0"/>
+                <a:cs typeface="Consolas" panose="020B0609020204030204" pitchFamily="49" charset="0"/>
+              </a:rPr>
+              <a:t>.</a:t>
+            </a:r>
+            <a:r>
+              <a:rPr kumimoji="0" lang="zh-CN" altLang="zh-CN" sz="1300" b="0" i="0" u="none" strike="noStrike" cap="none" normalizeH="0" baseline="0" dirty="0" smtClean="0">
+                <a:ln>
+                  <a:noFill/>
+                </a:ln>
+                <a:solidFill>
+                  <a:srgbClr val="FF6400"/>
+                </a:solidFill>
+                <a:effectLst/>
+                <a:latin typeface="Consolas" panose="020B0609020204030204" pitchFamily="49" charset="0"/>
+                <a:cs typeface="Consolas" panose="020B0609020204030204" pitchFamily="49" charset="0"/>
+              </a:rPr>
+              <a:t>handleToggleClick</a:t>
+            </a:r>
+            <a:r>
+              <a:rPr kumimoji="0" lang="zh-CN" altLang="zh-CN" sz="1300" b="0" i="0" u="none" strike="noStrike" cap="none" normalizeH="0" baseline="0" dirty="0" smtClean="0">
+                <a:ln>
+                  <a:noFill/>
+                </a:ln>
+                <a:solidFill>
+                  <a:srgbClr val="F8F8F8"/>
+                </a:solidFill>
+                <a:effectLst/>
+                <a:latin typeface="Consolas" panose="020B0609020204030204" pitchFamily="49" charset="0"/>
+                <a:cs typeface="Consolas" panose="020B0609020204030204" pitchFamily="49" charset="0"/>
+              </a:rPr>
+              <a:t>.</a:t>
+            </a:r>
+            <a:r>
+              <a:rPr kumimoji="0" lang="zh-CN" altLang="zh-CN" sz="1300" b="0" i="0" u="none" strike="noStrike" cap="none" normalizeH="0" baseline="0" dirty="0" smtClean="0">
+                <a:ln>
+                  <a:noFill/>
+                </a:ln>
+                <a:solidFill>
+                  <a:srgbClr val="FF6400"/>
+                </a:solidFill>
+                <a:effectLst/>
+                <a:latin typeface="Consolas" panose="020B0609020204030204" pitchFamily="49" charset="0"/>
+                <a:cs typeface="Consolas" panose="020B0609020204030204" pitchFamily="49" charset="0"/>
+              </a:rPr>
+              <a:t>bind</a:t>
+            </a:r>
+            <a:r>
+              <a:rPr kumimoji="0" lang="zh-CN" altLang="zh-CN" sz="1300" b="0" i="0" u="none" strike="noStrike" cap="none" normalizeH="0" baseline="0" dirty="0" smtClean="0">
+                <a:ln>
+                  <a:noFill/>
+                </a:ln>
+                <a:solidFill>
+                  <a:srgbClr val="F8F8F8"/>
+                </a:solidFill>
+                <a:effectLst/>
+                <a:latin typeface="Consolas" panose="020B0609020204030204" pitchFamily="49" charset="0"/>
+                <a:cs typeface="Consolas" panose="020B0609020204030204" pitchFamily="49" charset="0"/>
+              </a:rPr>
+              <a:t>(</a:t>
+            </a:r>
+            <a:r>
+              <a:rPr kumimoji="0" lang="zh-CN" altLang="zh-CN" sz="1300" b="0" i="0" u="none" strike="noStrike" cap="none" normalizeH="0" baseline="0" dirty="0" smtClean="0">
+                <a:ln>
+                  <a:noFill/>
+                </a:ln>
+                <a:solidFill>
+                  <a:srgbClr val="FBDE2D"/>
+                </a:solidFill>
+                <a:effectLst/>
+                <a:latin typeface="Consolas" panose="020B0609020204030204" pitchFamily="49" charset="0"/>
+                <a:cs typeface="Consolas" panose="020B0609020204030204" pitchFamily="49" charset="0"/>
+              </a:rPr>
+              <a:t>this</a:t>
+            </a:r>
+            <a:r>
+              <a:rPr kumimoji="0" lang="zh-CN" altLang="zh-CN" sz="1300" b="0" i="0" u="none" strike="noStrike" cap="none" normalizeH="0" baseline="0" dirty="0" smtClean="0">
+                <a:ln>
+                  <a:noFill/>
+                </a:ln>
+                <a:solidFill>
+                  <a:srgbClr val="F8F8F8"/>
+                </a:solidFill>
+                <a:effectLst/>
+                <a:latin typeface="Consolas" panose="020B0609020204030204" pitchFamily="49" charset="0"/>
+                <a:cs typeface="Consolas" panose="020B0609020204030204" pitchFamily="49" charset="0"/>
+              </a:rPr>
+              <a:t>);</a:t>
+            </a:r>
+            <a:br>
+              <a:rPr kumimoji="0" lang="zh-CN" altLang="zh-CN" sz="1300" b="0" i="0" u="none" strike="noStrike" cap="none" normalizeH="0" baseline="0" dirty="0" smtClean="0">
+                <a:ln>
+                  <a:noFill/>
+                </a:ln>
+                <a:solidFill>
+                  <a:srgbClr val="F8F8F8"/>
+                </a:solidFill>
+                <a:effectLst/>
+                <a:latin typeface="Consolas" panose="020B0609020204030204" pitchFamily="49" charset="0"/>
+                <a:cs typeface="Consolas" panose="020B0609020204030204" pitchFamily="49" charset="0"/>
+              </a:rPr>
+            </a:br>
+            <a:r>
+              <a:rPr kumimoji="0" lang="zh-CN" altLang="zh-CN" sz="1300" b="0" i="0" u="none" strike="noStrike" cap="none" normalizeH="0" baseline="0" dirty="0" smtClean="0">
+                <a:ln>
+                  <a:noFill/>
+                </a:ln>
+                <a:solidFill>
+                  <a:srgbClr val="F8F8F8"/>
+                </a:solidFill>
+                <a:effectLst/>
+                <a:latin typeface="Consolas" panose="020B0609020204030204" pitchFamily="49" charset="0"/>
+                <a:cs typeface="Consolas" panose="020B0609020204030204" pitchFamily="49" charset="0"/>
+              </a:rPr>
+              <a:t>    }</a:t>
+            </a:r>
+            <a:br>
+              <a:rPr kumimoji="0" lang="zh-CN" altLang="zh-CN" sz="1300" b="0" i="0" u="none" strike="noStrike" cap="none" normalizeH="0" baseline="0" dirty="0" smtClean="0">
+                <a:ln>
+                  <a:noFill/>
+                </a:ln>
+                <a:solidFill>
+                  <a:srgbClr val="F8F8F8"/>
+                </a:solidFill>
+                <a:effectLst/>
+                <a:latin typeface="Consolas" panose="020B0609020204030204" pitchFamily="49" charset="0"/>
+                <a:cs typeface="Consolas" panose="020B0609020204030204" pitchFamily="49" charset="0"/>
+              </a:rPr>
+            </a:br>
+            <a:r>
+              <a:rPr kumimoji="0" lang="zh-CN" altLang="zh-CN" sz="1300" b="0" i="0" u="none" strike="noStrike" cap="none" normalizeH="0" baseline="0" dirty="0" smtClean="0">
+                <a:ln>
+                  <a:noFill/>
+                </a:ln>
+                <a:solidFill>
+                  <a:srgbClr val="F8F8F8"/>
+                </a:solidFill>
+                <a:effectLst/>
+                <a:latin typeface="Consolas" panose="020B0609020204030204" pitchFamily="49" charset="0"/>
+                <a:cs typeface="Consolas" panose="020B0609020204030204" pitchFamily="49" charset="0"/>
+              </a:rPr>
+              <a:t>    </a:t>
+            </a:r>
+            <a:r>
+              <a:rPr kumimoji="0" lang="zh-CN" altLang="zh-CN" sz="1300" b="0" i="0" u="none" strike="noStrike" cap="none" normalizeH="0" baseline="0" dirty="0" smtClean="0">
+                <a:ln>
+                  <a:noFill/>
+                </a:ln>
+                <a:solidFill>
+                  <a:srgbClr val="FF6400"/>
+                </a:solidFill>
+                <a:effectLst/>
+                <a:latin typeface="Consolas" panose="020B0609020204030204" pitchFamily="49" charset="0"/>
+                <a:cs typeface="Consolas" panose="020B0609020204030204" pitchFamily="49" charset="0"/>
+              </a:rPr>
+              <a:t>handleToggleClick</a:t>
+            </a:r>
+            <a:r>
+              <a:rPr kumimoji="0" lang="zh-CN" altLang="zh-CN" sz="1300" b="0" i="0" u="none" strike="noStrike" cap="none" normalizeH="0" baseline="0" dirty="0" smtClean="0">
+                <a:ln>
+                  <a:noFill/>
+                </a:ln>
+                <a:solidFill>
+                  <a:srgbClr val="F8F8F8"/>
+                </a:solidFill>
+                <a:effectLst/>
+                <a:latin typeface="Consolas" panose="020B0609020204030204" pitchFamily="49" charset="0"/>
+                <a:cs typeface="Consolas" panose="020B0609020204030204" pitchFamily="49" charset="0"/>
+              </a:rPr>
+              <a:t>() {</a:t>
+            </a:r>
+            <a:br>
+              <a:rPr kumimoji="0" lang="zh-CN" altLang="zh-CN" sz="1300" b="0" i="0" u="none" strike="noStrike" cap="none" normalizeH="0" baseline="0" dirty="0" smtClean="0">
+                <a:ln>
+                  <a:noFill/>
+                </a:ln>
+                <a:solidFill>
+                  <a:srgbClr val="F8F8F8"/>
+                </a:solidFill>
+                <a:effectLst/>
+                <a:latin typeface="Consolas" panose="020B0609020204030204" pitchFamily="49" charset="0"/>
+                <a:cs typeface="Consolas" panose="020B0609020204030204" pitchFamily="49" charset="0"/>
+              </a:rPr>
+            </a:br>
+            <a:r>
+              <a:rPr kumimoji="0" lang="zh-CN" altLang="zh-CN" sz="1300" b="0" i="0" u="none" strike="noStrike" cap="none" normalizeH="0" baseline="0" dirty="0" smtClean="0">
+                <a:ln>
+                  <a:noFill/>
+                </a:ln>
+                <a:solidFill>
+                  <a:srgbClr val="F8F8F8"/>
+                </a:solidFill>
+                <a:effectLst/>
+                <a:latin typeface="Consolas" panose="020B0609020204030204" pitchFamily="49" charset="0"/>
+                <a:cs typeface="Consolas" panose="020B0609020204030204" pitchFamily="49" charset="0"/>
+              </a:rPr>
+              <a:t>        </a:t>
+            </a:r>
+            <a:r>
+              <a:rPr kumimoji="0" lang="zh-CN" altLang="zh-CN" sz="1300" b="0" i="0" u="none" strike="noStrike" cap="none" normalizeH="0" baseline="0" dirty="0" smtClean="0">
+                <a:ln>
+                  <a:noFill/>
+                </a:ln>
+                <a:solidFill>
+                  <a:srgbClr val="FBDE2D"/>
+                </a:solidFill>
+                <a:effectLst/>
+                <a:latin typeface="Consolas" panose="020B0609020204030204" pitchFamily="49" charset="0"/>
+                <a:cs typeface="Consolas" panose="020B0609020204030204" pitchFamily="49" charset="0"/>
+              </a:rPr>
+              <a:t>this</a:t>
+            </a:r>
+            <a:r>
+              <a:rPr kumimoji="0" lang="zh-CN" altLang="zh-CN" sz="1300" b="0" i="0" u="none" strike="noStrike" cap="none" normalizeH="0" baseline="0" dirty="0" smtClean="0">
+                <a:ln>
+                  <a:noFill/>
+                </a:ln>
+                <a:solidFill>
+                  <a:srgbClr val="F8F8F8"/>
+                </a:solidFill>
+                <a:effectLst/>
+                <a:latin typeface="Consolas" panose="020B0609020204030204" pitchFamily="49" charset="0"/>
+                <a:cs typeface="Consolas" panose="020B0609020204030204" pitchFamily="49" charset="0"/>
+              </a:rPr>
+              <a:t>.</a:t>
+            </a:r>
+            <a:r>
+              <a:rPr kumimoji="0" lang="zh-CN" altLang="zh-CN" sz="1300" b="0" i="0" u="none" strike="noStrike" cap="none" normalizeH="0" baseline="0" dirty="0" smtClean="0">
+                <a:ln>
+                  <a:noFill/>
+                </a:ln>
+                <a:solidFill>
+                  <a:srgbClr val="FF6400"/>
+                </a:solidFill>
+                <a:effectLst/>
+                <a:latin typeface="Consolas" panose="020B0609020204030204" pitchFamily="49" charset="0"/>
+                <a:cs typeface="Consolas" panose="020B0609020204030204" pitchFamily="49" charset="0"/>
+              </a:rPr>
+              <a:t>setState</a:t>
+            </a:r>
+            <a:r>
+              <a:rPr kumimoji="0" lang="zh-CN" altLang="zh-CN" sz="1300" b="0" i="0" u="none" strike="noStrike" cap="none" normalizeH="0" baseline="0" dirty="0" smtClean="0">
+                <a:ln>
+                  <a:noFill/>
+                </a:ln>
+                <a:solidFill>
+                  <a:srgbClr val="F8F8F8"/>
+                </a:solidFill>
+                <a:effectLst/>
+                <a:latin typeface="Consolas" panose="020B0609020204030204" pitchFamily="49" charset="0"/>
+                <a:cs typeface="Consolas" panose="020B0609020204030204" pitchFamily="49" charset="0"/>
+              </a:rPr>
+              <a:t>(</a:t>
+            </a:r>
+            <a:r>
+              <a:rPr kumimoji="0" lang="zh-CN" altLang="zh-CN" sz="1300" b="0" i="0" u="none" strike="noStrike" cap="none" normalizeH="0" baseline="0" dirty="0" smtClean="0">
+                <a:ln>
+                  <a:noFill/>
+                </a:ln>
+                <a:solidFill>
+                  <a:srgbClr val="FF6400"/>
+                </a:solidFill>
+                <a:effectLst/>
+                <a:latin typeface="Consolas" panose="020B0609020204030204" pitchFamily="49" charset="0"/>
+                <a:cs typeface="Consolas" panose="020B0609020204030204" pitchFamily="49" charset="0"/>
+              </a:rPr>
+              <a:t>prevState </a:t>
+            </a:r>
+            <a:r>
+              <a:rPr kumimoji="0" lang="zh-CN" altLang="zh-CN" sz="1300" b="0" i="0" u="none" strike="noStrike" cap="none" normalizeH="0" baseline="0" dirty="0" smtClean="0">
+                <a:ln>
+                  <a:noFill/>
+                </a:ln>
+                <a:solidFill>
+                  <a:srgbClr val="FBDE2D"/>
+                </a:solidFill>
+                <a:effectLst/>
+                <a:latin typeface="Consolas" panose="020B0609020204030204" pitchFamily="49" charset="0"/>
+                <a:cs typeface="Consolas" panose="020B0609020204030204" pitchFamily="49" charset="0"/>
+              </a:rPr>
+              <a:t>=&gt; </a:t>
+            </a:r>
+            <a:r>
+              <a:rPr kumimoji="0" lang="zh-CN" altLang="zh-CN" sz="1300" b="0" i="0" u="none" strike="noStrike" cap="none" normalizeH="0" baseline="0" dirty="0" smtClean="0">
+                <a:ln>
+                  <a:noFill/>
+                </a:ln>
+                <a:solidFill>
+                  <a:srgbClr val="F8F8F8"/>
+                </a:solidFill>
+                <a:effectLst/>
+                <a:latin typeface="Consolas" panose="020B0609020204030204" pitchFamily="49" charset="0"/>
+                <a:cs typeface="Consolas" panose="020B0609020204030204" pitchFamily="49" charset="0"/>
+              </a:rPr>
+              <a:t>({</a:t>
+            </a:r>
+            <a:r>
+              <a:rPr kumimoji="0" lang="zh-CN" altLang="zh-CN" sz="1300" b="0" i="0" u="none" strike="noStrike" cap="none" normalizeH="0" baseline="0" dirty="0" smtClean="0">
+                <a:ln>
+                  <a:noFill/>
+                </a:ln>
+                <a:solidFill>
+                  <a:srgbClr val="FF6400"/>
+                </a:solidFill>
+                <a:effectLst/>
+                <a:latin typeface="Consolas" panose="020B0609020204030204" pitchFamily="49" charset="0"/>
+                <a:cs typeface="Consolas" panose="020B0609020204030204" pitchFamily="49" charset="0"/>
+              </a:rPr>
+              <a:t>warn</a:t>
+            </a:r>
+            <a:r>
+              <a:rPr kumimoji="0" lang="zh-CN" altLang="zh-CN" sz="1300" b="0" i="0" u="none" strike="noStrike" cap="none" normalizeH="0" baseline="0" dirty="0" smtClean="0">
+                <a:ln>
+                  <a:noFill/>
+                </a:ln>
+                <a:solidFill>
+                  <a:srgbClr val="FBDE2D"/>
+                </a:solidFill>
+                <a:effectLst/>
+                <a:latin typeface="Consolas" panose="020B0609020204030204" pitchFamily="49" charset="0"/>
+                <a:cs typeface="Consolas" panose="020B0609020204030204" pitchFamily="49" charset="0"/>
+              </a:rPr>
+              <a:t>: !</a:t>
+            </a:r>
+            <a:r>
+              <a:rPr kumimoji="0" lang="zh-CN" altLang="zh-CN" sz="1300" b="0" i="0" u="none" strike="noStrike" cap="none" normalizeH="0" baseline="0" dirty="0" smtClean="0">
+                <a:ln>
+                  <a:noFill/>
+                </a:ln>
+                <a:solidFill>
+                  <a:srgbClr val="FF6400"/>
+                </a:solidFill>
+                <a:effectLst/>
+                <a:latin typeface="Consolas" panose="020B0609020204030204" pitchFamily="49" charset="0"/>
+                <a:cs typeface="Consolas" panose="020B0609020204030204" pitchFamily="49" charset="0"/>
+              </a:rPr>
+              <a:t>prevState</a:t>
+            </a:r>
+            <a:r>
+              <a:rPr kumimoji="0" lang="zh-CN" altLang="zh-CN" sz="1300" b="0" i="0" u="none" strike="noStrike" cap="none" normalizeH="0" baseline="0" dirty="0" smtClean="0">
+                <a:ln>
+                  <a:noFill/>
+                </a:ln>
+                <a:solidFill>
+                  <a:srgbClr val="F8F8F8"/>
+                </a:solidFill>
+                <a:effectLst/>
+                <a:latin typeface="Consolas" panose="020B0609020204030204" pitchFamily="49" charset="0"/>
+                <a:cs typeface="Consolas" panose="020B0609020204030204" pitchFamily="49" charset="0"/>
+              </a:rPr>
+              <a:t>.</a:t>
+            </a:r>
+            <a:r>
+              <a:rPr kumimoji="0" lang="zh-CN" altLang="zh-CN" sz="1300" b="0" i="0" u="none" strike="noStrike" cap="none" normalizeH="0" baseline="0" dirty="0" smtClean="0">
+                <a:ln>
+                  <a:noFill/>
+                </a:ln>
+                <a:solidFill>
+                  <a:srgbClr val="FF6400"/>
+                </a:solidFill>
+                <a:effectLst/>
+                <a:latin typeface="Consolas" panose="020B0609020204030204" pitchFamily="49" charset="0"/>
+                <a:cs typeface="Consolas" panose="020B0609020204030204" pitchFamily="49" charset="0"/>
+              </a:rPr>
+              <a:t>warn</a:t>
+            </a:r>
+            <a:r>
+              <a:rPr kumimoji="0" lang="zh-CN" altLang="zh-CN" sz="1300" b="0" i="0" u="none" strike="noStrike" cap="none" normalizeH="0" baseline="0" dirty="0" smtClean="0">
+                <a:ln>
+                  <a:noFill/>
+                </a:ln>
+                <a:solidFill>
+                  <a:srgbClr val="F8F8F8"/>
+                </a:solidFill>
+                <a:effectLst/>
+                <a:latin typeface="Consolas" panose="020B0609020204030204" pitchFamily="49" charset="0"/>
+                <a:cs typeface="Consolas" panose="020B0609020204030204" pitchFamily="49" charset="0"/>
+              </a:rPr>
+              <a:t>}));</a:t>
+            </a:r>
+            <a:br>
+              <a:rPr kumimoji="0" lang="zh-CN" altLang="zh-CN" sz="1300" b="0" i="0" u="none" strike="noStrike" cap="none" normalizeH="0" baseline="0" dirty="0" smtClean="0">
+                <a:ln>
+                  <a:noFill/>
+                </a:ln>
+                <a:solidFill>
+                  <a:srgbClr val="F8F8F8"/>
+                </a:solidFill>
+                <a:effectLst/>
+                <a:latin typeface="Consolas" panose="020B0609020204030204" pitchFamily="49" charset="0"/>
+                <a:cs typeface="Consolas" panose="020B0609020204030204" pitchFamily="49" charset="0"/>
+              </a:rPr>
+            </a:br>
+            <a:r>
+              <a:rPr kumimoji="0" lang="zh-CN" altLang="zh-CN" sz="1300" b="0" i="0" u="none" strike="noStrike" cap="none" normalizeH="0" baseline="0" dirty="0" smtClean="0">
+                <a:ln>
+                  <a:noFill/>
+                </a:ln>
+                <a:solidFill>
+                  <a:srgbClr val="F8F8F8"/>
+                </a:solidFill>
+                <a:effectLst/>
+                <a:latin typeface="Consolas" panose="020B0609020204030204" pitchFamily="49" charset="0"/>
+                <a:cs typeface="Consolas" panose="020B0609020204030204" pitchFamily="49" charset="0"/>
+              </a:rPr>
+              <a:t>    }</a:t>
+            </a:r>
+            <a:br>
+              <a:rPr kumimoji="0" lang="zh-CN" altLang="zh-CN" sz="1300" b="0" i="0" u="none" strike="noStrike" cap="none" normalizeH="0" baseline="0" dirty="0" smtClean="0">
+                <a:ln>
+                  <a:noFill/>
+                </a:ln>
+                <a:solidFill>
+                  <a:srgbClr val="F8F8F8"/>
+                </a:solidFill>
+                <a:effectLst/>
+                <a:latin typeface="Consolas" panose="020B0609020204030204" pitchFamily="49" charset="0"/>
+                <a:cs typeface="Consolas" panose="020B0609020204030204" pitchFamily="49" charset="0"/>
+              </a:rPr>
+            </a:br>
+            <a:r>
+              <a:rPr kumimoji="0" lang="zh-CN" altLang="zh-CN" sz="1300" b="0" i="0" u="none" strike="noStrike" cap="none" normalizeH="0" baseline="0" dirty="0" smtClean="0">
+                <a:ln>
+                  <a:noFill/>
+                </a:ln>
+                <a:solidFill>
+                  <a:srgbClr val="F8F8F8"/>
+                </a:solidFill>
+                <a:effectLst/>
+                <a:latin typeface="Consolas" panose="020B0609020204030204" pitchFamily="49" charset="0"/>
+                <a:cs typeface="Consolas" panose="020B0609020204030204" pitchFamily="49" charset="0"/>
+              </a:rPr>
+              <a:t>    </a:t>
+            </a:r>
+            <a:r>
+              <a:rPr kumimoji="0" lang="zh-CN" altLang="zh-CN" sz="1300" b="0" i="0" u="none" strike="noStrike" cap="none" normalizeH="0" baseline="0" dirty="0" smtClean="0">
+                <a:ln>
+                  <a:noFill/>
+                </a:ln>
+                <a:solidFill>
+                  <a:srgbClr val="FF6400"/>
+                </a:solidFill>
+                <a:effectLst/>
+                <a:latin typeface="Consolas" panose="020B0609020204030204" pitchFamily="49" charset="0"/>
+                <a:cs typeface="Consolas" panose="020B0609020204030204" pitchFamily="49" charset="0"/>
+              </a:rPr>
+              <a:t>render</a:t>
+            </a:r>
+            <a:r>
+              <a:rPr kumimoji="0" lang="zh-CN" altLang="zh-CN" sz="1300" b="0" i="0" u="none" strike="noStrike" cap="none" normalizeH="0" baseline="0" dirty="0" smtClean="0">
+                <a:ln>
+                  <a:noFill/>
+                </a:ln>
+                <a:solidFill>
+                  <a:srgbClr val="F8F8F8"/>
+                </a:solidFill>
+                <a:effectLst/>
+                <a:latin typeface="Consolas" panose="020B0609020204030204" pitchFamily="49" charset="0"/>
+                <a:cs typeface="Consolas" panose="020B0609020204030204" pitchFamily="49" charset="0"/>
+              </a:rPr>
+              <a:t>() {</a:t>
+            </a:r>
+            <a:br>
+              <a:rPr kumimoji="0" lang="zh-CN" altLang="zh-CN" sz="1300" b="0" i="0" u="none" strike="noStrike" cap="none" normalizeH="0" baseline="0" dirty="0" smtClean="0">
+                <a:ln>
+                  <a:noFill/>
+                </a:ln>
+                <a:solidFill>
+                  <a:srgbClr val="F8F8F8"/>
+                </a:solidFill>
+                <a:effectLst/>
+                <a:latin typeface="Consolas" panose="020B0609020204030204" pitchFamily="49" charset="0"/>
+                <a:cs typeface="Consolas" panose="020B0609020204030204" pitchFamily="49" charset="0"/>
+              </a:rPr>
+            </a:br>
+            <a:r>
+              <a:rPr kumimoji="0" lang="zh-CN" altLang="zh-CN" sz="1300" b="0" i="0" u="none" strike="noStrike" cap="none" normalizeH="0" baseline="0" dirty="0" smtClean="0">
+                <a:ln>
+                  <a:noFill/>
+                </a:ln>
+                <a:solidFill>
+                  <a:srgbClr val="F8F8F8"/>
+                </a:solidFill>
+                <a:effectLst/>
+                <a:latin typeface="Consolas" panose="020B0609020204030204" pitchFamily="49" charset="0"/>
+                <a:cs typeface="Consolas" panose="020B0609020204030204" pitchFamily="49" charset="0"/>
+              </a:rPr>
+              <a:t>        </a:t>
+            </a:r>
+            <a:r>
+              <a:rPr kumimoji="0" lang="zh-CN" altLang="zh-CN" sz="1300" b="0" i="0" u="none" strike="noStrike" cap="none" normalizeH="0" baseline="0" dirty="0" smtClean="0">
+                <a:ln>
+                  <a:noFill/>
+                </a:ln>
+                <a:solidFill>
+                  <a:srgbClr val="FBDE2D"/>
+                </a:solidFill>
+                <a:effectLst/>
+                <a:latin typeface="Consolas" panose="020B0609020204030204" pitchFamily="49" charset="0"/>
+                <a:cs typeface="Consolas" panose="020B0609020204030204" pitchFamily="49" charset="0"/>
+              </a:rPr>
+              <a:t>return </a:t>
+            </a:r>
+            <a:r>
+              <a:rPr kumimoji="0" lang="zh-CN" altLang="zh-CN" sz="1300" b="0" i="0" u="none" strike="noStrike" cap="none" normalizeH="0" baseline="0" dirty="0" smtClean="0">
+                <a:ln>
+                  <a:noFill/>
+                </a:ln>
+                <a:solidFill>
+                  <a:srgbClr val="F8F8F8"/>
+                </a:solidFill>
+                <a:effectLst/>
+                <a:latin typeface="Consolas" panose="020B0609020204030204" pitchFamily="49" charset="0"/>
+                <a:cs typeface="Consolas" panose="020B0609020204030204" pitchFamily="49" charset="0"/>
+              </a:rPr>
+              <a:t>(</a:t>
+            </a:r>
+            <a:br>
+              <a:rPr kumimoji="0" lang="zh-CN" altLang="zh-CN" sz="1300" b="0" i="0" u="none" strike="noStrike" cap="none" normalizeH="0" baseline="0" dirty="0" smtClean="0">
+                <a:ln>
+                  <a:noFill/>
+                </a:ln>
+                <a:solidFill>
+                  <a:srgbClr val="F8F8F8"/>
+                </a:solidFill>
+                <a:effectLst/>
+                <a:latin typeface="Consolas" panose="020B0609020204030204" pitchFamily="49" charset="0"/>
+                <a:cs typeface="Consolas" panose="020B0609020204030204" pitchFamily="49" charset="0"/>
+              </a:rPr>
+            </a:br>
+            <a:r>
+              <a:rPr kumimoji="0" lang="zh-CN" altLang="zh-CN" sz="1300" b="0" i="0" u="none" strike="noStrike" cap="none" normalizeH="0" baseline="0" dirty="0" smtClean="0">
+                <a:ln>
+                  <a:noFill/>
+                </a:ln>
+                <a:solidFill>
+                  <a:srgbClr val="F8F8F8"/>
+                </a:solidFill>
+                <a:effectLst/>
+                <a:latin typeface="Consolas" panose="020B0609020204030204" pitchFamily="49" charset="0"/>
+                <a:cs typeface="Consolas" panose="020B0609020204030204" pitchFamily="49" charset="0"/>
+              </a:rPr>
+              <a:t>            &lt;</a:t>
+            </a:r>
+            <a:r>
+              <a:rPr kumimoji="0" lang="zh-CN" altLang="zh-CN" sz="1300" b="0" i="0" u="none" strike="noStrike" cap="none" normalizeH="0" baseline="0" dirty="0" smtClean="0">
+                <a:ln>
+                  <a:noFill/>
+                </a:ln>
+                <a:solidFill>
+                  <a:srgbClr val="7F90AA"/>
+                </a:solidFill>
+                <a:effectLst/>
+                <a:latin typeface="Consolas" panose="020B0609020204030204" pitchFamily="49" charset="0"/>
+                <a:cs typeface="Consolas" panose="020B0609020204030204" pitchFamily="49" charset="0"/>
+              </a:rPr>
+              <a:t>div</a:t>
+            </a:r>
+            <a:r>
+              <a:rPr kumimoji="0" lang="zh-CN" altLang="zh-CN" sz="1300" b="0" i="0" u="none" strike="noStrike" cap="none" normalizeH="0" baseline="0" dirty="0" smtClean="0">
+                <a:ln>
+                  <a:noFill/>
+                </a:ln>
+                <a:solidFill>
+                  <a:srgbClr val="F8F8F8"/>
+                </a:solidFill>
+                <a:effectLst/>
+                <a:latin typeface="Consolas" panose="020B0609020204030204" pitchFamily="49" charset="0"/>
+                <a:cs typeface="Consolas" panose="020B0609020204030204" pitchFamily="49" charset="0"/>
+              </a:rPr>
+              <a:t>&gt;</a:t>
+            </a:r>
+            <a:br>
+              <a:rPr kumimoji="0" lang="zh-CN" altLang="zh-CN" sz="1300" b="0" i="0" u="none" strike="noStrike" cap="none" normalizeH="0" baseline="0" dirty="0" smtClean="0">
+                <a:ln>
+                  <a:noFill/>
+                </a:ln>
+                <a:solidFill>
+                  <a:srgbClr val="F8F8F8"/>
+                </a:solidFill>
+                <a:effectLst/>
+                <a:latin typeface="Consolas" panose="020B0609020204030204" pitchFamily="49" charset="0"/>
+                <a:cs typeface="Consolas" panose="020B0609020204030204" pitchFamily="49" charset="0"/>
+              </a:rPr>
+            </a:br>
+            <a:r>
+              <a:rPr kumimoji="0" lang="zh-CN" altLang="zh-CN" sz="1300" b="0" i="0" u="none" strike="noStrike" cap="none" normalizeH="0" baseline="0" dirty="0" smtClean="0">
+                <a:ln>
+                  <a:noFill/>
+                </a:ln>
+                <a:solidFill>
+                  <a:srgbClr val="F8F8F8"/>
+                </a:solidFill>
+                <a:effectLst/>
+                <a:latin typeface="Consolas" panose="020B0609020204030204" pitchFamily="49" charset="0"/>
+                <a:cs typeface="Consolas" panose="020B0609020204030204" pitchFamily="49" charset="0"/>
+              </a:rPr>
+              <a:t>                &lt;</a:t>
+            </a:r>
+            <a:r>
+              <a:rPr kumimoji="0" lang="zh-CN" altLang="zh-CN" sz="1300" b="0" i="0" u="none" strike="noStrike" cap="none" normalizeH="0" baseline="0" dirty="0" smtClean="0">
+                <a:ln>
+                  <a:noFill/>
+                </a:ln>
+                <a:solidFill>
+                  <a:srgbClr val="7F90AA"/>
+                </a:solidFill>
+                <a:effectLst/>
+                <a:latin typeface="Consolas" panose="020B0609020204030204" pitchFamily="49" charset="0"/>
+                <a:cs typeface="Consolas" panose="020B0609020204030204" pitchFamily="49" charset="0"/>
+              </a:rPr>
+              <a:t>WarningBar </a:t>
+            </a:r>
+            <a:r>
+              <a:rPr kumimoji="0" lang="zh-CN" altLang="zh-CN" sz="1300" b="0" i="0" u="none" strike="noStrike" cap="none" normalizeH="0" baseline="0" dirty="0" smtClean="0">
+                <a:ln>
+                  <a:noFill/>
+                </a:ln>
+                <a:solidFill>
+                  <a:srgbClr val="FF6400"/>
+                </a:solidFill>
+                <a:effectLst/>
+                <a:latin typeface="Consolas" panose="020B0609020204030204" pitchFamily="49" charset="0"/>
+                <a:cs typeface="Consolas" panose="020B0609020204030204" pitchFamily="49" charset="0"/>
+              </a:rPr>
+              <a:t>warn</a:t>
+            </a:r>
+            <a:r>
+              <a:rPr kumimoji="0" lang="zh-CN" altLang="zh-CN" sz="1300" b="0" i="0" u="none" strike="noStrike" cap="none" normalizeH="0" baseline="0" dirty="0" smtClean="0">
+                <a:ln>
+                  <a:noFill/>
+                </a:ln>
+                <a:solidFill>
+                  <a:srgbClr val="61CE3C"/>
+                </a:solidFill>
+                <a:effectLst/>
+                <a:latin typeface="Consolas" panose="020B0609020204030204" pitchFamily="49" charset="0"/>
+                <a:cs typeface="Consolas" panose="020B0609020204030204" pitchFamily="49" charset="0"/>
+              </a:rPr>
+              <a:t>=</a:t>
+            </a:r>
+            <a:r>
+              <a:rPr kumimoji="0" lang="zh-CN" altLang="zh-CN" sz="1300" b="0" i="0" u="none" strike="noStrike" cap="none" normalizeH="0" baseline="0" dirty="0" smtClean="0">
+                <a:ln>
+                  <a:noFill/>
+                </a:ln>
+                <a:solidFill>
+                  <a:srgbClr val="F8F8F8"/>
+                </a:solidFill>
+                <a:effectLst/>
+                <a:latin typeface="Consolas" panose="020B0609020204030204" pitchFamily="49" charset="0"/>
+                <a:cs typeface="Consolas" panose="020B0609020204030204" pitchFamily="49" charset="0"/>
+              </a:rPr>
+              <a:t>{</a:t>
+            </a:r>
+            <a:r>
+              <a:rPr kumimoji="0" lang="zh-CN" altLang="zh-CN" sz="1300" b="0" i="0" u="none" strike="noStrike" cap="none" normalizeH="0" baseline="0" dirty="0" smtClean="0">
+                <a:ln>
+                  <a:noFill/>
+                </a:ln>
+                <a:solidFill>
+                  <a:srgbClr val="FBDE2D"/>
+                </a:solidFill>
+                <a:effectLst/>
+                <a:latin typeface="Consolas" panose="020B0609020204030204" pitchFamily="49" charset="0"/>
+                <a:cs typeface="Consolas" panose="020B0609020204030204" pitchFamily="49" charset="0"/>
+              </a:rPr>
+              <a:t>this</a:t>
+            </a:r>
+            <a:r>
+              <a:rPr kumimoji="0" lang="zh-CN" altLang="zh-CN" sz="1300" b="0" i="0" u="none" strike="noStrike" cap="none" normalizeH="0" baseline="0" dirty="0" smtClean="0">
+                <a:ln>
+                  <a:noFill/>
+                </a:ln>
+                <a:solidFill>
+                  <a:srgbClr val="F8F8F8"/>
+                </a:solidFill>
+                <a:effectLst/>
+                <a:latin typeface="Consolas" panose="020B0609020204030204" pitchFamily="49" charset="0"/>
+                <a:cs typeface="Consolas" panose="020B0609020204030204" pitchFamily="49" charset="0"/>
+              </a:rPr>
+              <a:t>.</a:t>
+            </a:r>
+            <a:r>
+              <a:rPr kumimoji="0" lang="zh-CN" altLang="zh-CN" sz="1300" b="0" i="0" u="none" strike="noStrike" cap="none" normalizeH="0" baseline="0" dirty="0" smtClean="0">
+                <a:ln>
+                  <a:noFill/>
+                </a:ln>
+                <a:solidFill>
+                  <a:srgbClr val="FF6400"/>
+                </a:solidFill>
+                <a:effectLst/>
+                <a:latin typeface="Consolas" panose="020B0609020204030204" pitchFamily="49" charset="0"/>
+                <a:cs typeface="Consolas" panose="020B0609020204030204" pitchFamily="49" charset="0"/>
+              </a:rPr>
+              <a:t>state</a:t>
+            </a:r>
+            <a:r>
+              <a:rPr kumimoji="0" lang="zh-CN" altLang="zh-CN" sz="1300" b="0" i="0" u="none" strike="noStrike" cap="none" normalizeH="0" baseline="0" dirty="0" smtClean="0">
+                <a:ln>
+                  <a:noFill/>
+                </a:ln>
+                <a:solidFill>
+                  <a:srgbClr val="F8F8F8"/>
+                </a:solidFill>
+                <a:effectLst/>
+                <a:latin typeface="Consolas" panose="020B0609020204030204" pitchFamily="49" charset="0"/>
+                <a:cs typeface="Consolas" panose="020B0609020204030204" pitchFamily="49" charset="0"/>
+              </a:rPr>
+              <a:t>.</a:t>
+            </a:r>
+            <a:r>
+              <a:rPr kumimoji="0" lang="zh-CN" altLang="zh-CN" sz="1300" b="0" i="0" u="none" strike="noStrike" cap="none" normalizeH="0" baseline="0" dirty="0" smtClean="0">
+                <a:ln>
+                  <a:noFill/>
+                </a:ln>
+                <a:solidFill>
+                  <a:srgbClr val="FF6400"/>
+                </a:solidFill>
+                <a:effectLst/>
+                <a:latin typeface="Consolas" panose="020B0609020204030204" pitchFamily="49" charset="0"/>
+                <a:cs typeface="Consolas" panose="020B0609020204030204" pitchFamily="49" charset="0"/>
+              </a:rPr>
+              <a:t>warn</a:t>
+            </a:r>
+            <a:r>
+              <a:rPr kumimoji="0" lang="zh-CN" altLang="zh-CN" sz="1300" b="0" i="0" u="none" strike="noStrike" cap="none" normalizeH="0" baseline="0" dirty="0" smtClean="0">
+                <a:ln>
+                  <a:noFill/>
+                </a:ln>
+                <a:solidFill>
+                  <a:srgbClr val="F8F8F8"/>
+                </a:solidFill>
+                <a:effectLst/>
+                <a:latin typeface="Consolas" panose="020B0609020204030204" pitchFamily="49" charset="0"/>
+                <a:cs typeface="Consolas" panose="020B0609020204030204" pitchFamily="49" charset="0"/>
+              </a:rPr>
+              <a:t>}/&gt;</a:t>
+            </a:r>
+            <a:br>
+              <a:rPr kumimoji="0" lang="zh-CN" altLang="zh-CN" sz="1300" b="0" i="0" u="none" strike="noStrike" cap="none" normalizeH="0" baseline="0" dirty="0" smtClean="0">
+                <a:ln>
+                  <a:noFill/>
+                </a:ln>
+                <a:solidFill>
+                  <a:srgbClr val="F8F8F8"/>
+                </a:solidFill>
+                <a:effectLst/>
+                <a:latin typeface="Consolas" panose="020B0609020204030204" pitchFamily="49" charset="0"/>
+                <a:cs typeface="Consolas" panose="020B0609020204030204" pitchFamily="49" charset="0"/>
+              </a:rPr>
+            </a:br>
+            <a:r>
+              <a:rPr kumimoji="0" lang="zh-CN" altLang="zh-CN" sz="1300" b="0" i="0" u="none" strike="noStrike" cap="none" normalizeH="0" baseline="0" dirty="0" smtClean="0">
+                <a:ln>
+                  <a:noFill/>
+                </a:ln>
+                <a:solidFill>
+                  <a:srgbClr val="F8F8F8"/>
+                </a:solidFill>
+                <a:effectLst/>
+                <a:latin typeface="Consolas" panose="020B0609020204030204" pitchFamily="49" charset="0"/>
+                <a:cs typeface="Consolas" panose="020B0609020204030204" pitchFamily="49" charset="0"/>
+              </a:rPr>
+              <a:t>                &lt;</a:t>
+            </a:r>
+            <a:r>
+              <a:rPr kumimoji="0" lang="zh-CN" altLang="zh-CN" sz="1300" b="0" i="0" u="none" strike="noStrike" cap="none" normalizeH="0" baseline="0" dirty="0" smtClean="0">
+                <a:ln>
+                  <a:noFill/>
+                </a:ln>
+                <a:solidFill>
+                  <a:srgbClr val="7F90AA"/>
+                </a:solidFill>
+                <a:effectLst/>
+                <a:latin typeface="Consolas" panose="020B0609020204030204" pitchFamily="49" charset="0"/>
+                <a:cs typeface="Consolas" panose="020B0609020204030204" pitchFamily="49" charset="0"/>
+              </a:rPr>
+              <a:t>button </a:t>
+            </a:r>
+            <a:r>
+              <a:rPr kumimoji="0" lang="zh-CN" altLang="zh-CN" sz="1300" b="0" i="0" u="none" strike="noStrike" cap="none" normalizeH="0" baseline="0" dirty="0" smtClean="0">
+                <a:ln>
+                  <a:noFill/>
+                </a:ln>
+                <a:solidFill>
+                  <a:srgbClr val="FF6400"/>
+                </a:solidFill>
+                <a:effectLst/>
+                <a:latin typeface="Consolas" panose="020B0609020204030204" pitchFamily="49" charset="0"/>
+                <a:cs typeface="Consolas" panose="020B0609020204030204" pitchFamily="49" charset="0"/>
+              </a:rPr>
+              <a:t>onClick</a:t>
+            </a:r>
+            <a:r>
+              <a:rPr kumimoji="0" lang="zh-CN" altLang="zh-CN" sz="1300" b="0" i="0" u="none" strike="noStrike" cap="none" normalizeH="0" baseline="0" dirty="0" smtClean="0">
+                <a:ln>
+                  <a:noFill/>
+                </a:ln>
+                <a:solidFill>
+                  <a:srgbClr val="61CE3C"/>
+                </a:solidFill>
+                <a:effectLst/>
+                <a:latin typeface="Consolas" panose="020B0609020204030204" pitchFamily="49" charset="0"/>
+                <a:cs typeface="Consolas" panose="020B0609020204030204" pitchFamily="49" charset="0"/>
+              </a:rPr>
+              <a:t>=</a:t>
+            </a:r>
+            <a:r>
+              <a:rPr kumimoji="0" lang="zh-CN" altLang="zh-CN" sz="1300" b="0" i="0" u="none" strike="noStrike" cap="none" normalizeH="0" baseline="0" dirty="0" smtClean="0">
+                <a:ln>
+                  <a:noFill/>
+                </a:ln>
+                <a:solidFill>
+                  <a:srgbClr val="F8F8F8"/>
+                </a:solidFill>
+                <a:effectLst/>
+                <a:latin typeface="Consolas" panose="020B0609020204030204" pitchFamily="49" charset="0"/>
+                <a:cs typeface="Consolas" panose="020B0609020204030204" pitchFamily="49" charset="0"/>
+              </a:rPr>
+              <a:t>{</a:t>
+            </a:r>
+            <a:r>
+              <a:rPr kumimoji="0" lang="zh-CN" altLang="zh-CN" sz="1300" b="0" i="0" u="none" strike="noStrike" cap="none" normalizeH="0" baseline="0" dirty="0" smtClean="0">
+                <a:ln>
+                  <a:noFill/>
+                </a:ln>
+                <a:solidFill>
+                  <a:srgbClr val="FBDE2D"/>
+                </a:solidFill>
+                <a:effectLst/>
+                <a:latin typeface="Consolas" panose="020B0609020204030204" pitchFamily="49" charset="0"/>
+                <a:cs typeface="Consolas" panose="020B0609020204030204" pitchFamily="49" charset="0"/>
+              </a:rPr>
+              <a:t>this</a:t>
+            </a:r>
+            <a:r>
+              <a:rPr kumimoji="0" lang="zh-CN" altLang="zh-CN" sz="1300" b="0" i="0" u="none" strike="noStrike" cap="none" normalizeH="0" baseline="0" dirty="0" smtClean="0">
+                <a:ln>
+                  <a:noFill/>
+                </a:ln>
+                <a:solidFill>
+                  <a:srgbClr val="F8F8F8"/>
+                </a:solidFill>
+                <a:effectLst/>
+                <a:latin typeface="Consolas" panose="020B0609020204030204" pitchFamily="49" charset="0"/>
+                <a:cs typeface="Consolas" panose="020B0609020204030204" pitchFamily="49" charset="0"/>
+              </a:rPr>
+              <a:t>.</a:t>
+            </a:r>
+            <a:r>
+              <a:rPr kumimoji="0" lang="zh-CN" altLang="zh-CN" sz="1300" b="0" i="0" u="none" strike="noStrike" cap="none" normalizeH="0" baseline="0" dirty="0" smtClean="0">
+                <a:ln>
+                  <a:noFill/>
+                </a:ln>
+                <a:solidFill>
+                  <a:srgbClr val="FF6400"/>
+                </a:solidFill>
+                <a:effectLst/>
+                <a:latin typeface="Consolas" panose="020B0609020204030204" pitchFamily="49" charset="0"/>
+                <a:cs typeface="Consolas" panose="020B0609020204030204" pitchFamily="49" charset="0"/>
+              </a:rPr>
+              <a:t>handleToggleClick</a:t>
+            </a:r>
+            <a:r>
+              <a:rPr kumimoji="0" lang="zh-CN" altLang="zh-CN" sz="1300" b="0" i="0" u="none" strike="noStrike" cap="none" normalizeH="0" baseline="0" dirty="0" smtClean="0">
+                <a:ln>
+                  <a:noFill/>
+                </a:ln>
+                <a:solidFill>
+                  <a:srgbClr val="F8F8F8"/>
+                </a:solidFill>
+                <a:effectLst/>
+                <a:latin typeface="Consolas" panose="020B0609020204030204" pitchFamily="49" charset="0"/>
+                <a:cs typeface="Consolas" panose="020B0609020204030204" pitchFamily="49" charset="0"/>
+              </a:rPr>
+              <a:t>}&gt; {</a:t>
+            </a:r>
+            <a:r>
+              <a:rPr kumimoji="0" lang="zh-CN" altLang="zh-CN" sz="1300" b="0" i="0" u="none" strike="noStrike" cap="none" normalizeH="0" baseline="0" dirty="0" smtClean="0">
+                <a:ln>
+                  <a:noFill/>
+                </a:ln>
+                <a:solidFill>
+                  <a:srgbClr val="FBDE2D"/>
+                </a:solidFill>
+                <a:effectLst/>
+                <a:latin typeface="Consolas" panose="020B0609020204030204" pitchFamily="49" charset="0"/>
+                <a:cs typeface="Consolas" panose="020B0609020204030204" pitchFamily="49" charset="0"/>
+              </a:rPr>
+              <a:t>this</a:t>
+            </a:r>
+            <a:r>
+              <a:rPr kumimoji="0" lang="zh-CN" altLang="zh-CN" sz="1300" b="0" i="0" u="none" strike="noStrike" cap="none" normalizeH="0" baseline="0" dirty="0" smtClean="0">
+                <a:ln>
+                  <a:noFill/>
+                </a:ln>
+                <a:solidFill>
+                  <a:srgbClr val="F8F8F8"/>
+                </a:solidFill>
+                <a:effectLst/>
+                <a:latin typeface="Consolas" panose="020B0609020204030204" pitchFamily="49" charset="0"/>
+                <a:cs typeface="Consolas" panose="020B0609020204030204" pitchFamily="49" charset="0"/>
+              </a:rPr>
+              <a:t>.</a:t>
+            </a:r>
+            <a:r>
+              <a:rPr kumimoji="0" lang="zh-CN" altLang="zh-CN" sz="1300" b="0" i="0" u="none" strike="noStrike" cap="none" normalizeH="0" baseline="0" dirty="0" smtClean="0">
+                <a:ln>
+                  <a:noFill/>
+                </a:ln>
+                <a:solidFill>
+                  <a:srgbClr val="FF6400"/>
+                </a:solidFill>
+                <a:effectLst/>
+                <a:latin typeface="Consolas" panose="020B0609020204030204" pitchFamily="49" charset="0"/>
+                <a:cs typeface="Consolas" panose="020B0609020204030204" pitchFamily="49" charset="0"/>
+              </a:rPr>
+              <a:t>state</a:t>
+            </a:r>
+            <a:r>
+              <a:rPr kumimoji="0" lang="zh-CN" altLang="zh-CN" sz="1300" b="0" i="0" u="none" strike="noStrike" cap="none" normalizeH="0" baseline="0" dirty="0" smtClean="0">
+                <a:ln>
+                  <a:noFill/>
+                </a:ln>
+                <a:solidFill>
+                  <a:srgbClr val="F8F8F8"/>
+                </a:solidFill>
+                <a:effectLst/>
+                <a:latin typeface="Consolas" panose="020B0609020204030204" pitchFamily="49" charset="0"/>
+                <a:cs typeface="Consolas" panose="020B0609020204030204" pitchFamily="49" charset="0"/>
+              </a:rPr>
+              <a:t>.</a:t>
+            </a:r>
+            <a:r>
+              <a:rPr kumimoji="0" lang="zh-CN" altLang="zh-CN" sz="1300" b="0" i="0" u="none" strike="noStrike" cap="none" normalizeH="0" baseline="0" dirty="0" smtClean="0">
+                <a:ln>
+                  <a:noFill/>
+                </a:ln>
+                <a:solidFill>
+                  <a:srgbClr val="FF6400"/>
+                </a:solidFill>
+                <a:effectLst/>
+                <a:latin typeface="Consolas" panose="020B0609020204030204" pitchFamily="49" charset="0"/>
+                <a:cs typeface="Consolas" panose="020B0609020204030204" pitchFamily="49" charset="0"/>
+              </a:rPr>
+              <a:t>warn </a:t>
+            </a:r>
+            <a:r>
+              <a:rPr kumimoji="0" lang="zh-CN" altLang="zh-CN" sz="1300" b="0" i="0" u="none" strike="noStrike" cap="none" normalizeH="0" baseline="0" dirty="0" smtClean="0">
+                <a:ln>
+                  <a:noFill/>
+                </a:ln>
+                <a:solidFill>
+                  <a:srgbClr val="FBDE2D"/>
+                </a:solidFill>
+                <a:effectLst/>
+                <a:latin typeface="Consolas" panose="020B0609020204030204" pitchFamily="49" charset="0"/>
+                <a:cs typeface="Consolas" panose="020B0609020204030204" pitchFamily="49" charset="0"/>
+              </a:rPr>
+              <a:t>? </a:t>
+            </a:r>
+            <a:r>
+              <a:rPr kumimoji="0" lang="zh-CN" altLang="zh-CN" sz="1300" b="0" i="0" u="none" strike="noStrike" cap="none" normalizeH="0" baseline="0" dirty="0" smtClean="0">
+                <a:ln>
+                  <a:noFill/>
+                </a:ln>
+                <a:solidFill>
+                  <a:srgbClr val="61CE3C"/>
+                </a:solidFill>
+                <a:effectLst/>
+                <a:latin typeface="Consolas" panose="020B0609020204030204" pitchFamily="49" charset="0"/>
+                <a:cs typeface="Consolas" panose="020B0609020204030204" pitchFamily="49" charset="0"/>
+              </a:rPr>
+              <a:t>"hide" </a:t>
+            </a:r>
+            <a:r>
+              <a:rPr kumimoji="0" lang="zh-CN" altLang="zh-CN" sz="1300" b="0" i="0" u="none" strike="noStrike" cap="none" normalizeH="0" baseline="0" dirty="0" smtClean="0">
+                <a:ln>
+                  <a:noFill/>
+                </a:ln>
+                <a:solidFill>
+                  <a:srgbClr val="FBDE2D"/>
+                </a:solidFill>
+                <a:effectLst/>
+                <a:latin typeface="Consolas" panose="020B0609020204030204" pitchFamily="49" charset="0"/>
+                <a:cs typeface="Consolas" panose="020B0609020204030204" pitchFamily="49" charset="0"/>
+              </a:rPr>
+              <a:t>: </a:t>
+            </a:r>
+            <a:r>
+              <a:rPr kumimoji="0" lang="zh-CN" altLang="zh-CN" sz="1300" b="0" i="0" u="none" strike="noStrike" cap="none" normalizeH="0" baseline="0" dirty="0" smtClean="0">
+                <a:ln>
+                  <a:noFill/>
+                </a:ln>
+                <a:solidFill>
+                  <a:srgbClr val="61CE3C"/>
+                </a:solidFill>
+                <a:effectLst/>
+                <a:latin typeface="Consolas" panose="020B0609020204030204" pitchFamily="49" charset="0"/>
+                <a:cs typeface="Consolas" panose="020B0609020204030204" pitchFamily="49" charset="0"/>
+              </a:rPr>
+              <a:t>"show"</a:t>
+            </a:r>
+            <a:r>
+              <a:rPr kumimoji="0" lang="zh-CN" altLang="zh-CN" sz="1300" b="0" i="0" u="none" strike="noStrike" cap="none" normalizeH="0" baseline="0" dirty="0" smtClean="0">
+                <a:ln>
+                  <a:noFill/>
+                </a:ln>
+                <a:solidFill>
+                  <a:srgbClr val="F8F8F8"/>
+                </a:solidFill>
+                <a:effectLst/>
+                <a:latin typeface="Consolas" panose="020B0609020204030204" pitchFamily="49" charset="0"/>
+                <a:cs typeface="Consolas" panose="020B0609020204030204" pitchFamily="49" charset="0"/>
+              </a:rPr>
+              <a:t>}&lt;/</a:t>
+            </a:r>
+            <a:r>
+              <a:rPr kumimoji="0" lang="zh-CN" altLang="zh-CN" sz="1300" b="0" i="0" u="none" strike="noStrike" cap="none" normalizeH="0" baseline="0" dirty="0" smtClean="0">
+                <a:ln>
+                  <a:noFill/>
+                </a:ln>
+                <a:solidFill>
+                  <a:srgbClr val="7F90AA"/>
+                </a:solidFill>
+                <a:effectLst/>
+                <a:latin typeface="Consolas" panose="020B0609020204030204" pitchFamily="49" charset="0"/>
+                <a:cs typeface="Consolas" panose="020B0609020204030204" pitchFamily="49" charset="0"/>
+              </a:rPr>
+              <a:t>button</a:t>
+            </a:r>
+            <a:r>
+              <a:rPr kumimoji="0" lang="zh-CN" altLang="zh-CN" sz="1300" b="0" i="0" u="none" strike="noStrike" cap="none" normalizeH="0" baseline="0" dirty="0" smtClean="0">
+                <a:ln>
+                  <a:noFill/>
+                </a:ln>
+                <a:solidFill>
+                  <a:srgbClr val="F8F8F8"/>
+                </a:solidFill>
+                <a:effectLst/>
+                <a:latin typeface="Consolas" panose="020B0609020204030204" pitchFamily="49" charset="0"/>
+                <a:cs typeface="Consolas" panose="020B0609020204030204" pitchFamily="49" charset="0"/>
+              </a:rPr>
+              <a:t>&gt;</a:t>
+            </a:r>
+            <a:br>
+              <a:rPr kumimoji="0" lang="zh-CN" altLang="zh-CN" sz="1300" b="0" i="0" u="none" strike="noStrike" cap="none" normalizeH="0" baseline="0" dirty="0" smtClean="0">
+                <a:ln>
+                  <a:noFill/>
+                </a:ln>
+                <a:solidFill>
+                  <a:srgbClr val="F8F8F8"/>
+                </a:solidFill>
+                <a:effectLst/>
+                <a:latin typeface="Consolas" panose="020B0609020204030204" pitchFamily="49" charset="0"/>
+                <a:cs typeface="Consolas" panose="020B0609020204030204" pitchFamily="49" charset="0"/>
+              </a:rPr>
+            </a:br>
+            <a:r>
+              <a:rPr kumimoji="0" lang="zh-CN" altLang="zh-CN" sz="1300" b="0" i="0" u="none" strike="noStrike" cap="none" normalizeH="0" baseline="0" dirty="0" smtClean="0">
+                <a:ln>
+                  <a:noFill/>
+                </a:ln>
+                <a:solidFill>
+                  <a:srgbClr val="F8F8F8"/>
+                </a:solidFill>
+                <a:effectLst/>
+                <a:latin typeface="Consolas" panose="020B0609020204030204" pitchFamily="49" charset="0"/>
+                <a:cs typeface="Consolas" panose="020B0609020204030204" pitchFamily="49" charset="0"/>
+              </a:rPr>
+              <a:t>            &lt;/</a:t>
+            </a:r>
+            <a:r>
+              <a:rPr kumimoji="0" lang="zh-CN" altLang="zh-CN" sz="1300" b="0" i="0" u="none" strike="noStrike" cap="none" normalizeH="0" baseline="0" dirty="0" smtClean="0">
+                <a:ln>
+                  <a:noFill/>
+                </a:ln>
+                <a:solidFill>
+                  <a:srgbClr val="7F90AA"/>
+                </a:solidFill>
+                <a:effectLst/>
+                <a:latin typeface="Consolas" panose="020B0609020204030204" pitchFamily="49" charset="0"/>
+                <a:cs typeface="Consolas" panose="020B0609020204030204" pitchFamily="49" charset="0"/>
+              </a:rPr>
+              <a:t>div</a:t>
+            </a:r>
+            <a:r>
+              <a:rPr kumimoji="0" lang="zh-CN" altLang="zh-CN" sz="1300" b="0" i="0" u="none" strike="noStrike" cap="none" normalizeH="0" baseline="0" dirty="0" smtClean="0">
+                <a:ln>
+                  <a:noFill/>
+                </a:ln>
+                <a:solidFill>
+                  <a:srgbClr val="F8F8F8"/>
+                </a:solidFill>
+                <a:effectLst/>
+                <a:latin typeface="Consolas" panose="020B0609020204030204" pitchFamily="49" charset="0"/>
+                <a:cs typeface="Consolas" panose="020B0609020204030204" pitchFamily="49" charset="0"/>
+              </a:rPr>
+              <a:t>&gt;</a:t>
+            </a:r>
+            <a:br>
+              <a:rPr kumimoji="0" lang="zh-CN" altLang="zh-CN" sz="1300" b="0" i="0" u="none" strike="noStrike" cap="none" normalizeH="0" baseline="0" dirty="0" smtClean="0">
+                <a:ln>
+                  <a:noFill/>
+                </a:ln>
+                <a:solidFill>
+                  <a:srgbClr val="F8F8F8"/>
+                </a:solidFill>
+                <a:effectLst/>
+                <a:latin typeface="Consolas" panose="020B0609020204030204" pitchFamily="49" charset="0"/>
+                <a:cs typeface="Consolas" panose="020B0609020204030204" pitchFamily="49" charset="0"/>
+              </a:rPr>
+            </a:br>
+            <a:r>
+              <a:rPr kumimoji="0" lang="zh-CN" altLang="zh-CN" sz="1300" b="0" i="0" u="none" strike="noStrike" cap="none" normalizeH="0" baseline="0" dirty="0" smtClean="0">
+                <a:ln>
+                  <a:noFill/>
+                </a:ln>
+                <a:solidFill>
+                  <a:srgbClr val="F8F8F8"/>
+                </a:solidFill>
+                <a:effectLst/>
+                <a:latin typeface="Consolas" panose="020B0609020204030204" pitchFamily="49" charset="0"/>
+                <a:cs typeface="Consolas" panose="020B0609020204030204" pitchFamily="49" charset="0"/>
+              </a:rPr>
+              <a:t>        );</a:t>
+            </a:r>
+            <a:br>
+              <a:rPr kumimoji="0" lang="zh-CN" altLang="zh-CN" sz="1300" b="0" i="0" u="none" strike="noStrike" cap="none" normalizeH="0" baseline="0" dirty="0" smtClean="0">
+                <a:ln>
+                  <a:noFill/>
+                </a:ln>
+                <a:solidFill>
+                  <a:srgbClr val="F8F8F8"/>
+                </a:solidFill>
+                <a:effectLst/>
+                <a:latin typeface="Consolas" panose="020B0609020204030204" pitchFamily="49" charset="0"/>
+                <a:cs typeface="Consolas" panose="020B0609020204030204" pitchFamily="49" charset="0"/>
+              </a:rPr>
+            </a:br>
+            <a:r>
+              <a:rPr kumimoji="0" lang="zh-CN" altLang="zh-CN" sz="1300" b="0" i="0" u="none" strike="noStrike" cap="none" normalizeH="0" baseline="0" dirty="0" smtClean="0">
+                <a:ln>
+                  <a:noFill/>
+                </a:ln>
+                <a:solidFill>
+                  <a:srgbClr val="F8F8F8"/>
+                </a:solidFill>
+                <a:effectLst/>
+                <a:latin typeface="Consolas" panose="020B0609020204030204" pitchFamily="49" charset="0"/>
+                <a:cs typeface="Consolas" panose="020B0609020204030204" pitchFamily="49" charset="0"/>
+              </a:rPr>
+              <a:t>    }</a:t>
+            </a:r>
+            <a:br>
+              <a:rPr kumimoji="0" lang="zh-CN" altLang="zh-CN" sz="1300" b="0" i="0" u="none" strike="noStrike" cap="none" normalizeH="0" baseline="0" dirty="0" smtClean="0">
+                <a:ln>
+                  <a:noFill/>
+                </a:ln>
+                <a:solidFill>
+                  <a:srgbClr val="F8F8F8"/>
+                </a:solidFill>
+                <a:effectLst/>
+                <a:latin typeface="Consolas" panose="020B0609020204030204" pitchFamily="49" charset="0"/>
+                <a:cs typeface="Consolas" panose="020B0609020204030204" pitchFamily="49" charset="0"/>
+              </a:rPr>
+            </a:br>
+            <a:r>
+              <a:rPr kumimoji="0" lang="zh-CN" altLang="zh-CN" sz="1300" b="0" i="0" u="none" strike="noStrike" cap="none" normalizeH="0" baseline="0" dirty="0" smtClean="0">
+                <a:ln>
+                  <a:noFill/>
+                </a:ln>
+                <a:solidFill>
+                  <a:srgbClr val="F8F8F8"/>
+                </a:solidFill>
+                <a:effectLst/>
+                <a:latin typeface="Consolas" panose="020B0609020204030204" pitchFamily="49" charset="0"/>
+                <a:cs typeface="Consolas" panose="020B0609020204030204" pitchFamily="49" charset="0"/>
+              </a:rPr>
+              <a:t>}</a:t>
+            </a:r>
+            <a:br>
+              <a:rPr kumimoji="0" lang="zh-CN" altLang="zh-CN" sz="1300" b="0" i="0" u="none" strike="noStrike" cap="none" normalizeH="0" baseline="0" dirty="0" smtClean="0">
+                <a:ln>
+                  <a:noFill/>
+                </a:ln>
+                <a:solidFill>
+                  <a:srgbClr val="F8F8F8"/>
+                </a:solidFill>
+                <a:effectLst/>
+                <a:latin typeface="Consolas" panose="020B0609020204030204" pitchFamily="49" charset="0"/>
+                <a:cs typeface="Consolas" panose="020B0609020204030204" pitchFamily="49" charset="0"/>
+              </a:rPr>
+            </a:br>
+            <a:r>
+              <a:rPr kumimoji="0" lang="zh-CN" altLang="zh-CN" sz="1300" b="0" i="0" u="none" strike="noStrike" cap="none" normalizeH="0" baseline="0" dirty="0" smtClean="0">
+                <a:ln>
+                  <a:noFill/>
+                </a:ln>
+                <a:solidFill>
+                  <a:srgbClr val="F8F8F8"/>
+                </a:solidFill>
+                <a:effectLst/>
+                <a:latin typeface="Consolas" panose="020B0609020204030204" pitchFamily="49" charset="0"/>
+                <a:cs typeface="Consolas" panose="020B0609020204030204" pitchFamily="49" charset="0"/>
+              </a:rPr>
+              <a:t>ReactDOM.</a:t>
+            </a:r>
+            <a:r>
+              <a:rPr kumimoji="0" lang="zh-CN" altLang="zh-CN" sz="1300" b="0" i="0" u="none" strike="noStrike" cap="none" normalizeH="0" baseline="0" dirty="0" smtClean="0">
+                <a:ln>
+                  <a:noFill/>
+                </a:ln>
+                <a:solidFill>
+                  <a:srgbClr val="FF6400"/>
+                </a:solidFill>
+                <a:effectLst/>
+                <a:latin typeface="Consolas" panose="020B0609020204030204" pitchFamily="49" charset="0"/>
+                <a:cs typeface="Consolas" panose="020B0609020204030204" pitchFamily="49" charset="0"/>
+              </a:rPr>
+              <a:t>render</a:t>
+            </a:r>
+            <a:r>
+              <a:rPr kumimoji="0" lang="zh-CN" altLang="zh-CN" sz="1300" b="0" i="0" u="none" strike="noStrike" cap="none" normalizeH="0" baseline="0" dirty="0" smtClean="0">
+                <a:ln>
+                  <a:noFill/>
+                </a:ln>
+                <a:solidFill>
+                  <a:srgbClr val="F8F8F8"/>
+                </a:solidFill>
+                <a:effectLst/>
+                <a:latin typeface="Consolas" panose="020B0609020204030204" pitchFamily="49" charset="0"/>
+                <a:cs typeface="Consolas" panose="020B0609020204030204" pitchFamily="49" charset="0"/>
+              </a:rPr>
+              <a:t>(&lt;</a:t>
+            </a:r>
+            <a:r>
+              <a:rPr kumimoji="0" lang="zh-CN" altLang="zh-CN" sz="1300" b="0" i="0" u="none" strike="noStrike" cap="none" normalizeH="0" baseline="0" dirty="0" smtClean="0">
+                <a:ln>
+                  <a:noFill/>
+                </a:ln>
+                <a:solidFill>
+                  <a:srgbClr val="7F90AA"/>
+                </a:solidFill>
+                <a:effectLst/>
+                <a:latin typeface="Consolas" panose="020B0609020204030204" pitchFamily="49" charset="0"/>
+                <a:cs typeface="Consolas" panose="020B0609020204030204" pitchFamily="49" charset="0"/>
+              </a:rPr>
+              <a:t>Page</a:t>
+            </a:r>
+            <a:r>
+              <a:rPr kumimoji="0" lang="zh-CN" altLang="zh-CN" sz="1300" b="0" i="0" u="none" strike="noStrike" cap="none" normalizeH="0" baseline="0" dirty="0" smtClean="0">
+                <a:ln>
+                  <a:noFill/>
+                </a:ln>
+                <a:solidFill>
+                  <a:srgbClr val="F8F8F8"/>
+                </a:solidFill>
+                <a:effectLst/>
+                <a:latin typeface="Consolas" panose="020B0609020204030204" pitchFamily="49" charset="0"/>
+                <a:cs typeface="Consolas" panose="020B0609020204030204" pitchFamily="49" charset="0"/>
+              </a:rPr>
+              <a:t>/&gt;, </a:t>
+            </a:r>
+            <a:r>
+              <a:rPr kumimoji="0" lang="zh-CN" altLang="zh-CN" sz="1300" b="0" i="1" u="none" strike="noStrike" cap="none" normalizeH="0" baseline="0" dirty="0" smtClean="0">
+                <a:ln>
+                  <a:noFill/>
+                </a:ln>
+                <a:solidFill>
+                  <a:srgbClr val="F8F8F8"/>
+                </a:solidFill>
+                <a:effectLst/>
+                <a:latin typeface="Consolas" panose="020B0609020204030204" pitchFamily="49" charset="0"/>
+                <a:cs typeface="Consolas" panose="020B0609020204030204" pitchFamily="49" charset="0"/>
+              </a:rPr>
+              <a:t>document</a:t>
+            </a:r>
+            <a:r>
+              <a:rPr kumimoji="0" lang="zh-CN" altLang="zh-CN" sz="1300" b="0" i="0" u="none" strike="noStrike" cap="none" normalizeH="0" baseline="0" dirty="0" smtClean="0">
+                <a:ln>
+                  <a:noFill/>
+                </a:ln>
+                <a:solidFill>
+                  <a:srgbClr val="F8F8F8"/>
+                </a:solidFill>
+                <a:effectLst/>
+                <a:latin typeface="Consolas" panose="020B0609020204030204" pitchFamily="49" charset="0"/>
+                <a:cs typeface="Consolas" panose="020B0609020204030204" pitchFamily="49" charset="0"/>
+              </a:rPr>
+              <a:t>.</a:t>
+            </a:r>
+            <a:r>
+              <a:rPr kumimoji="0" lang="zh-CN" altLang="zh-CN" sz="1300" b="0" i="0" u="none" strike="noStrike" cap="none" normalizeH="0" baseline="0" dirty="0" smtClean="0">
+                <a:ln>
+                  <a:noFill/>
+                </a:ln>
+                <a:solidFill>
+                  <a:srgbClr val="FF6400"/>
+                </a:solidFill>
+                <a:effectLst/>
+                <a:latin typeface="Consolas" panose="020B0609020204030204" pitchFamily="49" charset="0"/>
+                <a:cs typeface="Consolas" panose="020B0609020204030204" pitchFamily="49" charset="0"/>
+              </a:rPr>
+              <a:t>getElementById</a:t>
+            </a:r>
+            <a:r>
+              <a:rPr kumimoji="0" lang="zh-CN" altLang="zh-CN" sz="1300" b="0" i="0" u="none" strike="noStrike" cap="none" normalizeH="0" baseline="0" dirty="0" smtClean="0">
+                <a:ln>
+                  <a:noFill/>
+                </a:ln>
+                <a:solidFill>
+                  <a:srgbClr val="F8F8F8"/>
+                </a:solidFill>
+                <a:effectLst/>
+                <a:latin typeface="Consolas" panose="020B0609020204030204" pitchFamily="49" charset="0"/>
+                <a:cs typeface="Consolas" panose="020B0609020204030204" pitchFamily="49" charset="0"/>
+              </a:rPr>
+              <a:t>(</a:t>
+            </a:r>
+            <a:r>
+              <a:rPr kumimoji="0" lang="zh-CN" altLang="zh-CN" sz="1300" b="0" i="0" u="none" strike="noStrike" cap="none" normalizeH="0" baseline="0" dirty="0" smtClean="0">
+                <a:ln>
+                  <a:noFill/>
+                </a:ln>
+                <a:solidFill>
+                  <a:srgbClr val="61CE3C"/>
+                </a:solidFill>
+                <a:effectLst/>
+                <a:latin typeface="Consolas" panose="020B0609020204030204" pitchFamily="49" charset="0"/>
+                <a:cs typeface="Consolas" panose="020B0609020204030204" pitchFamily="49" charset="0"/>
+              </a:rPr>
+              <a:t>"root"</a:t>
+            </a:r>
+            <a:r>
+              <a:rPr kumimoji="0" lang="zh-CN" altLang="zh-CN" sz="1300" b="0" i="0" u="none" strike="noStrike" cap="none" normalizeH="0" baseline="0" dirty="0" smtClean="0">
+                <a:ln>
+                  <a:noFill/>
+                </a:ln>
+                <a:solidFill>
+                  <a:srgbClr val="F8F8F8"/>
+                </a:solidFill>
+                <a:effectLst/>
+                <a:latin typeface="Consolas" panose="020B0609020204030204" pitchFamily="49" charset="0"/>
+                <a:cs typeface="Consolas" panose="020B0609020204030204" pitchFamily="49" charset="0"/>
+              </a:rPr>
+              <a:t>));</a:t>
+            </a:r>
+            <a:endParaRPr kumimoji="0" lang="zh-CN" altLang="zh-CN" sz="1800" b="0" i="0" u="none" strike="noStrike" cap="none" normalizeH="0" baseline="0" dirty="0" smtClean="0">
+              <a:ln>
+                <a:noFill/>
+              </a:ln>
+              <a:solidFill>
+                <a:schemeClr val="tx1"/>
+              </a:solidFill>
+              <a:effectLst/>
+              <a:latin typeface="Arial" panose="020B0604020202020204" pitchFamily="34" charset="0"/>
+            </a:endParaRPr>
+          </a:p>
+        </p:txBody>
+      </p:sp>
+    </p:spTree>
+    <p:extLst>
+      <p:ext uri="{BB962C8B-B14F-4D97-AF65-F5344CB8AC3E}">
+        <p14:creationId xmlns:p14="http://schemas.microsoft.com/office/powerpoint/2010/main" val="177524307"/>
+      </p:ext>
+    </p:extLst>
+  </p:cSld>
+  <p:clrMapOvr>
+    <a:masterClrMapping/>
+  </p:clrMapOvr>
+</p:sld>
+</file>
+
 <file path=ppt/slides/slide2.xml><?xml version="1.0" encoding="utf-8"?>
 <p:sld xmlns:a="http://schemas.openxmlformats.org/drawingml/2006/main" xmlns:r="http://schemas.openxmlformats.org/officeDocument/2006/relationships" xmlns:p="http://schemas.openxmlformats.org/presentationml/2006/main">
   <p:cSld>
